--- a/report/Li-20170317_.pptx
+++ b/report/Li-20170317_.pptx
@@ -5,10 +5,10 @@
     <p:sldMasterId id="2147483660" r:id="rId1"/>
   </p:sldMasterIdLst>
   <p:notesMasterIdLst>
-    <p:notesMasterId r:id="rId17"/>
+    <p:notesMasterId r:id="rId13"/>
   </p:notesMasterIdLst>
   <p:handoutMasterIdLst>
-    <p:handoutMasterId r:id="rId18"/>
+    <p:handoutMasterId r:id="rId14"/>
   </p:handoutMasterIdLst>
   <p:sldIdLst>
     <p:sldId id="256" r:id="rId2"/>
@@ -21,11 +21,7 @@
     <p:sldId id="320" r:id="rId9"/>
     <p:sldId id="323" r:id="rId10"/>
     <p:sldId id="322" r:id="rId11"/>
-    <p:sldId id="295" r:id="rId12"/>
-    <p:sldId id="309" r:id="rId13"/>
-    <p:sldId id="312" r:id="rId14"/>
-    <p:sldId id="314" r:id="rId15"/>
-    <p:sldId id="313" r:id="rId16"/>
+    <p:sldId id="324" r:id="rId12"/>
   </p:sldIdLst>
   <p:sldSz cx="9144000" cy="6858000" type="screen4x3"/>
   <p:notesSz cx="9926638" cy="6797675"/>
@@ -139,11 +135,7 @@
             <p14:sldId id="320"/>
             <p14:sldId id="323"/>
             <p14:sldId id="322"/>
-            <p14:sldId id="295"/>
-            <p14:sldId id="309"/>
-            <p14:sldId id="312"/>
-            <p14:sldId id="314"/>
-            <p14:sldId id="313"/>
+            <p14:sldId id="324"/>
           </p14:sldIdLst>
         </p14:section>
       </p14:sectionLst>
@@ -864,90 +856,6 @@
     <p:extLst>
       <p:ext uri="{BB962C8B-B14F-4D97-AF65-F5344CB8AC3E}">
         <p14:creationId xmlns:p14="http://schemas.microsoft.com/office/powerpoint/2010/main" val="2858199310"/>
-      </p:ext>
-    </p:extLst>
-  </p:cSld>
-  <p:clrMapOvr>
-    <a:masterClrMapping/>
-  </p:clrMapOvr>
-</p:notes>
-</file>
-
-<file path=ppt/notesSlides/notesSlide3.xml><?xml version="1.0" encoding="utf-8"?>
-<p:notes xmlns:a="http://schemas.openxmlformats.org/drawingml/2006/main" xmlns:r="http://schemas.openxmlformats.org/officeDocument/2006/relationships" xmlns:p="http://schemas.openxmlformats.org/presentationml/2006/main">
-  <p:cSld>
-    <p:spTree>
-      <p:nvGrpSpPr>
-        <p:cNvPr id="1" name=""/>
-        <p:cNvGrpSpPr/>
-        <p:nvPr/>
-      </p:nvGrpSpPr>
-      <p:grpSpPr>
-        <a:xfrm>
-          <a:off x="0" y="0"/>
-          <a:ext cx="0" cy="0"/>
-          <a:chOff x="0" y="0"/>
-          <a:chExt cx="0" cy="0"/>
-        </a:xfrm>
-      </p:grpSpPr>
-      <p:sp>
-        <p:nvSpPr>
-          <p:cNvPr id="2" name="スライド イメージ プレースホルダー 1"/>
-          <p:cNvSpPr>
-            <a:spLocks noGrp="1" noRot="1" noChangeAspect="1"/>
-          </p:cNvSpPr>
-          <p:nvPr>
-            <p:ph type="sldImg"/>
-          </p:nvPr>
-        </p:nvSpPr>
-        <p:spPr/>
-      </p:sp>
-      <p:sp>
-        <p:nvSpPr>
-          <p:cNvPr id="3" name="ノート プレースホルダー 2"/>
-          <p:cNvSpPr>
-            <a:spLocks noGrp="1"/>
-          </p:cNvSpPr>
-          <p:nvPr>
-            <p:ph type="body" idx="1"/>
-          </p:nvPr>
-        </p:nvSpPr>
-        <p:spPr/>
-        <p:txBody>
-          <a:bodyPr/>
-          <a:lstStyle/>
-          <a:p>
-            <a:endParaRPr kumimoji="1" lang="ja-JP" altLang="en-US" dirty="0"/>
-          </a:p>
-        </p:txBody>
-      </p:sp>
-      <p:sp>
-        <p:nvSpPr>
-          <p:cNvPr id="4" name="スライド番号プレースホルダー 3"/>
-          <p:cNvSpPr>
-            <a:spLocks noGrp="1"/>
-          </p:cNvSpPr>
-          <p:nvPr>
-            <p:ph type="sldNum" sz="quarter" idx="10"/>
-          </p:nvPr>
-        </p:nvSpPr>
-        <p:spPr/>
-        <p:txBody>
-          <a:bodyPr/>
-          <a:lstStyle/>
-          <a:p>
-            <a:fld id="{01BD5F71-B6FF-4752-A481-C3A1CF415685}" type="slidenum">
-              <a:rPr kumimoji="1" lang="ja-JP" altLang="en-US" smtClean="0"/>
-              <a:t>11</a:t>
-            </a:fld>
-            <a:endParaRPr kumimoji="1" lang="ja-JP" altLang="en-US"/>
-          </a:p>
-        </p:txBody>
-      </p:sp>
-    </p:spTree>
-    <p:extLst>
-      <p:ext uri="{BB962C8B-B14F-4D97-AF65-F5344CB8AC3E}">
-        <p14:creationId xmlns:p14="http://schemas.microsoft.com/office/powerpoint/2010/main" val="2882656505"/>
       </p:ext>
     </p:extLst>
   </p:cSld>
@@ -4307,6 +4215,374 @@
           </a:p>
         </p:txBody>
       </p:sp>
+      <p:pic>
+        <p:nvPicPr>
+          <p:cNvPr id="5" name="图片 4"/>
+          <p:cNvPicPr>
+            <a:picLocks noChangeAspect="1"/>
+          </p:cNvPicPr>
+          <p:nvPr/>
+        </p:nvPicPr>
+        <p:blipFill>
+          <a:blip r:embed="rId2" cstate="print">
+            <a:extLst>
+              <a:ext uri="{28A0092B-C50C-407E-A947-70E740481C1C}">
+                <a14:useLocalDpi xmlns:a14="http://schemas.microsoft.com/office/drawing/2010/main" val="0"/>
+              </a:ext>
+            </a:extLst>
+          </a:blip>
+          <a:stretch>
+            <a:fillRect/>
+          </a:stretch>
+        </p:blipFill>
+        <p:spPr>
+          <a:xfrm>
+            <a:off x="1273176" y="2543175"/>
+            <a:ext cx="1257300" cy="942975"/>
+          </a:xfrm>
+          <a:prstGeom prst="rect">
+            <a:avLst/>
+          </a:prstGeom>
+        </p:spPr>
+      </p:pic>
+      <p:pic>
+        <p:nvPicPr>
+          <p:cNvPr id="6" name="图片 5"/>
+          <p:cNvPicPr>
+            <a:picLocks noChangeAspect="1"/>
+          </p:cNvPicPr>
+          <p:nvPr/>
+        </p:nvPicPr>
+        <p:blipFill>
+          <a:blip r:embed="rId3" cstate="print">
+            <a:extLst>
+              <a:ext uri="{28A0092B-C50C-407E-A947-70E740481C1C}">
+                <a14:useLocalDpi xmlns:a14="http://schemas.microsoft.com/office/drawing/2010/main" val="0"/>
+              </a:ext>
+            </a:extLst>
+          </a:blip>
+          <a:stretch>
+            <a:fillRect/>
+          </a:stretch>
+        </p:blipFill>
+        <p:spPr>
+          <a:xfrm>
+            <a:off x="2916239" y="2543175"/>
+            <a:ext cx="1257300" cy="942975"/>
+          </a:xfrm>
+          <a:prstGeom prst="rect">
+            <a:avLst/>
+          </a:prstGeom>
+        </p:spPr>
+      </p:pic>
+      <p:pic>
+        <p:nvPicPr>
+          <p:cNvPr id="7" name="图片 6"/>
+          <p:cNvPicPr>
+            <a:picLocks noChangeAspect="1"/>
+          </p:cNvPicPr>
+          <p:nvPr/>
+        </p:nvPicPr>
+        <p:blipFill>
+          <a:blip r:embed="rId4" cstate="print">
+            <a:extLst>
+              <a:ext uri="{28A0092B-C50C-407E-A947-70E740481C1C}">
+                <a14:useLocalDpi xmlns:a14="http://schemas.microsoft.com/office/drawing/2010/main" val="0"/>
+              </a:ext>
+            </a:extLst>
+          </a:blip>
+          <a:stretch>
+            <a:fillRect/>
+          </a:stretch>
+        </p:blipFill>
+        <p:spPr>
+          <a:xfrm>
+            <a:off x="4559302" y="2543175"/>
+            <a:ext cx="1257300" cy="942975"/>
+          </a:xfrm>
+          <a:prstGeom prst="rect">
+            <a:avLst/>
+          </a:prstGeom>
+        </p:spPr>
+      </p:pic>
+      <p:pic>
+        <p:nvPicPr>
+          <p:cNvPr id="8" name="图片 7"/>
+          <p:cNvPicPr>
+            <a:picLocks noChangeAspect="1"/>
+          </p:cNvPicPr>
+          <p:nvPr/>
+        </p:nvPicPr>
+        <p:blipFill>
+          <a:blip r:embed="rId5" cstate="print">
+            <a:extLst>
+              <a:ext uri="{28A0092B-C50C-407E-A947-70E740481C1C}">
+                <a14:useLocalDpi xmlns:a14="http://schemas.microsoft.com/office/drawing/2010/main" val="0"/>
+              </a:ext>
+            </a:extLst>
+          </a:blip>
+          <a:stretch>
+            <a:fillRect/>
+          </a:stretch>
+        </p:blipFill>
+        <p:spPr>
+          <a:xfrm>
+            <a:off x="6202365" y="2543175"/>
+            <a:ext cx="1257300" cy="942975"/>
+          </a:xfrm>
+          <a:prstGeom prst="rect">
+            <a:avLst/>
+          </a:prstGeom>
+        </p:spPr>
+      </p:pic>
+      <p:pic>
+        <p:nvPicPr>
+          <p:cNvPr id="9" name="图片 8"/>
+          <p:cNvPicPr>
+            <a:picLocks noChangeAspect="1"/>
+          </p:cNvPicPr>
+          <p:nvPr/>
+        </p:nvPicPr>
+        <p:blipFill>
+          <a:blip r:embed="rId6" cstate="print">
+            <a:extLst>
+              <a:ext uri="{28A0092B-C50C-407E-A947-70E740481C1C}">
+                <a14:useLocalDpi xmlns:a14="http://schemas.microsoft.com/office/drawing/2010/main" val="0"/>
+              </a:ext>
+            </a:extLst>
+          </a:blip>
+          <a:stretch>
+            <a:fillRect/>
+          </a:stretch>
+        </p:blipFill>
+        <p:spPr>
+          <a:xfrm>
+            <a:off x="2916239" y="3910409"/>
+            <a:ext cx="1257300" cy="942975"/>
+          </a:xfrm>
+          <a:prstGeom prst="rect">
+            <a:avLst/>
+          </a:prstGeom>
+        </p:spPr>
+      </p:pic>
+      <p:pic>
+        <p:nvPicPr>
+          <p:cNvPr id="10" name="图片 9"/>
+          <p:cNvPicPr>
+            <a:picLocks noChangeAspect="1"/>
+          </p:cNvPicPr>
+          <p:nvPr/>
+        </p:nvPicPr>
+        <p:blipFill>
+          <a:blip r:embed="rId7" cstate="print">
+            <a:extLst>
+              <a:ext uri="{28A0092B-C50C-407E-A947-70E740481C1C}">
+                <a14:useLocalDpi xmlns:a14="http://schemas.microsoft.com/office/drawing/2010/main" val="0"/>
+              </a:ext>
+            </a:extLst>
+          </a:blip>
+          <a:stretch>
+            <a:fillRect/>
+          </a:stretch>
+        </p:blipFill>
+        <p:spPr>
+          <a:xfrm>
+            <a:off x="4561151" y="3910408"/>
+            <a:ext cx="1257301" cy="942976"/>
+          </a:xfrm>
+          <a:prstGeom prst="rect">
+            <a:avLst/>
+          </a:prstGeom>
+        </p:spPr>
+      </p:pic>
+      <p:pic>
+        <p:nvPicPr>
+          <p:cNvPr id="11" name="图片 10"/>
+          <p:cNvPicPr>
+            <a:picLocks noChangeAspect="1"/>
+          </p:cNvPicPr>
+          <p:nvPr/>
+        </p:nvPicPr>
+        <p:blipFill>
+          <a:blip r:embed="rId8" cstate="print">
+            <a:extLst>
+              <a:ext uri="{28A0092B-C50C-407E-A947-70E740481C1C}">
+                <a14:useLocalDpi xmlns:a14="http://schemas.microsoft.com/office/drawing/2010/main" val="0"/>
+              </a:ext>
+            </a:extLst>
+          </a:blip>
+          <a:stretch>
+            <a:fillRect/>
+          </a:stretch>
+        </p:blipFill>
+        <p:spPr>
+          <a:xfrm>
+            <a:off x="6202363" y="3910408"/>
+            <a:ext cx="1257301" cy="942976"/>
+          </a:xfrm>
+          <a:prstGeom prst="rect">
+            <a:avLst/>
+          </a:prstGeom>
+        </p:spPr>
+      </p:pic>
+      <p:pic>
+        <p:nvPicPr>
+          <p:cNvPr id="12" name="图片 11"/>
+          <p:cNvPicPr>
+            <a:picLocks noChangeAspect="1"/>
+          </p:cNvPicPr>
+          <p:nvPr/>
+        </p:nvPicPr>
+        <p:blipFill>
+          <a:blip r:embed="rId9" cstate="print">
+            <a:extLst>
+              <a:ext uri="{28A0092B-C50C-407E-A947-70E740481C1C}">
+                <a14:useLocalDpi xmlns:a14="http://schemas.microsoft.com/office/drawing/2010/main" val="0"/>
+              </a:ext>
+            </a:extLst>
+          </a:blip>
+          <a:stretch>
+            <a:fillRect/>
+          </a:stretch>
+        </p:blipFill>
+        <p:spPr>
+          <a:xfrm>
+            <a:off x="7843575" y="3910408"/>
+            <a:ext cx="1257301" cy="942976"/>
+          </a:xfrm>
+          <a:prstGeom prst="rect">
+            <a:avLst/>
+          </a:prstGeom>
+        </p:spPr>
+      </p:pic>
+      <p:pic>
+        <p:nvPicPr>
+          <p:cNvPr id="13" name="图片 12"/>
+          <p:cNvPicPr>
+            <a:picLocks noChangeAspect="1"/>
+          </p:cNvPicPr>
+          <p:nvPr/>
+        </p:nvPicPr>
+        <p:blipFill>
+          <a:blip r:embed="rId9" cstate="print">
+            <a:extLst>
+              <a:ext uri="{28A0092B-C50C-407E-A947-70E740481C1C}">
+                <a14:useLocalDpi xmlns:a14="http://schemas.microsoft.com/office/drawing/2010/main" val="0"/>
+              </a:ext>
+            </a:extLst>
+          </a:blip>
+          <a:stretch>
+            <a:fillRect/>
+          </a:stretch>
+        </p:blipFill>
+        <p:spPr>
+          <a:xfrm>
+            <a:off x="1273175" y="3910409"/>
+            <a:ext cx="1257301" cy="942976"/>
+          </a:xfrm>
+          <a:prstGeom prst="rect">
+            <a:avLst/>
+          </a:prstGeom>
+        </p:spPr>
+      </p:pic>
+      <p:sp>
+        <p:nvSpPr>
+          <p:cNvPr id="14" name="正方形/長方形 16"/>
+          <p:cNvSpPr/>
+          <p:nvPr/>
+        </p:nvSpPr>
+        <p:spPr>
+          <a:xfrm>
+            <a:off x="30424" y="2883857"/>
+            <a:ext cx="1339321" cy="261610"/>
+          </a:xfrm>
+          <a:prstGeom prst="rect">
+            <a:avLst/>
+          </a:prstGeom>
+        </p:spPr>
+        <p:txBody>
+          <a:bodyPr wrap="square">
+            <a:spAutoFit/>
+          </a:bodyPr>
+          <a:lstStyle/>
+          <a:p>
+            <a:r>
+              <a:rPr lang="ja-JP" altLang="en-US" sz="1100" dirty="0" smtClean="0">
+                <a:solidFill>
+                  <a:schemeClr val="accent5"/>
+                </a:solidFill>
+              </a:rPr>
+              <a:t>プロジェクター</a:t>
+            </a:r>
+            <a:r>
+              <a:rPr lang="ja-JP" altLang="en-US" sz="1100" dirty="0" smtClean="0">
+                <a:solidFill>
+                  <a:schemeClr val="accent5"/>
+                </a:solidFill>
+              </a:rPr>
+              <a:t>１</a:t>
+            </a:r>
+            <a:endParaRPr lang="ja-JP" altLang="en-US" sz="1100" dirty="0">
+              <a:solidFill>
+                <a:schemeClr val="accent5"/>
+              </a:solidFill>
+            </a:endParaRPr>
+          </a:p>
+        </p:txBody>
+      </p:sp>
+      <p:sp>
+        <p:nvSpPr>
+          <p:cNvPr id="15" name="正方形/長方形 16"/>
+          <p:cNvSpPr/>
+          <p:nvPr/>
+        </p:nvSpPr>
+        <p:spPr>
+          <a:xfrm>
+            <a:off x="30424" y="4251092"/>
+            <a:ext cx="1339321" cy="261610"/>
+          </a:xfrm>
+          <a:prstGeom prst="rect">
+            <a:avLst/>
+          </a:prstGeom>
+        </p:spPr>
+        <p:txBody>
+          <a:bodyPr wrap="square">
+            <a:spAutoFit/>
+          </a:bodyPr>
+          <a:lstStyle/>
+          <a:p>
+            <a:r>
+              <a:rPr lang="ja-JP" altLang="en-US" sz="1100" dirty="0" smtClean="0">
+                <a:solidFill>
+                  <a:schemeClr val="accent6"/>
+                </a:solidFill>
+              </a:rPr>
+              <a:t>プロジェクタ</a:t>
+            </a:r>
+            <a:r>
+              <a:rPr lang="ja-JP" altLang="en-US" sz="1100" dirty="0">
+                <a:solidFill>
+                  <a:schemeClr val="accent6"/>
+                </a:solidFill>
+              </a:rPr>
+              <a:t>ー</a:t>
+            </a:r>
+            <a:r>
+              <a:rPr lang="ja-JP" altLang="en-US" sz="1100" dirty="0" smtClean="0">
+                <a:solidFill>
+                  <a:schemeClr val="accent6"/>
+                </a:solidFill>
+              </a:rPr>
+              <a:t>２</a:t>
+            </a:r>
+            <a:endParaRPr lang="en-US" altLang="ja-JP" sz="1100" dirty="0">
+              <a:solidFill>
+                <a:schemeClr val="accent6"/>
+              </a:solidFill>
+            </a:endParaRPr>
+          </a:p>
+        </p:txBody>
+      </p:sp>
     </p:spTree>
     <p:extLst>
       <p:ext uri="{BB962C8B-B14F-4D97-AF65-F5344CB8AC3E}">
@@ -4339,7 +4615,7 @@
       </p:grpSpPr>
       <p:sp>
         <p:nvSpPr>
-          <p:cNvPr id="2" name="タイトル 1"/>
+          <p:cNvPr id="2" name="标题 1"/>
           <p:cNvSpPr>
             <a:spLocks noGrp="1"/>
           </p:cNvSpPr>
@@ -4347,1371 +4623,28 @@
             <p:ph type="title"/>
           </p:nvPr>
         </p:nvSpPr>
-        <p:spPr>
-          <a:xfrm>
-            <a:off x="628650" y="365127"/>
-            <a:ext cx="7886700" cy="763570"/>
-          </a:xfrm>
-        </p:spPr>
-        <p:txBody>
-          <a:bodyPr>
-            <a:normAutofit/>
-          </a:bodyPr>
-          <a:lstStyle/>
-          <a:p>
-            <a:r>
-              <a:rPr lang="ja-JP" altLang="en-US" dirty="0" smtClean="0"/>
+        <p:spPr/>
+        <p:txBody>
+          <a:bodyPr/>
+          <a:lstStyle/>
+          <a:p>
+            <a:r>
+              <a:rPr lang="ja-JP" altLang="en-US" dirty="0"/>
               <a:t>実験</a:t>
             </a:r>
-            <a:endParaRPr kumimoji="1" lang="ja-JP" altLang="en-US" dirty="0"/>
-          </a:p>
-        </p:txBody>
-      </p:sp>
-      <p:sp>
-        <p:nvSpPr>
-          <p:cNvPr id="3" name="コンテンツ プレースホルダー 2"/>
-          <p:cNvSpPr>
-            <a:spLocks noGrp="1"/>
-          </p:cNvSpPr>
+            <a:endParaRPr lang="zh-CN" altLang="en-US" dirty="0"/>
+          </a:p>
+        </p:txBody>
+      </p:sp>
+      <p:pic>
+        <p:nvPicPr>
+          <p:cNvPr id="5" name="内容占位符 4"/>
+          <p:cNvPicPr>
+            <a:picLocks noGrp="1" noChangeAspect="1"/>
+          </p:cNvPicPr>
           <p:nvPr>
             <p:ph idx="1"/>
           </p:nvPr>
-        </p:nvSpPr>
-        <p:spPr>
-          <a:xfrm>
-            <a:off x="587057" y="1363658"/>
-            <a:ext cx="6043338" cy="5061418"/>
-          </a:xfrm>
-        </p:spPr>
-        <p:txBody>
-          <a:bodyPr>
-            <a:normAutofit/>
-          </a:bodyPr>
-          <a:lstStyle/>
-          <a:p>
-            <a:r>
-              <a:rPr lang="ja-JP" altLang="en-US" sz="2200" dirty="0" smtClean="0"/>
-              <a:t>一つ平面を用意し，この平面</a:t>
-            </a:r>
-            <a:r>
-              <a:rPr lang="ja-JP" altLang="en-US" sz="2200" dirty="0"/>
-              <a:t>をスキャン</a:t>
-            </a:r>
-            <a:r>
-              <a:rPr lang="ja-JP" altLang="en-US" sz="2200" dirty="0" smtClean="0"/>
-              <a:t>する．</a:t>
-            </a:r>
-            <a:endParaRPr lang="en-US" altLang="ja-JP" sz="2200" dirty="0" smtClean="0"/>
-          </a:p>
-          <a:p>
-            <a:r>
-              <a:rPr lang="en-US" altLang="ja-JP" sz="2200" dirty="0" smtClean="0"/>
-              <a:t>RANSAC</a:t>
-            </a:r>
-            <a:r>
-              <a:rPr lang="ja-JP" altLang="en-US" sz="2200" dirty="0"/>
-              <a:t>法を利用</a:t>
-            </a:r>
-            <a:r>
-              <a:rPr lang="ja-JP" altLang="en-US" sz="2200" dirty="0" smtClean="0"/>
-              <a:t>し，平面</a:t>
-            </a:r>
-            <a:r>
-              <a:rPr lang="ja-JP" altLang="en-US" sz="2200" dirty="0"/>
-              <a:t>の方程式を</a:t>
-            </a:r>
-            <a:r>
-              <a:rPr lang="ja-JP" altLang="en-US" sz="2200" dirty="0" smtClean="0"/>
-              <a:t>求める．</a:t>
-            </a:r>
-            <a:endParaRPr lang="ja-JP" altLang="en-US" sz="2200" dirty="0"/>
-          </a:p>
-          <a:p>
-            <a:r>
-              <a:rPr lang="en-US" altLang="ja-JP" sz="2200" dirty="0" smtClean="0"/>
-              <a:t>3d</a:t>
-            </a:r>
-            <a:r>
-              <a:rPr lang="ja-JP" altLang="en-US" sz="2200" dirty="0"/>
-              <a:t>点群</a:t>
-            </a:r>
-            <a:r>
-              <a:rPr lang="en-US" altLang="ja-JP" sz="2200" dirty="0" smtClean="0"/>
-              <a:t> </a:t>
-            </a:r>
-            <a:r>
-              <a:rPr lang="ja-JP" altLang="en-US" sz="2200" dirty="0"/>
-              <a:t>と平面の距離</a:t>
-            </a:r>
-            <a:r>
-              <a:rPr lang="ja-JP" altLang="en-US" sz="2200" dirty="0" smtClean="0"/>
-              <a:t>を測って，この</a:t>
-            </a:r>
-            <a:r>
-              <a:rPr lang="ja-JP" altLang="en-US" sz="2200" dirty="0"/>
-              <a:t>距離を誤差と</a:t>
-            </a:r>
-            <a:r>
-              <a:rPr lang="ja-JP" altLang="en-US" sz="2200" dirty="0" smtClean="0"/>
-              <a:t>して，</a:t>
-            </a:r>
-            <a:r>
-              <a:rPr lang="en-US" altLang="ja-JP" sz="2200" dirty="0" smtClean="0"/>
-              <a:t>RMSE</a:t>
-            </a:r>
-            <a:r>
-              <a:rPr lang="ja-JP" altLang="en-US" sz="2200" dirty="0" smtClean="0"/>
-              <a:t>の計算を行う．</a:t>
-            </a:r>
-            <a:endParaRPr lang="en-US" altLang="ja-JP" sz="2200" dirty="0" smtClean="0"/>
-          </a:p>
-          <a:p>
-            <a:r>
-              <a:rPr lang="ja-JP" altLang="en-US" sz="2200" dirty="0"/>
-              <a:t>もっと実験データを取得するため、本実験では、平面の向きを変えて二回撮影を行った</a:t>
-            </a:r>
-            <a:r>
-              <a:rPr lang="ja-JP" altLang="en-US" sz="2200" dirty="0" smtClean="0"/>
-              <a:t>。</a:t>
-            </a:r>
-            <a:endParaRPr lang="en-US" altLang="ja-JP" sz="2200" dirty="0" smtClean="0"/>
-          </a:p>
-          <a:p>
-            <a:endParaRPr lang="en-US" altLang="ja-JP" sz="2200" dirty="0"/>
-          </a:p>
-          <a:p>
-            <a:r>
-              <a:rPr lang="ja-JP" altLang="en-US" sz="2200" dirty="0" smtClean="0"/>
-              <a:t>実験情報</a:t>
-            </a:r>
-            <a:endParaRPr lang="en-US" altLang="ja-JP" sz="2200" dirty="0" smtClean="0"/>
-          </a:p>
-          <a:p>
-            <a:pPr lvl="1"/>
-            <a:r>
-              <a:rPr lang="ja-JP" altLang="en-US" sz="1800" dirty="0" smtClean="0"/>
-              <a:t>カメラ：</a:t>
-            </a:r>
-            <a:r>
-              <a:rPr lang="en-US" altLang="ja-JP" sz="1800" dirty="0" err="1" smtClean="0"/>
-              <a:t>logicool</a:t>
-            </a:r>
-            <a:r>
-              <a:rPr lang="ja-JP" altLang="en-US" sz="1800" dirty="0"/>
-              <a:t> </a:t>
-            </a:r>
-            <a:r>
-              <a:rPr lang="en-US" altLang="ja-JP" sz="1800" dirty="0" smtClean="0"/>
-              <a:t>HD </a:t>
-            </a:r>
-            <a:r>
-              <a:rPr lang="en-US" altLang="ja-JP" sz="1800" dirty="0"/>
-              <a:t>WEBCAM </a:t>
-            </a:r>
-            <a:r>
-              <a:rPr lang="en-US" altLang="ja-JP" sz="1800" dirty="0" smtClean="0"/>
-              <a:t>C270</a:t>
-            </a:r>
-          </a:p>
-          <a:p>
-            <a:pPr lvl="2"/>
-            <a:r>
-              <a:rPr lang="ja-JP" altLang="en-US" sz="1400" dirty="0" smtClean="0"/>
-              <a:t>解像度 </a:t>
-            </a:r>
-            <a:r>
-              <a:rPr lang="en-US" altLang="ja-JP" sz="1400" dirty="0" smtClean="0"/>
-              <a:t>1280*960</a:t>
-            </a:r>
-          </a:p>
-          <a:p>
-            <a:pPr lvl="1"/>
-            <a:r>
-              <a:rPr lang="ja-JP" altLang="en-US" sz="1800" dirty="0" smtClean="0"/>
-              <a:t>プロジェクター：</a:t>
-            </a:r>
-            <a:r>
-              <a:rPr lang="en-US" altLang="ja-JP" sz="1800" dirty="0" smtClean="0"/>
-              <a:t>CASIO DATA PROJECTOR XJ-S68 </a:t>
-            </a:r>
-          </a:p>
-          <a:p>
-            <a:pPr lvl="2"/>
-            <a:r>
-              <a:rPr lang="ja-JP" altLang="en-US" sz="1400" dirty="0" smtClean="0"/>
-              <a:t>解像度 </a:t>
-            </a:r>
-            <a:r>
-              <a:rPr lang="en-US" altLang="ja-JP" sz="1400" dirty="0" smtClean="0"/>
-              <a:t>1024</a:t>
-            </a:r>
-            <a:r>
-              <a:rPr lang="ja-JP" altLang="en-US" sz="1400" dirty="0" smtClean="0"/>
-              <a:t>*</a:t>
-            </a:r>
-            <a:r>
-              <a:rPr lang="en-US" altLang="ja-JP" sz="1400" dirty="0" smtClean="0"/>
-              <a:t>768</a:t>
-            </a:r>
-          </a:p>
-          <a:p>
-            <a:pPr lvl="1"/>
-            <a:r>
-              <a:rPr lang="ja-JP" altLang="en-US" sz="1800" dirty="0" smtClean="0"/>
-              <a:t>パターン枚数：</a:t>
-            </a:r>
-            <a:r>
-              <a:rPr lang="en-US" altLang="ja-JP" sz="1800" dirty="0" smtClean="0"/>
-              <a:t>42</a:t>
-            </a:r>
-          </a:p>
-          <a:p>
-            <a:pPr lvl="2"/>
-            <a:r>
-              <a:rPr lang="ja-JP" altLang="en-US" sz="1400" dirty="0" smtClean="0"/>
-              <a:t>横パターン</a:t>
-            </a:r>
-            <a:r>
-              <a:rPr lang="en-US" altLang="ja-JP" sz="1400" dirty="0"/>
-              <a:t>20</a:t>
-            </a:r>
-            <a:r>
-              <a:rPr lang="ja-JP" altLang="en-US" sz="1400" dirty="0"/>
-              <a:t>枚</a:t>
-            </a:r>
-            <a:r>
-              <a:rPr lang="en-US" altLang="ja-JP" sz="1400" dirty="0" smtClean="0"/>
-              <a:t>+</a:t>
-            </a:r>
-            <a:r>
-              <a:rPr lang="ja-JP" altLang="en-US" sz="1400" dirty="0" smtClean="0"/>
-              <a:t>縦パターン</a:t>
-            </a:r>
-            <a:r>
-              <a:rPr lang="en-US" altLang="zh-CN" sz="1400" dirty="0"/>
-              <a:t>20</a:t>
-            </a:r>
-            <a:r>
-              <a:rPr lang="ja-JP" altLang="en-US" sz="1400" dirty="0"/>
-              <a:t>枚</a:t>
-            </a:r>
-            <a:r>
-              <a:rPr lang="en-US" altLang="ja-JP" sz="1400" dirty="0" smtClean="0"/>
-              <a:t>+</a:t>
-            </a:r>
-            <a:r>
-              <a:rPr lang="ja-JP" altLang="en-US" sz="1400" dirty="0" smtClean="0"/>
-              <a:t>白パターン</a:t>
-            </a:r>
-            <a:r>
-              <a:rPr lang="en-US" altLang="ja-JP" sz="1400" dirty="0"/>
-              <a:t>1</a:t>
-            </a:r>
-            <a:r>
-              <a:rPr lang="ja-JP" altLang="en-US" sz="1400" dirty="0"/>
-              <a:t>枚</a:t>
-            </a:r>
-            <a:r>
-              <a:rPr lang="en-US" altLang="ja-JP" sz="1400" dirty="0" smtClean="0"/>
-              <a:t>+</a:t>
-            </a:r>
-            <a:r>
-              <a:rPr lang="ja-JP" altLang="en-US" sz="1400" dirty="0" smtClean="0"/>
-              <a:t>黒パターン</a:t>
-            </a:r>
-            <a:r>
-              <a:rPr lang="en-US" altLang="ja-JP" sz="1400" dirty="0"/>
-              <a:t>1</a:t>
-            </a:r>
-            <a:r>
-              <a:rPr lang="ja-JP" altLang="en-US" sz="1400" dirty="0" smtClean="0"/>
-              <a:t>枚</a:t>
-            </a:r>
-            <a:endParaRPr lang="en-US" altLang="ja-JP" sz="1400" dirty="0" smtClean="0"/>
-          </a:p>
-        </p:txBody>
-      </p:sp>
-      <p:sp>
-        <p:nvSpPr>
-          <p:cNvPr id="4" name="スライド番号プレースホルダー 3"/>
-          <p:cNvSpPr>
-            <a:spLocks noGrp="1"/>
-          </p:cNvSpPr>
-          <p:nvPr>
-            <p:ph type="sldNum" sz="quarter" idx="12"/>
-          </p:nvPr>
-        </p:nvSpPr>
-        <p:spPr/>
-        <p:txBody>
-          <a:bodyPr/>
-          <a:lstStyle/>
-          <a:p>
-            <a:fld id="{DCF788E4-6569-4D19-9234-A7EC7D743A2C}" type="slidenum">
-              <a:rPr kumimoji="1" lang="ja-JP" altLang="en-US" smtClean="0"/>
-              <a:t>11</a:t>
-            </a:fld>
-            <a:endParaRPr kumimoji="1" lang="ja-JP" altLang="en-US"/>
-          </a:p>
-        </p:txBody>
-      </p:sp>
-      <p:cxnSp>
-        <p:nvCxnSpPr>
-          <p:cNvPr id="9" name="直線コネクタ 8"/>
-          <p:cNvCxnSpPr/>
-          <p:nvPr/>
-        </p:nvCxnSpPr>
-        <p:spPr>
-          <a:xfrm flipH="1">
-            <a:off x="6218063" y="3617418"/>
-            <a:ext cx="200834" cy="867177"/>
-          </a:xfrm>
-          <a:prstGeom prst="line">
-            <a:avLst/>
-          </a:prstGeom>
-          <a:ln w="19050">
-            <a:solidFill>
-              <a:schemeClr val="tx1"/>
-            </a:solidFill>
-          </a:ln>
-        </p:spPr>
-        <p:style>
-          <a:lnRef idx="1">
-            <a:schemeClr val="accent1"/>
-          </a:lnRef>
-          <a:fillRef idx="0">
-            <a:schemeClr val="accent1"/>
-          </a:fillRef>
-          <a:effectRef idx="0">
-            <a:schemeClr val="accent1"/>
-          </a:effectRef>
-          <a:fontRef idx="minor">
-            <a:schemeClr val="tx1"/>
-          </a:fontRef>
-        </p:style>
-      </p:cxnSp>
-      <p:cxnSp>
-        <p:nvCxnSpPr>
-          <p:cNvPr id="10" name="直線コネクタ 9"/>
-          <p:cNvCxnSpPr/>
-          <p:nvPr/>
-        </p:nvCxnSpPr>
-        <p:spPr>
-          <a:xfrm flipH="1">
-            <a:off x="6427936" y="3617647"/>
-            <a:ext cx="1" cy="444044"/>
-          </a:xfrm>
-          <a:prstGeom prst="line">
-            <a:avLst/>
-          </a:prstGeom>
-          <a:ln w="19050">
-            <a:solidFill>
-              <a:schemeClr val="tx1"/>
-            </a:solidFill>
-          </a:ln>
-        </p:spPr>
-        <p:style>
-          <a:lnRef idx="1">
-            <a:schemeClr val="accent1"/>
-          </a:lnRef>
-          <a:fillRef idx="0">
-            <a:schemeClr val="accent1"/>
-          </a:fillRef>
-          <a:effectRef idx="0">
-            <a:schemeClr val="accent1"/>
-          </a:effectRef>
-          <a:fontRef idx="minor">
-            <a:schemeClr val="tx1"/>
-          </a:fontRef>
-        </p:style>
-      </p:cxnSp>
-      <p:cxnSp>
-        <p:nvCxnSpPr>
-          <p:cNvPr id="17" name="直線コネクタ 16"/>
-          <p:cNvCxnSpPr/>
-          <p:nvPr/>
-        </p:nvCxnSpPr>
-        <p:spPr>
-          <a:xfrm>
-            <a:off x="6427936" y="4076879"/>
-            <a:ext cx="581187" cy="121309"/>
-          </a:xfrm>
-          <a:prstGeom prst="line">
-            <a:avLst/>
-          </a:prstGeom>
-          <a:ln w="19050">
-            <a:solidFill>
-              <a:schemeClr val="tx1"/>
-            </a:solidFill>
-          </a:ln>
-        </p:spPr>
-        <p:style>
-          <a:lnRef idx="1">
-            <a:schemeClr val="accent1"/>
-          </a:lnRef>
-          <a:fillRef idx="0">
-            <a:schemeClr val="accent1"/>
-          </a:fillRef>
-          <a:effectRef idx="0">
-            <a:schemeClr val="accent1"/>
-          </a:effectRef>
-          <a:fontRef idx="minor">
-            <a:schemeClr val="tx1"/>
-          </a:fontRef>
-        </p:style>
-      </p:cxnSp>
-      <p:cxnSp>
-        <p:nvCxnSpPr>
-          <p:cNvPr id="18" name="直線コネクタ 17"/>
-          <p:cNvCxnSpPr/>
-          <p:nvPr/>
-        </p:nvCxnSpPr>
-        <p:spPr>
-          <a:xfrm>
-            <a:off x="6418896" y="3617646"/>
-            <a:ext cx="581186" cy="76200"/>
-          </a:xfrm>
-          <a:prstGeom prst="line">
-            <a:avLst/>
-          </a:prstGeom>
-          <a:ln w="19050">
-            <a:solidFill>
-              <a:schemeClr val="tx1"/>
-            </a:solidFill>
-          </a:ln>
-        </p:spPr>
-        <p:style>
-          <a:lnRef idx="1">
-            <a:schemeClr val="accent1"/>
-          </a:lnRef>
-          <a:fillRef idx="0">
-            <a:schemeClr val="accent1"/>
-          </a:fillRef>
-          <a:effectRef idx="0">
-            <a:schemeClr val="accent1"/>
-          </a:effectRef>
-          <a:fontRef idx="minor">
-            <a:schemeClr val="tx1"/>
-          </a:fontRef>
-        </p:style>
-      </p:cxnSp>
-      <p:cxnSp>
-        <p:nvCxnSpPr>
-          <p:cNvPr id="19" name="直線コネクタ 18"/>
-          <p:cNvCxnSpPr/>
-          <p:nvPr/>
-        </p:nvCxnSpPr>
-        <p:spPr>
-          <a:xfrm>
-            <a:off x="7009123" y="3685451"/>
-            <a:ext cx="0" cy="512737"/>
-          </a:xfrm>
-          <a:prstGeom prst="line">
-            <a:avLst/>
-          </a:prstGeom>
-          <a:ln w="19050">
-            <a:solidFill>
-              <a:schemeClr val="tx1"/>
-            </a:solidFill>
-          </a:ln>
-        </p:spPr>
-        <p:style>
-          <a:lnRef idx="1">
-            <a:schemeClr val="accent1"/>
-          </a:lnRef>
-          <a:fillRef idx="0">
-            <a:schemeClr val="accent1"/>
-          </a:fillRef>
-          <a:effectRef idx="0">
-            <a:schemeClr val="accent1"/>
-          </a:effectRef>
-          <a:fontRef idx="minor">
-            <a:schemeClr val="tx1"/>
-          </a:fontRef>
-        </p:style>
-      </p:cxnSp>
-      <p:cxnSp>
-        <p:nvCxnSpPr>
-          <p:cNvPr id="20" name="直線コネクタ 19"/>
-          <p:cNvCxnSpPr/>
-          <p:nvPr/>
-        </p:nvCxnSpPr>
-        <p:spPr>
-          <a:xfrm flipH="1">
-            <a:off x="8683588" y="3685451"/>
-            <a:ext cx="16790" cy="452680"/>
-          </a:xfrm>
-          <a:prstGeom prst="line">
-            <a:avLst/>
-          </a:prstGeom>
-          <a:ln w="19050">
-            <a:solidFill>
-              <a:schemeClr val="tx1"/>
-            </a:solidFill>
-          </a:ln>
-        </p:spPr>
-        <p:style>
-          <a:lnRef idx="1">
-            <a:schemeClr val="accent1"/>
-          </a:lnRef>
-          <a:fillRef idx="0">
-            <a:schemeClr val="accent1"/>
-          </a:fillRef>
-          <a:effectRef idx="0">
-            <a:schemeClr val="accent1"/>
-          </a:effectRef>
-          <a:fontRef idx="minor">
-            <a:schemeClr val="tx1"/>
-          </a:fontRef>
-        </p:style>
-      </p:cxnSp>
-      <p:cxnSp>
-        <p:nvCxnSpPr>
-          <p:cNvPr id="21" name="直線コネクタ 20"/>
-          <p:cNvCxnSpPr/>
-          <p:nvPr/>
-        </p:nvCxnSpPr>
-        <p:spPr>
-          <a:xfrm flipV="1">
-            <a:off x="8101107" y="4138131"/>
-            <a:ext cx="582480" cy="89762"/>
-          </a:xfrm>
-          <a:prstGeom prst="line">
-            <a:avLst/>
-          </a:prstGeom>
-          <a:ln w="19050">
-            <a:solidFill>
-              <a:schemeClr val="tx1"/>
-            </a:solidFill>
-          </a:ln>
-        </p:spPr>
-        <p:style>
-          <a:lnRef idx="1">
-            <a:schemeClr val="accent1"/>
-          </a:lnRef>
-          <a:fillRef idx="0">
-            <a:schemeClr val="accent1"/>
-          </a:fillRef>
-          <a:effectRef idx="0">
-            <a:schemeClr val="accent1"/>
-          </a:effectRef>
-          <a:fontRef idx="minor">
-            <a:schemeClr val="tx1"/>
-          </a:fontRef>
-        </p:style>
-      </p:cxnSp>
-      <p:cxnSp>
-        <p:nvCxnSpPr>
-          <p:cNvPr id="22" name="直線コネクタ 21"/>
-          <p:cNvCxnSpPr/>
-          <p:nvPr/>
-        </p:nvCxnSpPr>
-        <p:spPr>
-          <a:xfrm flipV="1">
-            <a:off x="8101107" y="3685451"/>
-            <a:ext cx="582480" cy="38100"/>
-          </a:xfrm>
-          <a:prstGeom prst="line">
-            <a:avLst/>
-          </a:prstGeom>
-          <a:ln w="19050">
-            <a:solidFill>
-              <a:schemeClr val="tx1"/>
-            </a:solidFill>
-          </a:ln>
-        </p:spPr>
-        <p:style>
-          <a:lnRef idx="1">
-            <a:schemeClr val="accent1"/>
-          </a:lnRef>
-          <a:fillRef idx="0">
-            <a:schemeClr val="accent1"/>
-          </a:fillRef>
-          <a:effectRef idx="0">
-            <a:schemeClr val="accent1"/>
-          </a:effectRef>
-          <a:fontRef idx="minor">
-            <a:schemeClr val="tx1"/>
-          </a:fontRef>
-        </p:style>
-      </p:cxnSp>
-      <p:cxnSp>
-        <p:nvCxnSpPr>
-          <p:cNvPr id="23" name="直線コネクタ 22"/>
-          <p:cNvCxnSpPr/>
-          <p:nvPr/>
-        </p:nvCxnSpPr>
-        <p:spPr>
-          <a:xfrm>
-            <a:off x="8110149" y="3723551"/>
-            <a:ext cx="0" cy="512737"/>
-          </a:xfrm>
-          <a:prstGeom prst="line">
-            <a:avLst/>
-          </a:prstGeom>
-          <a:ln w="19050">
-            <a:solidFill>
-              <a:schemeClr val="tx1"/>
-            </a:solidFill>
-          </a:ln>
-        </p:spPr>
-        <p:style>
-          <a:lnRef idx="1">
-            <a:schemeClr val="accent1"/>
-          </a:lnRef>
-          <a:fillRef idx="0">
-            <a:schemeClr val="accent1"/>
-          </a:fillRef>
-          <a:effectRef idx="0">
-            <a:schemeClr val="accent1"/>
-          </a:effectRef>
-          <a:fontRef idx="minor">
-            <a:schemeClr val="tx1"/>
-          </a:fontRef>
-        </p:style>
-      </p:cxnSp>
-      <p:cxnSp>
-        <p:nvCxnSpPr>
-          <p:cNvPr id="24" name="直線コネクタ 23"/>
-          <p:cNvCxnSpPr/>
-          <p:nvPr/>
-        </p:nvCxnSpPr>
-        <p:spPr>
-          <a:xfrm flipH="1">
-            <a:off x="6213543" y="3693846"/>
-            <a:ext cx="804622" cy="775561"/>
-          </a:xfrm>
-          <a:prstGeom prst="line">
-            <a:avLst/>
-          </a:prstGeom>
-          <a:ln w="19050">
-            <a:solidFill>
-              <a:schemeClr val="tx1"/>
-            </a:solidFill>
-          </a:ln>
-        </p:spPr>
-        <p:style>
-          <a:lnRef idx="1">
-            <a:schemeClr val="accent1"/>
-          </a:lnRef>
-          <a:fillRef idx="0">
-            <a:schemeClr val="accent1"/>
-          </a:fillRef>
-          <a:effectRef idx="0">
-            <a:schemeClr val="accent1"/>
-          </a:effectRef>
-          <a:fontRef idx="minor">
-            <a:schemeClr val="tx1"/>
-          </a:fontRef>
-        </p:style>
-      </p:cxnSp>
-      <p:cxnSp>
-        <p:nvCxnSpPr>
-          <p:cNvPr id="25" name="直線コネクタ 24"/>
-          <p:cNvCxnSpPr/>
-          <p:nvPr/>
-        </p:nvCxnSpPr>
-        <p:spPr>
-          <a:xfrm flipH="1">
-            <a:off x="6220326" y="4076879"/>
-            <a:ext cx="205024" cy="392528"/>
-          </a:xfrm>
-          <a:prstGeom prst="line">
-            <a:avLst/>
-          </a:prstGeom>
-          <a:ln w="19050">
-            <a:solidFill>
-              <a:schemeClr val="tx1"/>
-            </a:solidFill>
-          </a:ln>
-        </p:spPr>
-        <p:style>
-          <a:lnRef idx="1">
-            <a:schemeClr val="accent1"/>
-          </a:lnRef>
-          <a:fillRef idx="0">
-            <a:schemeClr val="accent1"/>
-          </a:fillRef>
-          <a:effectRef idx="0">
-            <a:schemeClr val="accent1"/>
-          </a:effectRef>
-          <a:fontRef idx="minor">
-            <a:schemeClr val="tx1"/>
-          </a:fontRef>
-        </p:style>
-      </p:cxnSp>
-      <p:cxnSp>
-        <p:nvCxnSpPr>
-          <p:cNvPr id="26" name="直線コネクタ 25"/>
-          <p:cNvCxnSpPr/>
-          <p:nvPr/>
-        </p:nvCxnSpPr>
-        <p:spPr>
-          <a:xfrm flipH="1">
-            <a:off x="6209021" y="4198188"/>
-            <a:ext cx="806558" cy="271219"/>
-          </a:xfrm>
-          <a:prstGeom prst="line">
-            <a:avLst/>
-          </a:prstGeom>
-          <a:ln w="19050">
-            <a:solidFill>
-              <a:schemeClr val="tx1"/>
-            </a:solidFill>
-          </a:ln>
-        </p:spPr>
-        <p:style>
-          <a:lnRef idx="1">
-            <a:schemeClr val="accent1"/>
-          </a:lnRef>
-          <a:fillRef idx="0">
-            <a:schemeClr val="accent1"/>
-          </a:fillRef>
-          <a:effectRef idx="0">
-            <a:schemeClr val="accent1"/>
-          </a:effectRef>
-          <a:fontRef idx="minor">
-            <a:schemeClr val="tx1"/>
-          </a:fontRef>
-        </p:style>
-      </p:cxnSp>
-      <p:cxnSp>
-        <p:nvCxnSpPr>
-          <p:cNvPr id="27" name="直線コネクタ 26"/>
-          <p:cNvCxnSpPr/>
-          <p:nvPr/>
-        </p:nvCxnSpPr>
-        <p:spPr>
-          <a:xfrm>
-            <a:off x="8682943" y="4115436"/>
-            <a:ext cx="240220" cy="355815"/>
-          </a:xfrm>
-          <a:prstGeom prst="line">
-            <a:avLst/>
-          </a:prstGeom>
-          <a:ln w="19050">
-            <a:solidFill>
-              <a:schemeClr val="tx1"/>
-            </a:solidFill>
-          </a:ln>
-        </p:spPr>
-        <p:style>
-          <a:lnRef idx="1">
-            <a:schemeClr val="accent1"/>
-          </a:lnRef>
-          <a:fillRef idx="0">
-            <a:schemeClr val="accent1"/>
-          </a:fillRef>
-          <a:effectRef idx="0">
-            <a:schemeClr val="accent1"/>
-          </a:effectRef>
-          <a:fontRef idx="minor">
-            <a:schemeClr val="tx1"/>
-          </a:fontRef>
-        </p:style>
-      </p:cxnSp>
-      <p:cxnSp>
-        <p:nvCxnSpPr>
-          <p:cNvPr id="28" name="直線コネクタ 27"/>
-          <p:cNvCxnSpPr/>
-          <p:nvPr/>
-        </p:nvCxnSpPr>
-        <p:spPr>
-          <a:xfrm>
-            <a:off x="8096587" y="3718594"/>
-            <a:ext cx="831096" cy="752657"/>
-          </a:xfrm>
-          <a:prstGeom prst="line">
-            <a:avLst/>
-          </a:prstGeom>
-          <a:ln w="19050">
-            <a:solidFill>
-              <a:schemeClr val="tx1"/>
-            </a:solidFill>
-          </a:ln>
-        </p:spPr>
-        <p:style>
-          <a:lnRef idx="1">
-            <a:schemeClr val="accent1"/>
-          </a:lnRef>
-          <a:fillRef idx="0">
-            <a:schemeClr val="accent1"/>
-          </a:fillRef>
-          <a:effectRef idx="0">
-            <a:schemeClr val="accent1"/>
-          </a:effectRef>
-          <a:fontRef idx="minor">
-            <a:schemeClr val="tx1"/>
-          </a:fontRef>
-        </p:style>
-      </p:cxnSp>
-      <p:cxnSp>
-        <p:nvCxnSpPr>
-          <p:cNvPr id="29" name="直線コネクタ 28"/>
-          <p:cNvCxnSpPr/>
-          <p:nvPr/>
-        </p:nvCxnSpPr>
-        <p:spPr>
-          <a:xfrm>
-            <a:off x="8683588" y="3685451"/>
-            <a:ext cx="253137" cy="785800"/>
-          </a:xfrm>
-          <a:prstGeom prst="line">
-            <a:avLst/>
-          </a:prstGeom>
-          <a:ln w="19050">
-            <a:solidFill>
-              <a:schemeClr val="tx1"/>
-            </a:solidFill>
-          </a:ln>
-        </p:spPr>
-        <p:style>
-          <a:lnRef idx="1">
-            <a:schemeClr val="accent1"/>
-          </a:lnRef>
-          <a:fillRef idx="0">
-            <a:schemeClr val="accent1"/>
-          </a:fillRef>
-          <a:effectRef idx="0">
-            <a:schemeClr val="accent1"/>
-          </a:effectRef>
-          <a:fontRef idx="minor">
-            <a:schemeClr val="tx1"/>
-          </a:fontRef>
-        </p:style>
-      </p:cxnSp>
-      <p:cxnSp>
-        <p:nvCxnSpPr>
-          <p:cNvPr id="30" name="直線コネクタ 29"/>
-          <p:cNvCxnSpPr/>
-          <p:nvPr/>
-        </p:nvCxnSpPr>
-        <p:spPr>
-          <a:xfrm>
-            <a:off x="8110150" y="4226182"/>
-            <a:ext cx="813013" cy="245069"/>
-          </a:xfrm>
-          <a:prstGeom prst="line">
-            <a:avLst/>
-          </a:prstGeom>
-          <a:ln w="19050">
-            <a:solidFill>
-              <a:schemeClr val="tx1"/>
-            </a:solidFill>
-          </a:ln>
-        </p:spPr>
-        <p:style>
-          <a:lnRef idx="1">
-            <a:schemeClr val="accent1"/>
-          </a:lnRef>
-          <a:fillRef idx="0">
-            <a:schemeClr val="accent1"/>
-          </a:fillRef>
-          <a:effectRef idx="0">
-            <a:schemeClr val="accent1"/>
-          </a:effectRef>
-          <a:fontRef idx="minor">
-            <a:schemeClr val="tx1"/>
-          </a:fontRef>
-        </p:style>
-      </p:cxnSp>
-      <p:sp>
-        <p:nvSpPr>
-          <p:cNvPr id="39" name="円弧 38"/>
-          <p:cNvSpPr/>
-          <p:nvPr/>
-        </p:nvSpPr>
-        <p:spPr>
-          <a:xfrm rot="21318549" flipV="1">
-            <a:off x="6909837" y="3828881"/>
-            <a:ext cx="1295078" cy="731748"/>
-          </a:xfrm>
-          <a:prstGeom prst="arc">
-            <a:avLst>
-              <a:gd name="adj1" fmla="val 11046157"/>
-              <a:gd name="adj2" fmla="val 21239721"/>
-            </a:avLst>
-          </a:prstGeom>
-          <a:ln w="28575">
-            <a:solidFill>
-              <a:schemeClr val="tx1"/>
-            </a:solidFill>
-            <a:headEnd type="none" w="med" len="med"/>
-            <a:tailEnd type="triangle" w="med" len="med"/>
-          </a:ln>
-        </p:spPr>
-        <p:style>
-          <a:lnRef idx="1">
-            <a:schemeClr val="accent1"/>
-          </a:lnRef>
-          <a:fillRef idx="0">
-            <a:schemeClr val="accent1"/>
-          </a:fillRef>
-          <a:effectRef idx="0">
-            <a:schemeClr val="accent1"/>
-          </a:effectRef>
-          <a:fontRef idx="minor">
-            <a:schemeClr val="tx1"/>
-          </a:fontRef>
-        </p:style>
-        <p:txBody>
-          <a:bodyPr rtlCol="0" anchor="ctr"/>
-          <a:lstStyle/>
-          <a:p>
-            <a:pPr algn="ctr"/>
-            <a:endParaRPr kumimoji="1" lang="ja-JP" altLang="en-US"/>
-          </a:p>
-        </p:txBody>
-      </p:sp>
-      <p:sp>
-        <p:nvSpPr>
-          <p:cNvPr id="42" name="テキスト ボックス 41"/>
-          <p:cNvSpPr txBox="1"/>
-          <p:nvPr/>
-        </p:nvSpPr>
-        <p:spPr>
-          <a:xfrm>
-            <a:off x="7290954" y="4194755"/>
-            <a:ext cx="594057" cy="369332"/>
-          </a:xfrm>
-          <a:prstGeom prst="rect">
-            <a:avLst/>
-          </a:prstGeom>
-          <a:noFill/>
-        </p:spPr>
-        <p:txBody>
-          <a:bodyPr wrap="square" rtlCol="0">
-            <a:spAutoFit/>
-          </a:bodyPr>
-          <a:lstStyle/>
-          <a:p>
-            <a:r>
-              <a:rPr kumimoji="1" lang="en-US" altLang="ja-JP" dirty="0" smtClean="0"/>
-              <a:t>R, t</a:t>
-            </a:r>
-            <a:endParaRPr kumimoji="1" lang="ja-JP" altLang="en-US" dirty="0"/>
-          </a:p>
-        </p:txBody>
-      </p:sp>
-      <p:sp>
-        <p:nvSpPr>
-          <p:cNvPr id="44" name="フローチャート: 手作業 43"/>
-          <p:cNvSpPr/>
-          <p:nvPr/>
-        </p:nvSpPr>
-        <p:spPr>
-          <a:xfrm>
-            <a:off x="6897162" y="4883987"/>
-            <a:ext cx="1429076" cy="604433"/>
-          </a:xfrm>
-          <a:prstGeom prst="flowChartManualOperation">
-            <a:avLst/>
-          </a:prstGeom>
-          <a:noFill/>
-          <a:ln>
-            <a:solidFill>
-              <a:schemeClr val="tx1"/>
-            </a:solidFill>
-          </a:ln>
-        </p:spPr>
-        <p:style>
-          <a:lnRef idx="2">
-            <a:schemeClr val="accent1">
-              <a:shade val="50000"/>
-            </a:schemeClr>
-          </a:lnRef>
-          <a:fillRef idx="1">
-            <a:schemeClr val="accent1"/>
-          </a:fillRef>
-          <a:effectRef idx="0">
-            <a:schemeClr val="accent1"/>
-          </a:effectRef>
-          <a:fontRef idx="minor">
-            <a:schemeClr val="lt1"/>
-          </a:fontRef>
-        </p:style>
-        <p:txBody>
-          <a:bodyPr rtlCol="0" anchor="ctr"/>
-          <a:lstStyle/>
-          <a:p>
-            <a:pPr algn="ctr"/>
-            <a:r>
-              <a:rPr lang="en-US" altLang="ja-JP" sz="1400" dirty="0" smtClean="0">
-                <a:solidFill>
-                  <a:sysClr val="windowText" lastClr="000000"/>
-                </a:solidFill>
-              </a:rPr>
-              <a:t>Projector</a:t>
-            </a:r>
-            <a:endParaRPr kumimoji="1" lang="ja-JP" altLang="en-US" sz="1400" dirty="0">
-              <a:solidFill>
-                <a:sysClr val="windowText" lastClr="000000"/>
-              </a:solidFill>
-            </a:endParaRPr>
-          </a:p>
-        </p:txBody>
-      </p:sp>
-      <p:sp>
-        <p:nvSpPr>
-          <p:cNvPr id="45" name="フローチャート: 手作業 44"/>
-          <p:cNvSpPr/>
-          <p:nvPr/>
-        </p:nvSpPr>
-        <p:spPr>
-          <a:xfrm>
-            <a:off x="6890380" y="5239266"/>
-            <a:ext cx="1435858" cy="404244"/>
-          </a:xfrm>
-          <a:prstGeom prst="flowChartManualOperation">
-            <a:avLst/>
-          </a:prstGeom>
-          <a:noFill/>
-          <a:ln>
-            <a:solidFill>
-              <a:schemeClr val="tx1"/>
-            </a:solidFill>
-          </a:ln>
-        </p:spPr>
-        <p:style>
-          <a:lnRef idx="2">
-            <a:schemeClr val="accent1">
-              <a:shade val="50000"/>
-            </a:schemeClr>
-          </a:lnRef>
-          <a:fillRef idx="1">
-            <a:schemeClr val="accent1"/>
-          </a:fillRef>
-          <a:effectRef idx="0">
-            <a:schemeClr val="accent1"/>
-          </a:effectRef>
-          <a:fontRef idx="minor">
-            <a:schemeClr val="lt1"/>
-          </a:fontRef>
-        </p:style>
-        <p:txBody>
-          <a:bodyPr rtlCol="0" anchor="ctr"/>
-          <a:lstStyle/>
-          <a:p>
-            <a:pPr algn="ctr"/>
-            <a:endParaRPr kumimoji="1" lang="ja-JP" altLang="en-US"/>
-          </a:p>
-        </p:txBody>
-      </p:sp>
-      <p:cxnSp>
-        <p:nvCxnSpPr>
-          <p:cNvPr id="46" name="直線コネクタ 45"/>
-          <p:cNvCxnSpPr/>
-          <p:nvPr/>
-        </p:nvCxnSpPr>
-        <p:spPr>
-          <a:xfrm>
-            <a:off x="6897162" y="4883987"/>
-            <a:ext cx="0" cy="354796"/>
-          </a:xfrm>
-          <a:prstGeom prst="line">
-            <a:avLst/>
-          </a:prstGeom>
-          <a:ln w="12700">
-            <a:solidFill>
-              <a:schemeClr val="tx1"/>
-            </a:solidFill>
-          </a:ln>
-        </p:spPr>
-        <p:style>
-          <a:lnRef idx="1">
-            <a:schemeClr val="accent1"/>
-          </a:lnRef>
-          <a:fillRef idx="0">
-            <a:schemeClr val="accent1"/>
-          </a:fillRef>
-          <a:effectRef idx="0">
-            <a:schemeClr val="accent1"/>
-          </a:effectRef>
-          <a:fontRef idx="minor">
-            <a:schemeClr val="tx1"/>
-          </a:fontRef>
-        </p:style>
-      </p:cxnSp>
-      <p:cxnSp>
-        <p:nvCxnSpPr>
-          <p:cNvPr id="47" name="直線コネクタ 46"/>
-          <p:cNvCxnSpPr/>
-          <p:nvPr/>
-        </p:nvCxnSpPr>
-        <p:spPr>
-          <a:xfrm>
-            <a:off x="8327846" y="4883987"/>
-            <a:ext cx="0" cy="354796"/>
-          </a:xfrm>
-          <a:prstGeom prst="line">
-            <a:avLst/>
-          </a:prstGeom>
-          <a:ln w="12700">
-            <a:solidFill>
-              <a:schemeClr val="tx1"/>
-            </a:solidFill>
-          </a:ln>
-        </p:spPr>
-        <p:style>
-          <a:lnRef idx="1">
-            <a:schemeClr val="accent1"/>
-          </a:lnRef>
-          <a:fillRef idx="0">
-            <a:schemeClr val="accent1"/>
-          </a:fillRef>
-          <a:effectRef idx="0">
-            <a:schemeClr val="accent1"/>
-          </a:effectRef>
-          <a:fontRef idx="minor">
-            <a:schemeClr val="tx1"/>
-          </a:fontRef>
-        </p:style>
-      </p:cxnSp>
-      <p:cxnSp>
-        <p:nvCxnSpPr>
-          <p:cNvPr id="48" name="直線コネクタ 47"/>
-          <p:cNvCxnSpPr/>
-          <p:nvPr/>
-        </p:nvCxnSpPr>
-        <p:spPr>
-          <a:xfrm>
-            <a:off x="8041436" y="5488420"/>
-            <a:ext cx="0" cy="155090"/>
-          </a:xfrm>
-          <a:prstGeom prst="line">
-            <a:avLst/>
-          </a:prstGeom>
-          <a:ln w="12700">
-            <a:solidFill>
-              <a:schemeClr val="tx1"/>
-            </a:solidFill>
-          </a:ln>
-        </p:spPr>
-        <p:style>
-          <a:lnRef idx="1">
-            <a:schemeClr val="accent1"/>
-          </a:lnRef>
-          <a:fillRef idx="0">
-            <a:schemeClr val="accent1"/>
-          </a:fillRef>
-          <a:effectRef idx="0">
-            <a:schemeClr val="accent1"/>
-          </a:effectRef>
-          <a:fontRef idx="minor">
-            <a:schemeClr val="tx1"/>
-          </a:fontRef>
-        </p:style>
-      </p:cxnSp>
-      <p:cxnSp>
-        <p:nvCxnSpPr>
-          <p:cNvPr id="49" name="直線コネクタ 48"/>
-          <p:cNvCxnSpPr/>
-          <p:nvPr/>
-        </p:nvCxnSpPr>
-        <p:spPr>
-          <a:xfrm>
-            <a:off x="7184619" y="5488420"/>
-            <a:ext cx="0" cy="155090"/>
-          </a:xfrm>
-          <a:prstGeom prst="line">
-            <a:avLst/>
-          </a:prstGeom>
-          <a:ln w="12700">
-            <a:solidFill>
-              <a:schemeClr val="tx1"/>
-            </a:solidFill>
-          </a:ln>
-        </p:spPr>
-        <p:style>
-          <a:lnRef idx="1">
-            <a:schemeClr val="accent1"/>
-          </a:lnRef>
-          <a:fillRef idx="0">
-            <a:schemeClr val="accent1"/>
-          </a:fillRef>
-          <a:effectRef idx="0">
-            <a:schemeClr val="accent1"/>
-          </a:effectRef>
-          <a:fontRef idx="minor">
-            <a:schemeClr val="tx1"/>
-          </a:fontRef>
-        </p:style>
-      </p:cxnSp>
-      <p:sp>
-        <p:nvSpPr>
-          <p:cNvPr id="86" name="正方形/長方形 85"/>
-          <p:cNvSpPr/>
-          <p:nvPr/>
-        </p:nvSpPr>
-        <p:spPr>
-          <a:xfrm>
-            <a:off x="6936759" y="2484442"/>
-            <a:ext cx="1151056" cy="743380"/>
-          </a:xfrm>
-          <a:prstGeom prst="rect">
-            <a:avLst/>
-          </a:prstGeom>
-        </p:spPr>
-        <p:style>
-          <a:lnRef idx="2">
-            <a:schemeClr val="accent1">
-              <a:shade val="50000"/>
-            </a:schemeClr>
-          </a:lnRef>
-          <a:fillRef idx="1">
-            <a:schemeClr val="accent1"/>
-          </a:fillRef>
-          <a:effectRef idx="0">
-            <a:schemeClr val="accent1"/>
-          </a:effectRef>
-          <a:fontRef idx="minor">
-            <a:schemeClr val="lt1"/>
-          </a:fontRef>
-        </p:style>
-        <p:txBody>
-          <a:bodyPr rtlCol="0" anchor="ctr"/>
-          <a:lstStyle/>
-          <a:p>
-            <a:pPr algn="ctr"/>
-            <a:r>
-              <a:rPr kumimoji="1" lang="en-US" altLang="ja-JP" dirty="0" smtClean="0"/>
-              <a:t>Plane</a:t>
-            </a:r>
-            <a:endParaRPr kumimoji="1" lang="ja-JP" altLang="en-US" dirty="0"/>
-          </a:p>
-        </p:txBody>
-      </p:sp>
-    </p:spTree>
-    <p:extLst>
-      <p:ext uri="{BB962C8B-B14F-4D97-AF65-F5344CB8AC3E}">
-        <p14:creationId xmlns:p14="http://schemas.microsoft.com/office/powerpoint/2010/main" val="355528185"/>
-      </p:ext>
-    </p:extLst>
-  </p:cSld>
-  <p:clrMapOvr>
-    <a:masterClrMapping/>
-  </p:clrMapOvr>
-</p:sld>
-</file>
-
-<file path=ppt/slides/slide12.xml><?xml version="1.0" encoding="utf-8"?>
-<p:sld xmlns:a="http://schemas.openxmlformats.org/drawingml/2006/main" xmlns:r="http://schemas.openxmlformats.org/officeDocument/2006/relationships" xmlns:p="http://schemas.openxmlformats.org/presentationml/2006/main">
-  <p:cSld>
-    <p:spTree>
-      <p:nvGrpSpPr>
-        <p:cNvPr id="1" name=""/>
-        <p:cNvGrpSpPr/>
-        <p:nvPr/>
-      </p:nvGrpSpPr>
-      <p:grpSpPr>
-        <a:xfrm>
-          <a:off x="0" y="0"/>
-          <a:ext cx="0" cy="0"/>
-          <a:chOff x="0" y="0"/>
-          <a:chExt cx="0" cy="0"/>
-        </a:xfrm>
-      </p:grpSpPr>
-      <p:sp>
-        <p:nvSpPr>
-          <p:cNvPr id="2" name="タイトル 1"/>
-          <p:cNvSpPr>
-            <a:spLocks noGrp="1"/>
-          </p:cNvSpPr>
-          <p:nvPr>
-            <p:ph type="title"/>
-          </p:nvPr>
-        </p:nvSpPr>
-        <p:spPr/>
-        <p:txBody>
-          <a:bodyPr/>
-          <a:lstStyle/>
-          <a:p>
-            <a:r>
-              <a:rPr lang="en-US" altLang="zh-CN" dirty="0" err="1"/>
-              <a:t>OpenCV</a:t>
-            </a:r>
-            <a:r>
-              <a:rPr lang="ja-JP" altLang="en-US" dirty="0"/>
-              <a:t>と</a:t>
-            </a:r>
-            <a:r>
-              <a:rPr lang="en-US" altLang="zh-CN" dirty="0"/>
-              <a:t>3dUnderworld</a:t>
-            </a:r>
-            <a:r>
-              <a:rPr lang="ja-JP" altLang="en-US" dirty="0"/>
-              <a:t>復元アルゴリズムの比較</a:t>
-            </a:r>
-            <a:endParaRPr kumimoji="1" lang="ja-JP" altLang="en-US" dirty="0"/>
-          </a:p>
-        </p:txBody>
-      </p:sp>
-      <p:sp>
-        <p:nvSpPr>
-          <p:cNvPr id="3" name="コンテンツ プレースホルダー 2"/>
-          <p:cNvSpPr>
-            <a:spLocks noGrp="1"/>
-          </p:cNvSpPr>
-          <p:nvPr>
-            <p:ph idx="1"/>
-          </p:nvPr>
-        </p:nvSpPr>
-        <p:spPr/>
-        <p:txBody>
-          <a:bodyPr>
-            <a:normAutofit/>
-          </a:bodyPr>
-          <a:lstStyle/>
-          <a:p>
-            <a:r>
-              <a:rPr lang="ja-JP" altLang="en-US" sz="2400" dirty="0"/>
-              <a:t>実験</a:t>
-            </a:r>
-            <a:r>
-              <a:rPr lang="en-US" altLang="zh-CN" sz="2400" dirty="0"/>
-              <a:t>01</a:t>
-            </a:r>
-            <a:r>
-              <a:rPr lang="ja-JP" altLang="en-US" sz="2400" dirty="0"/>
-              <a:t>撮影された画像の</a:t>
-            </a:r>
-            <a:r>
-              <a:rPr lang="ja-JP" altLang="en-US" sz="2400" dirty="0" smtClean="0"/>
-              <a:t>例</a:t>
-            </a:r>
-            <a:endParaRPr kumimoji="1" lang="ja-JP" altLang="en-US" sz="2200" dirty="0"/>
-          </a:p>
-        </p:txBody>
-      </p:sp>
-      <p:sp>
-        <p:nvSpPr>
-          <p:cNvPr id="4" name="スライド番号プレースホルダー 3"/>
-          <p:cNvSpPr>
-            <a:spLocks noGrp="1"/>
-          </p:cNvSpPr>
-          <p:nvPr>
-            <p:ph type="sldNum" sz="quarter" idx="12"/>
-          </p:nvPr>
-        </p:nvSpPr>
-        <p:spPr/>
-        <p:txBody>
-          <a:bodyPr/>
-          <a:lstStyle/>
-          <a:p>
-            <a:fld id="{DCF788E4-6569-4D19-9234-A7EC7D743A2C}" type="slidenum">
-              <a:rPr kumimoji="1" lang="ja-JP" altLang="en-US" smtClean="0"/>
-              <a:t>12</a:t>
-            </a:fld>
-            <a:endParaRPr kumimoji="1" lang="ja-JP" altLang="en-US"/>
-          </a:p>
-        </p:txBody>
-      </p:sp>
-      <p:pic>
-        <p:nvPicPr>
-          <p:cNvPr id="5" name="図 4"/>
-          <p:cNvPicPr>
-            <a:picLocks noChangeAspect="1"/>
-          </p:cNvPicPr>
-          <p:nvPr/>
         </p:nvPicPr>
         <p:blipFill>
           <a:blip r:embed="rId2" cstate="print">
@@ -5727,17 +4660,37 @@
         </p:blipFill>
         <p:spPr>
           <a:xfrm>
-            <a:off x="5542955" y="2569118"/>
-            <a:ext cx="1742623" cy="1306968"/>
-          </a:xfrm>
-          <a:prstGeom prst="rect">
-            <a:avLst/>
-          </a:prstGeom>
+            <a:off x="5017251" y="2337981"/>
+            <a:ext cx="3660021" cy="3543953"/>
+          </a:xfrm>
         </p:spPr>
       </p:pic>
+      <p:sp>
+        <p:nvSpPr>
+          <p:cNvPr id="4" name="灯片编号占位符 3"/>
+          <p:cNvSpPr>
+            <a:spLocks noGrp="1"/>
+          </p:cNvSpPr>
+          <p:nvPr>
+            <p:ph type="sldNum" sz="quarter" idx="12"/>
+          </p:nvPr>
+        </p:nvSpPr>
+        <p:spPr/>
+        <p:txBody>
+          <a:bodyPr/>
+          <a:lstStyle/>
+          <a:p>
+            <a:fld id="{DCF788E4-6569-4D19-9234-A7EC7D743A2C}" type="slidenum">
+              <a:rPr kumimoji="1" lang="ja-JP" altLang="en-US" smtClean="0"/>
+              <a:t>11</a:t>
+            </a:fld>
+            <a:endParaRPr kumimoji="1" lang="ja-JP" altLang="en-US"/>
+          </a:p>
+        </p:txBody>
+      </p:sp>
       <p:pic>
         <p:nvPicPr>
-          <p:cNvPr id="7" name="図 6"/>
+          <p:cNvPr id="6" name="图片 5"/>
           <p:cNvPicPr>
             <a:picLocks noChangeAspect="1"/>
           </p:cNvPicPr>
@@ -5757,8 +4710,8 @@
         </p:blipFill>
         <p:spPr>
           <a:xfrm>
-            <a:off x="3800332" y="2569118"/>
-            <a:ext cx="1742623" cy="1306967"/>
+            <a:off x="1179464" y="4072732"/>
+            <a:ext cx="3335148" cy="2097672"/>
           </a:xfrm>
           <a:prstGeom prst="rect">
             <a:avLst/>
@@ -5767,7 +4720,7 @@
       </p:pic>
       <p:pic>
         <p:nvPicPr>
-          <p:cNvPr id="6" name="図 5"/>
+          <p:cNvPr id="7" name="图片 6"/>
           <p:cNvPicPr>
             <a:picLocks noChangeAspect="1"/>
           </p:cNvPicPr>
@@ -5787,2095 +4740,214 @@
         </p:blipFill>
         <p:spPr>
           <a:xfrm>
-            <a:off x="2057709" y="2569118"/>
-            <a:ext cx="1742623" cy="1306967"/>
+            <a:off x="1179464" y="2337981"/>
+            <a:ext cx="3263902" cy="1734751"/>
           </a:xfrm>
           <a:prstGeom prst="rect">
             <a:avLst/>
           </a:prstGeom>
         </p:spPr>
       </p:pic>
-      <p:pic>
-        <p:nvPicPr>
-          <p:cNvPr id="8" name="図 7"/>
-          <p:cNvPicPr>
-            <a:picLocks noChangeAspect="1"/>
-          </p:cNvPicPr>
-          <p:nvPr/>
-        </p:nvPicPr>
-        <p:blipFill>
-          <a:blip r:embed="rId5" cstate="print">
-            <a:extLst>
-              <a:ext uri="{28A0092B-C50C-407E-A947-70E740481C1C}">
-                <a14:useLocalDpi xmlns:a14="http://schemas.microsoft.com/office/drawing/2010/main" val="0"/>
-              </a:ext>
-            </a:extLst>
-          </a:blip>
-          <a:stretch>
-            <a:fillRect/>
-          </a:stretch>
-        </p:blipFill>
-        <p:spPr>
-          <a:xfrm>
-            <a:off x="5542954" y="4011020"/>
-            <a:ext cx="1742624" cy="1306968"/>
+      <p:sp>
+        <p:nvSpPr>
+          <p:cNvPr id="8" name="コンテンツ プレースホルダー 2"/>
+          <p:cNvSpPr txBox="1">
+            <a:spLocks/>
+          </p:cNvSpPr>
+          <p:nvPr/>
+        </p:nvSpPr>
+        <p:spPr>
+          <a:xfrm>
+            <a:off x="628650" y="1825625"/>
+            <a:ext cx="7886700" cy="4351338"/>
           </a:xfrm>
           <a:prstGeom prst="rect">
             <a:avLst/>
           </a:prstGeom>
         </p:spPr>
-      </p:pic>
-      <p:pic>
-        <p:nvPicPr>
-          <p:cNvPr id="9" name="図 8"/>
-          <p:cNvPicPr>
-            <a:picLocks noChangeAspect="1"/>
-          </p:cNvPicPr>
-          <p:nvPr/>
-        </p:nvPicPr>
-        <p:blipFill>
-          <a:blip r:embed="rId6" cstate="print">
-            <a:extLst>
-              <a:ext uri="{28A0092B-C50C-407E-A947-70E740481C1C}">
-                <a14:useLocalDpi xmlns:a14="http://schemas.microsoft.com/office/drawing/2010/main" val="0"/>
-              </a:ext>
-            </a:extLst>
-          </a:blip>
-          <a:stretch>
-            <a:fillRect/>
-          </a:stretch>
-        </p:blipFill>
-        <p:spPr>
-          <a:xfrm>
-            <a:off x="2057708" y="4011021"/>
-            <a:ext cx="1742623" cy="1306967"/>
-          </a:xfrm>
-          <a:prstGeom prst="rect">
-            <a:avLst/>
-          </a:prstGeom>
-        </p:spPr>
-      </p:pic>
-      <p:pic>
-        <p:nvPicPr>
-          <p:cNvPr id="10" name="図 9"/>
-          <p:cNvPicPr>
-            <a:picLocks noChangeAspect="1"/>
-          </p:cNvPicPr>
-          <p:nvPr/>
-        </p:nvPicPr>
-        <p:blipFill>
-          <a:blip r:embed="rId7" cstate="print">
-            <a:extLst>
-              <a:ext uri="{28A0092B-C50C-407E-A947-70E740481C1C}">
-                <a14:useLocalDpi xmlns:a14="http://schemas.microsoft.com/office/drawing/2010/main" val="0"/>
-              </a:ext>
-            </a:extLst>
-          </a:blip>
-          <a:stretch>
-            <a:fillRect/>
-          </a:stretch>
-        </p:blipFill>
-        <p:spPr>
-          <a:xfrm>
-            <a:off x="3800332" y="4011021"/>
-            <a:ext cx="1742623" cy="1306967"/>
-          </a:xfrm>
-          <a:prstGeom prst="rect">
-            <a:avLst/>
-          </a:prstGeom>
-        </p:spPr>
-      </p:pic>
-      <p:sp>
-        <p:nvSpPr>
-          <p:cNvPr id="11" name="テキスト ボックス 10"/>
-          <p:cNvSpPr txBox="1"/>
-          <p:nvPr/>
-        </p:nvSpPr>
-        <p:spPr>
-          <a:xfrm>
-            <a:off x="858301" y="3091796"/>
-            <a:ext cx="960969" cy="261610"/>
-          </a:xfrm>
-          <a:prstGeom prst="rect">
-            <a:avLst/>
-          </a:prstGeom>
-          <a:noFill/>
-        </p:spPr>
-        <p:txBody>
-          <a:bodyPr wrap="square" rtlCol="0">
-            <a:spAutoFit/>
+        <p:txBody>
+          <a:bodyPr vert="horz" lIns="91440" tIns="45720" rIns="91440" bIns="45720" rtlCol="0">
+            <a:normAutofit/>
           </a:bodyPr>
-          <a:lstStyle/>
-          <a:p>
-            <a:r>
-              <a:rPr lang="ja-JP" altLang="en-US" sz="1100" dirty="0" smtClean="0"/>
-              <a:t>左のカメラ</a:t>
-            </a:r>
-            <a:endParaRPr kumimoji="1" lang="ja-JP" altLang="en-US" sz="1100" dirty="0"/>
-          </a:p>
-        </p:txBody>
-      </p:sp>
-      <p:sp>
-        <p:nvSpPr>
-          <p:cNvPr id="12" name="テキスト ボックス 11"/>
-          <p:cNvSpPr txBox="1"/>
-          <p:nvPr/>
-        </p:nvSpPr>
-        <p:spPr>
-          <a:xfrm>
-            <a:off x="858301" y="4533699"/>
-            <a:ext cx="960969" cy="261610"/>
-          </a:xfrm>
-          <a:prstGeom prst="rect">
-            <a:avLst/>
-          </a:prstGeom>
-          <a:noFill/>
-        </p:spPr>
-        <p:txBody>
-          <a:bodyPr wrap="square" rtlCol="0">
-            <a:spAutoFit/>
-          </a:bodyPr>
-          <a:lstStyle/>
-          <a:p>
-            <a:r>
-              <a:rPr lang="ja-JP" altLang="en-US" sz="1100" dirty="0" smtClean="0"/>
-              <a:t>右のカメラ</a:t>
-            </a:r>
-            <a:endParaRPr kumimoji="1" lang="ja-JP" altLang="en-US" sz="1100" dirty="0"/>
-          </a:p>
-        </p:txBody>
-      </p:sp>
-      <p:sp>
-        <p:nvSpPr>
-          <p:cNvPr id="14" name="テキスト ボックス 13"/>
-          <p:cNvSpPr txBox="1"/>
-          <p:nvPr/>
-        </p:nvSpPr>
-        <p:spPr>
-          <a:xfrm>
-            <a:off x="2435614" y="5355060"/>
-            <a:ext cx="960969" cy="261610"/>
-          </a:xfrm>
-          <a:prstGeom prst="rect">
-            <a:avLst/>
-          </a:prstGeom>
-          <a:noFill/>
-        </p:spPr>
-        <p:txBody>
-          <a:bodyPr wrap="square" rtlCol="0">
-            <a:spAutoFit/>
-          </a:bodyPr>
-          <a:lstStyle/>
-          <a:p>
-            <a:r>
-              <a:rPr lang="ja-JP" altLang="en-US" sz="1100" dirty="0"/>
-              <a:t>白パターン</a:t>
-            </a:r>
-            <a:endParaRPr kumimoji="1" lang="ja-JP" altLang="en-US" sz="1100" dirty="0"/>
-          </a:p>
-        </p:txBody>
-      </p:sp>
-      <p:sp>
-        <p:nvSpPr>
-          <p:cNvPr id="15" name="テキスト ボックス 14"/>
-          <p:cNvSpPr txBox="1"/>
-          <p:nvPr/>
-        </p:nvSpPr>
-        <p:spPr>
-          <a:xfrm>
-            <a:off x="4191161" y="5355060"/>
-            <a:ext cx="960969" cy="261610"/>
-          </a:xfrm>
-          <a:prstGeom prst="rect">
-            <a:avLst/>
-          </a:prstGeom>
-          <a:noFill/>
-        </p:spPr>
-        <p:txBody>
-          <a:bodyPr wrap="square" rtlCol="0">
-            <a:spAutoFit/>
-          </a:bodyPr>
-          <a:lstStyle/>
-          <a:p>
-            <a:r>
-              <a:rPr lang="ja-JP" altLang="en-US" sz="1100" dirty="0" smtClean="0"/>
-              <a:t>縦パターン</a:t>
-            </a:r>
-            <a:endParaRPr kumimoji="1" lang="ja-JP" altLang="en-US" sz="1100" dirty="0"/>
-          </a:p>
-        </p:txBody>
-      </p:sp>
-      <p:sp>
-        <p:nvSpPr>
-          <p:cNvPr id="16" name="テキスト ボックス 15"/>
-          <p:cNvSpPr txBox="1"/>
-          <p:nvPr/>
-        </p:nvSpPr>
-        <p:spPr>
-          <a:xfrm>
-            <a:off x="5917672" y="5355060"/>
-            <a:ext cx="960969" cy="261610"/>
-          </a:xfrm>
-          <a:prstGeom prst="rect">
-            <a:avLst/>
-          </a:prstGeom>
-          <a:noFill/>
-        </p:spPr>
-        <p:txBody>
-          <a:bodyPr wrap="square" rtlCol="0">
-            <a:spAutoFit/>
-          </a:bodyPr>
-          <a:lstStyle/>
-          <a:p>
-            <a:r>
-              <a:rPr lang="ja-JP" altLang="en-US" sz="1100" dirty="0"/>
-              <a:t>横パターン</a:t>
-            </a:r>
-            <a:endParaRPr kumimoji="1" lang="ja-JP" altLang="en-US" sz="1100" dirty="0"/>
+          <a:lstStyle>
+            <a:lvl1pPr marL="228600" indent="-228600" algn="l" defTabSz="914400" rtl="0" eaLnBrk="1" latinLnBrk="0" hangingPunct="1">
+              <a:lnSpc>
+                <a:spcPct val="90000"/>
+              </a:lnSpc>
+              <a:spcBef>
+                <a:spcPts val="1000"/>
+              </a:spcBef>
+              <a:buFont typeface="Arial" panose="020B0604020202020204" pitchFamily="34" charset="0"/>
+              <a:buChar char="•"/>
+              <a:defRPr kumimoji="1" sz="2800" kern="1200">
+                <a:solidFill>
+                  <a:schemeClr val="tx1"/>
+                </a:solidFill>
+                <a:latin typeface="+mn-lt"/>
+                <a:ea typeface="+mn-ea"/>
+                <a:cs typeface="+mn-cs"/>
+              </a:defRPr>
+            </a:lvl1pPr>
+            <a:lvl2pPr marL="685800" indent="-228600" algn="l" defTabSz="914400" rtl="0" eaLnBrk="1" latinLnBrk="0" hangingPunct="1">
+              <a:lnSpc>
+                <a:spcPct val="90000"/>
+              </a:lnSpc>
+              <a:spcBef>
+                <a:spcPts val="500"/>
+              </a:spcBef>
+              <a:buFont typeface="Arial" panose="020B0604020202020204" pitchFamily="34" charset="0"/>
+              <a:buChar char="•"/>
+              <a:defRPr kumimoji="1" sz="2400" kern="1200">
+                <a:solidFill>
+                  <a:schemeClr val="tx1"/>
+                </a:solidFill>
+                <a:latin typeface="+mn-lt"/>
+                <a:ea typeface="+mn-ea"/>
+                <a:cs typeface="+mn-cs"/>
+              </a:defRPr>
+            </a:lvl2pPr>
+            <a:lvl3pPr marL="1143000" indent="-228600" algn="l" defTabSz="914400" rtl="0" eaLnBrk="1" latinLnBrk="0" hangingPunct="1">
+              <a:lnSpc>
+                <a:spcPct val="90000"/>
+              </a:lnSpc>
+              <a:spcBef>
+                <a:spcPts val="500"/>
+              </a:spcBef>
+              <a:buFont typeface="Arial" panose="020B0604020202020204" pitchFamily="34" charset="0"/>
+              <a:buChar char="•"/>
+              <a:defRPr kumimoji="1" sz="2000" kern="1200">
+                <a:solidFill>
+                  <a:schemeClr val="tx1"/>
+                </a:solidFill>
+                <a:latin typeface="+mn-lt"/>
+                <a:ea typeface="+mn-ea"/>
+                <a:cs typeface="+mn-cs"/>
+              </a:defRPr>
+            </a:lvl3pPr>
+            <a:lvl4pPr marL="1600200" indent="-228600" algn="l" defTabSz="914400" rtl="0" eaLnBrk="1" latinLnBrk="0" hangingPunct="1">
+              <a:lnSpc>
+                <a:spcPct val="90000"/>
+              </a:lnSpc>
+              <a:spcBef>
+                <a:spcPts val="500"/>
+              </a:spcBef>
+              <a:buFont typeface="Arial" panose="020B0604020202020204" pitchFamily="34" charset="0"/>
+              <a:buChar char="•"/>
+              <a:defRPr kumimoji="1" sz="1800" kern="1200">
+                <a:solidFill>
+                  <a:schemeClr val="tx1"/>
+                </a:solidFill>
+                <a:latin typeface="+mn-lt"/>
+                <a:ea typeface="+mn-ea"/>
+                <a:cs typeface="+mn-cs"/>
+              </a:defRPr>
+            </a:lvl4pPr>
+            <a:lvl5pPr marL="2057400" indent="-228600" algn="l" defTabSz="914400" rtl="0" eaLnBrk="1" latinLnBrk="0" hangingPunct="1">
+              <a:lnSpc>
+                <a:spcPct val="90000"/>
+              </a:lnSpc>
+              <a:spcBef>
+                <a:spcPts val="500"/>
+              </a:spcBef>
+              <a:buFont typeface="Arial" panose="020B0604020202020204" pitchFamily="34" charset="0"/>
+              <a:buChar char="•"/>
+              <a:defRPr kumimoji="1" sz="1800" kern="1200">
+                <a:solidFill>
+                  <a:schemeClr val="tx1"/>
+                </a:solidFill>
+                <a:latin typeface="+mn-lt"/>
+                <a:ea typeface="+mn-ea"/>
+                <a:cs typeface="+mn-cs"/>
+              </a:defRPr>
+            </a:lvl5pPr>
+            <a:lvl6pPr marL="2514600" indent="-228600" algn="l" defTabSz="914400" rtl="0" eaLnBrk="1" latinLnBrk="0" hangingPunct="1">
+              <a:lnSpc>
+                <a:spcPct val="90000"/>
+              </a:lnSpc>
+              <a:spcBef>
+                <a:spcPts val="500"/>
+              </a:spcBef>
+              <a:buFont typeface="Arial" panose="020B0604020202020204" pitchFamily="34" charset="0"/>
+              <a:buChar char="•"/>
+              <a:defRPr kumimoji="1" sz="1800" kern="1200">
+                <a:solidFill>
+                  <a:schemeClr val="tx1"/>
+                </a:solidFill>
+                <a:latin typeface="+mn-lt"/>
+                <a:ea typeface="+mn-ea"/>
+                <a:cs typeface="+mn-cs"/>
+              </a:defRPr>
+            </a:lvl6pPr>
+            <a:lvl7pPr marL="2971800" indent="-228600" algn="l" defTabSz="914400" rtl="0" eaLnBrk="1" latinLnBrk="0" hangingPunct="1">
+              <a:lnSpc>
+                <a:spcPct val="90000"/>
+              </a:lnSpc>
+              <a:spcBef>
+                <a:spcPts val="500"/>
+              </a:spcBef>
+              <a:buFont typeface="Arial" panose="020B0604020202020204" pitchFamily="34" charset="0"/>
+              <a:buChar char="•"/>
+              <a:defRPr kumimoji="1" sz="1800" kern="1200">
+                <a:solidFill>
+                  <a:schemeClr val="tx1"/>
+                </a:solidFill>
+                <a:latin typeface="+mn-lt"/>
+                <a:ea typeface="+mn-ea"/>
+                <a:cs typeface="+mn-cs"/>
+              </a:defRPr>
+            </a:lvl7pPr>
+            <a:lvl8pPr marL="3429000" indent="-228600" algn="l" defTabSz="914400" rtl="0" eaLnBrk="1" latinLnBrk="0" hangingPunct="1">
+              <a:lnSpc>
+                <a:spcPct val="90000"/>
+              </a:lnSpc>
+              <a:spcBef>
+                <a:spcPts val="500"/>
+              </a:spcBef>
+              <a:buFont typeface="Arial" panose="020B0604020202020204" pitchFamily="34" charset="0"/>
+              <a:buChar char="•"/>
+              <a:defRPr kumimoji="1" sz="1800" kern="1200">
+                <a:solidFill>
+                  <a:schemeClr val="tx1"/>
+                </a:solidFill>
+                <a:latin typeface="+mn-lt"/>
+                <a:ea typeface="+mn-ea"/>
+                <a:cs typeface="+mn-cs"/>
+              </a:defRPr>
+            </a:lvl8pPr>
+            <a:lvl9pPr marL="3886200" indent="-228600" algn="l" defTabSz="914400" rtl="0" eaLnBrk="1" latinLnBrk="0" hangingPunct="1">
+              <a:lnSpc>
+                <a:spcPct val="90000"/>
+              </a:lnSpc>
+              <a:spcBef>
+                <a:spcPts val="500"/>
+              </a:spcBef>
+              <a:buFont typeface="Arial" panose="020B0604020202020204" pitchFamily="34" charset="0"/>
+              <a:buChar char="•"/>
+              <a:defRPr kumimoji="1" sz="1800" kern="1200">
+                <a:solidFill>
+                  <a:schemeClr val="tx1"/>
+                </a:solidFill>
+                <a:latin typeface="+mn-lt"/>
+                <a:ea typeface="+mn-ea"/>
+                <a:cs typeface="+mn-cs"/>
+              </a:defRPr>
+            </a:lvl9pPr>
+          </a:lstStyle>
+          <a:p>
+            <a:r>
+              <a:rPr lang="ja-JP" altLang="en-US" dirty="0" smtClean="0"/>
+              <a:t>結果</a:t>
+            </a:r>
+          </a:p>
+          <a:p>
+            <a:endParaRPr lang="ja-JP" altLang="en-US" dirty="0"/>
           </a:p>
         </p:txBody>
       </p:sp>
     </p:spTree>
     <p:extLst>
       <p:ext uri="{BB962C8B-B14F-4D97-AF65-F5344CB8AC3E}">
-        <p14:creationId xmlns:p14="http://schemas.microsoft.com/office/powerpoint/2010/main" val="748425405"/>
-      </p:ext>
-    </p:extLst>
-  </p:cSld>
-  <p:clrMapOvr>
-    <a:masterClrMapping/>
-  </p:clrMapOvr>
-</p:sld>
-</file>
-
-<file path=ppt/slides/slide13.xml><?xml version="1.0" encoding="utf-8"?>
-<p:sld xmlns:a="http://schemas.openxmlformats.org/drawingml/2006/main" xmlns:r="http://schemas.openxmlformats.org/officeDocument/2006/relationships" xmlns:p="http://schemas.openxmlformats.org/presentationml/2006/main">
-  <p:cSld>
-    <p:spTree>
-      <p:nvGrpSpPr>
-        <p:cNvPr id="1" name=""/>
-        <p:cNvGrpSpPr/>
-        <p:nvPr/>
-      </p:nvGrpSpPr>
-      <p:grpSpPr>
-        <a:xfrm>
-          <a:off x="0" y="0"/>
-          <a:ext cx="0" cy="0"/>
-          <a:chOff x="0" y="0"/>
-          <a:chExt cx="0" cy="0"/>
-        </a:xfrm>
-      </p:grpSpPr>
-      <p:sp>
-        <p:nvSpPr>
-          <p:cNvPr id="2" name="タイトル 1"/>
-          <p:cNvSpPr>
-            <a:spLocks noGrp="1"/>
-          </p:cNvSpPr>
-          <p:nvPr>
-            <p:ph type="title"/>
-          </p:nvPr>
-        </p:nvSpPr>
-        <p:spPr/>
-        <p:txBody>
-          <a:bodyPr/>
-          <a:lstStyle/>
-          <a:p>
-            <a:r>
-              <a:rPr lang="en-US" altLang="zh-CN" dirty="0" err="1"/>
-              <a:t>OpenCV</a:t>
-            </a:r>
-            <a:r>
-              <a:rPr lang="ja-JP" altLang="en-US" dirty="0"/>
-              <a:t>と</a:t>
-            </a:r>
-            <a:r>
-              <a:rPr lang="en-US" altLang="zh-CN" dirty="0"/>
-              <a:t>3dUnderworld</a:t>
-            </a:r>
-            <a:r>
-              <a:rPr lang="ja-JP" altLang="en-US" dirty="0"/>
-              <a:t>復元アルゴリズムの比較</a:t>
-            </a:r>
-            <a:endParaRPr kumimoji="1" lang="ja-JP" altLang="en-US" dirty="0"/>
-          </a:p>
-        </p:txBody>
-      </p:sp>
-      <p:sp>
-        <p:nvSpPr>
-          <p:cNvPr id="3" name="コンテンツ プレースホルダー 2"/>
-          <p:cNvSpPr>
-            <a:spLocks noGrp="1"/>
-          </p:cNvSpPr>
-          <p:nvPr>
-            <p:ph idx="1"/>
-          </p:nvPr>
-        </p:nvSpPr>
-        <p:spPr>
-          <a:xfrm>
-            <a:off x="628650" y="1569855"/>
-            <a:ext cx="7886700" cy="4607108"/>
-          </a:xfrm>
-        </p:spPr>
-        <p:txBody>
-          <a:bodyPr>
-            <a:normAutofit/>
-          </a:bodyPr>
-          <a:lstStyle/>
-          <a:p>
-            <a:r>
-              <a:rPr lang="ja-JP" altLang="en-US" sz="2400" dirty="0"/>
-              <a:t>実験</a:t>
-            </a:r>
-            <a:r>
-              <a:rPr lang="en-US" altLang="zh-CN" sz="2400" dirty="0" smtClean="0"/>
-              <a:t>01</a:t>
-            </a:r>
-            <a:r>
-              <a:rPr lang="ja-JP" altLang="en-US" sz="2400" dirty="0" smtClean="0"/>
-              <a:t>の結果</a:t>
-            </a:r>
-            <a:endParaRPr lang="ja-JP" altLang="en-US" sz="2400" dirty="0"/>
-          </a:p>
-        </p:txBody>
-      </p:sp>
-      <p:sp>
-        <p:nvSpPr>
-          <p:cNvPr id="4" name="スライド番号プレースホルダー 3"/>
-          <p:cNvSpPr>
-            <a:spLocks noGrp="1"/>
-          </p:cNvSpPr>
-          <p:nvPr>
-            <p:ph type="sldNum" sz="quarter" idx="12"/>
-          </p:nvPr>
-        </p:nvSpPr>
-        <p:spPr/>
-        <p:txBody>
-          <a:bodyPr/>
-          <a:lstStyle/>
-          <a:p>
-            <a:fld id="{DCF788E4-6569-4D19-9234-A7EC7D743A2C}" type="slidenum">
-              <a:rPr kumimoji="1" lang="ja-JP" altLang="en-US" smtClean="0"/>
-              <a:t>13</a:t>
-            </a:fld>
-            <a:endParaRPr kumimoji="1" lang="ja-JP" altLang="en-US"/>
-          </a:p>
-        </p:txBody>
-      </p:sp>
-      <p:graphicFrame>
-        <p:nvGraphicFramePr>
-          <p:cNvPr id="14" name="表 13"/>
-          <p:cNvGraphicFramePr>
-            <a:graphicFrameLocks noGrp="1"/>
-          </p:cNvGraphicFramePr>
-          <p:nvPr>
-            <p:extLst>
-              <p:ext uri="{D42A27DB-BD31-4B8C-83A1-F6EECF244321}">
-                <p14:modId xmlns:p14="http://schemas.microsoft.com/office/powerpoint/2010/main" val="2922628335"/>
-              </p:ext>
-            </p:extLst>
-          </p:nvPr>
-        </p:nvGraphicFramePr>
-        <p:xfrm>
-          <a:off x="183101" y="4145818"/>
-          <a:ext cx="3359709" cy="1112520"/>
-        </p:xfrm>
-        <a:graphic>
-          <a:graphicData uri="http://schemas.openxmlformats.org/drawingml/2006/table">
-            <a:tbl>
-              <a:tblPr firstRow="1" bandRow="1">
-                <a:tableStyleId>{5940675A-B579-460E-94D1-54222C63F5DA}</a:tableStyleId>
-              </a:tblPr>
-              <a:tblGrid>
-                <a:gridCol w="1119903">
-                  <a:extLst>
-                    <a:ext uri="{9D8B030D-6E8A-4147-A177-3AD203B41FA5}">
-                      <a16:colId xmlns:a16="http://schemas.microsoft.com/office/drawing/2014/main" val="704402849"/>
-                    </a:ext>
-                  </a:extLst>
-                </a:gridCol>
-                <a:gridCol w="1119903">
-                  <a:extLst>
-                    <a:ext uri="{9D8B030D-6E8A-4147-A177-3AD203B41FA5}">
-                      <a16:colId xmlns:a16="http://schemas.microsoft.com/office/drawing/2014/main" val="2242912110"/>
-                    </a:ext>
-                  </a:extLst>
-                </a:gridCol>
-                <a:gridCol w="1119903">
-                  <a:extLst>
-                    <a:ext uri="{9D8B030D-6E8A-4147-A177-3AD203B41FA5}">
-                      <a16:colId xmlns:a16="http://schemas.microsoft.com/office/drawing/2014/main" val="1072065066"/>
-                    </a:ext>
-                  </a:extLst>
-                </a:gridCol>
-              </a:tblGrid>
-              <a:tr h="370840">
-                <a:tc>
-                  <a:txBody>
-                    <a:bodyPr/>
-                    <a:lstStyle/>
-                    <a:p>
-                      <a:pPr algn="ctr"/>
-                      <a:r>
-                        <a:rPr kumimoji="1" lang="ja-JP" altLang="en-US" sz="1200" dirty="0" smtClean="0"/>
-                        <a:t>手法</a:t>
-                      </a:r>
-                      <a:endParaRPr kumimoji="1" lang="ja-JP" altLang="en-US" sz="1200" dirty="0"/>
-                    </a:p>
-                  </a:txBody>
-                  <a:tcPr anchor="ctr"/>
-                </a:tc>
-                <a:tc>
-                  <a:txBody>
-                    <a:bodyPr/>
-                    <a:lstStyle/>
-                    <a:p>
-                      <a:pPr algn="ctr"/>
-                      <a:r>
-                        <a:rPr kumimoji="1" lang="en-US" altLang="ja-JP" sz="1200" kern="1200" dirty="0" smtClean="0">
-                          <a:solidFill>
-                            <a:schemeClr val="tx1"/>
-                          </a:solidFill>
-                          <a:latin typeface="+mn-lt"/>
-                          <a:ea typeface="+mn-ea"/>
-                          <a:cs typeface="+mn-cs"/>
-                        </a:rPr>
-                        <a:t>RMSE</a:t>
-                      </a:r>
-                      <a:endParaRPr kumimoji="1" lang="ja-JP" altLang="en-US" sz="1200" dirty="0"/>
-                    </a:p>
-                  </a:txBody>
-                  <a:tcPr anchor="ctr"/>
-                </a:tc>
-                <a:tc>
-                  <a:txBody>
-                    <a:bodyPr/>
-                    <a:lstStyle/>
-                    <a:p>
-                      <a:pPr algn="ctr"/>
-                      <a:r>
-                        <a:rPr kumimoji="1" lang="ja-JP" altLang="en-US" sz="1200" dirty="0" smtClean="0"/>
-                        <a:t>点数</a:t>
-                      </a:r>
-                      <a:r>
-                        <a:rPr kumimoji="1" lang="en-US" altLang="ja-JP" sz="1200" dirty="0" smtClean="0"/>
-                        <a:t>(N)</a:t>
-                      </a:r>
-                    </a:p>
-                  </a:txBody>
-                  <a:tcPr anchor="ctr"/>
-                </a:tc>
-                <a:extLst>
-                  <a:ext uri="{0D108BD9-81ED-4DB2-BD59-A6C34878D82A}">
-                    <a16:rowId xmlns:a16="http://schemas.microsoft.com/office/drawing/2014/main" val="4178731800"/>
-                  </a:ext>
-                </a:extLst>
-              </a:tr>
-              <a:tr h="370840">
-                <a:tc>
-                  <a:txBody>
-                    <a:bodyPr/>
-                    <a:lstStyle/>
-                    <a:p>
-                      <a:pPr algn="ctr"/>
-                      <a:r>
-                        <a:rPr lang="en-US" altLang="zh-CN" sz="1200" dirty="0" err="1" smtClean="0"/>
-                        <a:t>OpenCV</a:t>
-                      </a:r>
-                      <a:endParaRPr kumimoji="1" lang="ja-JP" altLang="en-US" sz="1200" dirty="0"/>
-                    </a:p>
-                  </a:txBody>
-                  <a:tcPr anchor="ctr"/>
-                </a:tc>
-                <a:tc>
-                  <a:txBody>
-                    <a:bodyPr/>
-                    <a:lstStyle/>
-                    <a:p>
-                      <a:pPr algn="ctr"/>
-                      <a:r>
-                        <a:rPr kumimoji="1" lang="en-US" altLang="ja-JP" sz="1200" dirty="0" smtClean="0"/>
-                        <a:t>2.0437</a:t>
-                      </a:r>
-                      <a:endParaRPr kumimoji="1" lang="ja-JP" altLang="en-US" sz="1200" dirty="0"/>
-                    </a:p>
-                  </a:txBody>
-                  <a:tcPr anchor="ctr"/>
-                </a:tc>
-                <a:tc>
-                  <a:txBody>
-                    <a:bodyPr/>
-                    <a:lstStyle/>
-                    <a:p>
-                      <a:pPr algn="ctr"/>
-                      <a:r>
-                        <a:rPr kumimoji="1" lang="en-US" altLang="ja-JP" sz="1200" dirty="0" smtClean="0"/>
-                        <a:t>141661</a:t>
-                      </a:r>
-                      <a:endParaRPr kumimoji="1" lang="ja-JP" altLang="en-US" sz="1200" dirty="0"/>
-                    </a:p>
-                  </a:txBody>
-                  <a:tcPr anchor="ctr"/>
-                </a:tc>
-                <a:extLst>
-                  <a:ext uri="{0D108BD9-81ED-4DB2-BD59-A6C34878D82A}">
-                    <a16:rowId xmlns:a16="http://schemas.microsoft.com/office/drawing/2014/main" val="3752973727"/>
-                  </a:ext>
-                </a:extLst>
-              </a:tr>
-              <a:tr h="370840">
-                <a:tc>
-                  <a:txBody>
-                    <a:bodyPr/>
-                    <a:lstStyle/>
-                    <a:p>
-                      <a:pPr algn="ctr"/>
-                      <a:r>
-                        <a:rPr kumimoji="1" lang="en-US" altLang="ja-JP" sz="1200" dirty="0" smtClean="0"/>
-                        <a:t>3dUnderworld</a:t>
-                      </a:r>
-                      <a:endParaRPr kumimoji="1" lang="ja-JP" altLang="en-US" sz="1200" dirty="0"/>
-                    </a:p>
-                  </a:txBody>
-                  <a:tcPr anchor="ctr"/>
-                </a:tc>
-                <a:tc>
-                  <a:txBody>
-                    <a:bodyPr/>
-                    <a:lstStyle/>
-                    <a:p>
-                      <a:pPr algn="ctr"/>
-                      <a:r>
-                        <a:rPr kumimoji="1" lang="en-US" altLang="ja-JP" sz="1200" dirty="0" smtClean="0">
-                          <a:solidFill>
-                            <a:schemeClr val="accent6">
-                              <a:lumMod val="75000"/>
-                            </a:schemeClr>
-                          </a:solidFill>
-                        </a:rPr>
-                        <a:t>1.2243</a:t>
-                      </a:r>
-                      <a:endParaRPr kumimoji="1" lang="ja-JP" altLang="en-US" sz="1200" dirty="0"/>
-                    </a:p>
-                  </a:txBody>
-                  <a:tcPr anchor="ctr"/>
-                </a:tc>
-                <a:tc>
-                  <a:txBody>
-                    <a:bodyPr/>
-                    <a:lstStyle/>
-                    <a:p>
-                      <a:pPr algn="ctr"/>
-                      <a:r>
-                        <a:rPr kumimoji="1" lang="en-US" altLang="ja-JP" sz="1200" dirty="0" smtClean="0"/>
-                        <a:t>144778</a:t>
-                      </a:r>
-                      <a:endParaRPr kumimoji="1" lang="ja-JP" altLang="en-US" sz="1200" dirty="0"/>
-                    </a:p>
-                  </a:txBody>
-                  <a:tcPr anchor="ctr"/>
-                </a:tc>
-                <a:extLst>
-                  <a:ext uri="{0D108BD9-81ED-4DB2-BD59-A6C34878D82A}">
-                    <a16:rowId xmlns:a16="http://schemas.microsoft.com/office/drawing/2014/main" val="3747068317"/>
-                  </a:ext>
-                </a:extLst>
-              </a:tr>
-            </a:tbl>
-          </a:graphicData>
-        </a:graphic>
-      </p:graphicFrame>
-      <p:pic>
-        <p:nvPicPr>
-          <p:cNvPr id="15" name="図 14"/>
-          <p:cNvPicPr>
-            <a:picLocks noChangeAspect="1"/>
-          </p:cNvPicPr>
-          <p:nvPr/>
-        </p:nvPicPr>
-        <p:blipFill>
-          <a:blip r:embed="rId2" cstate="print">
-            <a:extLst>
-              <a:ext uri="{28A0092B-C50C-407E-A947-70E740481C1C}">
-                <a14:useLocalDpi xmlns:a14="http://schemas.microsoft.com/office/drawing/2010/main" val="0"/>
-              </a:ext>
-            </a:extLst>
-          </a:blip>
-          <a:stretch>
-            <a:fillRect/>
-          </a:stretch>
-        </p:blipFill>
-        <p:spPr>
-          <a:xfrm>
-            <a:off x="6302080" y="1877797"/>
-            <a:ext cx="2558038" cy="1957828"/>
-          </a:xfrm>
-          <a:prstGeom prst="rect">
-            <a:avLst/>
-          </a:prstGeom>
-        </p:spPr>
-      </p:pic>
-      <p:pic>
-        <p:nvPicPr>
-          <p:cNvPr id="16" name="図 15"/>
-          <p:cNvPicPr>
-            <a:picLocks noChangeAspect="1"/>
-          </p:cNvPicPr>
-          <p:nvPr/>
-        </p:nvPicPr>
-        <p:blipFill>
-          <a:blip r:embed="rId3" cstate="print">
-            <a:extLst>
-              <a:ext uri="{28A0092B-C50C-407E-A947-70E740481C1C}">
-                <a14:useLocalDpi xmlns:a14="http://schemas.microsoft.com/office/drawing/2010/main" val="0"/>
-              </a:ext>
-            </a:extLst>
-          </a:blip>
-          <a:stretch>
-            <a:fillRect/>
-          </a:stretch>
-        </p:blipFill>
-        <p:spPr>
-          <a:xfrm>
-            <a:off x="3738262" y="1870077"/>
-            <a:ext cx="2281005" cy="1965548"/>
-          </a:xfrm>
-          <a:prstGeom prst="rect">
-            <a:avLst/>
-          </a:prstGeom>
-        </p:spPr>
-      </p:pic>
-      <p:pic>
-        <p:nvPicPr>
-          <p:cNvPr id="17" name="図 16"/>
-          <p:cNvPicPr>
-            <a:picLocks noChangeAspect="1"/>
-          </p:cNvPicPr>
-          <p:nvPr/>
-        </p:nvPicPr>
-        <p:blipFill>
-          <a:blip r:embed="rId4" cstate="print">
-            <a:extLst>
-              <a:ext uri="{28A0092B-C50C-407E-A947-70E740481C1C}">
-                <a14:useLocalDpi xmlns:a14="http://schemas.microsoft.com/office/drawing/2010/main" val="0"/>
-              </a:ext>
-            </a:extLst>
-          </a:blip>
-          <a:stretch>
-            <a:fillRect/>
-          </a:stretch>
-        </p:blipFill>
-        <p:spPr>
-          <a:xfrm>
-            <a:off x="3738261" y="3840057"/>
-            <a:ext cx="2281005" cy="1833534"/>
-          </a:xfrm>
-          <a:prstGeom prst="rect">
-            <a:avLst/>
-          </a:prstGeom>
-        </p:spPr>
-      </p:pic>
-      <p:pic>
-        <p:nvPicPr>
-          <p:cNvPr id="18" name="図 17"/>
-          <p:cNvPicPr>
-            <a:picLocks noChangeAspect="1"/>
-          </p:cNvPicPr>
-          <p:nvPr/>
-        </p:nvPicPr>
-        <p:blipFill>
-          <a:blip r:embed="rId5" cstate="print">
-            <a:extLst>
-              <a:ext uri="{28A0092B-C50C-407E-A947-70E740481C1C}">
-                <a14:useLocalDpi xmlns:a14="http://schemas.microsoft.com/office/drawing/2010/main" val="0"/>
-              </a:ext>
-            </a:extLst>
-          </a:blip>
-          <a:stretch>
-            <a:fillRect/>
-          </a:stretch>
-        </p:blipFill>
-        <p:spPr>
-          <a:xfrm>
-            <a:off x="6302078" y="3839300"/>
-            <a:ext cx="2408723" cy="1955172"/>
-          </a:xfrm>
-          <a:prstGeom prst="rect">
-            <a:avLst/>
-          </a:prstGeom>
-        </p:spPr>
-      </p:pic>
-      <p:sp>
-        <p:nvSpPr>
-          <p:cNvPr id="19" name="テキスト ボックス 18"/>
-          <p:cNvSpPr txBox="1"/>
-          <p:nvPr/>
-        </p:nvSpPr>
-        <p:spPr>
-          <a:xfrm>
-            <a:off x="4549862" y="5794472"/>
-            <a:ext cx="657801" cy="261610"/>
-          </a:xfrm>
-          <a:prstGeom prst="rect">
-            <a:avLst/>
-          </a:prstGeom>
-          <a:noFill/>
-        </p:spPr>
-        <p:txBody>
-          <a:bodyPr wrap="square" rtlCol="0">
-            <a:spAutoFit/>
-          </a:bodyPr>
-          <a:lstStyle/>
-          <a:p>
-            <a:r>
-              <a:rPr lang="en-US" altLang="ja-JP" sz="1100" dirty="0" err="1"/>
-              <a:t>OpenCV</a:t>
-            </a:r>
-            <a:endParaRPr kumimoji="1" lang="ja-JP" altLang="en-US" sz="1100" dirty="0"/>
-          </a:p>
-        </p:txBody>
-      </p:sp>
-      <p:sp>
-        <p:nvSpPr>
-          <p:cNvPr id="20" name="テキスト ボックス 19"/>
-          <p:cNvSpPr txBox="1"/>
-          <p:nvPr/>
-        </p:nvSpPr>
-        <p:spPr>
-          <a:xfrm>
-            <a:off x="7054554" y="5794472"/>
-            <a:ext cx="1053089" cy="261610"/>
-          </a:xfrm>
-          <a:prstGeom prst="rect">
-            <a:avLst/>
-          </a:prstGeom>
-          <a:noFill/>
-        </p:spPr>
-        <p:txBody>
-          <a:bodyPr wrap="square" rtlCol="0">
-            <a:spAutoFit/>
-          </a:bodyPr>
-          <a:lstStyle/>
-          <a:p>
-            <a:r>
-              <a:rPr lang="en-US" altLang="zh-CN" sz="1100" dirty="0"/>
-              <a:t>3dUnderworld</a:t>
-            </a:r>
-            <a:endParaRPr kumimoji="1" lang="ja-JP" altLang="en-US" sz="1100" dirty="0"/>
-          </a:p>
-        </p:txBody>
-      </p:sp>
-      <p:sp>
-        <p:nvSpPr>
-          <p:cNvPr id="21" name="テキスト ボックス 20"/>
-          <p:cNvSpPr txBox="1"/>
-          <p:nvPr/>
-        </p:nvSpPr>
-        <p:spPr>
-          <a:xfrm>
-            <a:off x="183101" y="3835625"/>
-            <a:ext cx="1556915" cy="261610"/>
-          </a:xfrm>
-          <a:prstGeom prst="rect">
-            <a:avLst/>
-          </a:prstGeom>
-          <a:noFill/>
-        </p:spPr>
-        <p:txBody>
-          <a:bodyPr wrap="square" rtlCol="0">
-            <a:spAutoFit/>
-          </a:bodyPr>
-          <a:lstStyle/>
-          <a:p>
-            <a:r>
-              <a:rPr lang="ja-JP" altLang="en-US" sz="1100" b="1" dirty="0"/>
-              <a:t>実験</a:t>
-            </a:r>
-            <a:r>
-              <a:rPr lang="en-US" altLang="zh-CN" sz="1100" b="1" dirty="0" smtClean="0"/>
-              <a:t>01</a:t>
-            </a:r>
-            <a:r>
-              <a:rPr lang="ja-JP" altLang="en-US" sz="1100" b="1" dirty="0" smtClean="0"/>
-              <a:t>復元結果評価</a:t>
-            </a:r>
-            <a:endParaRPr kumimoji="1" lang="ja-JP" altLang="en-US" sz="1100" b="1" dirty="0"/>
-          </a:p>
-        </p:txBody>
-      </p:sp>
-      <p:pic>
-        <p:nvPicPr>
-          <p:cNvPr id="22" name="図 21"/>
-          <p:cNvPicPr>
-            <a:picLocks noChangeAspect="1"/>
-          </p:cNvPicPr>
-          <p:nvPr/>
-        </p:nvPicPr>
-        <p:blipFill>
-          <a:blip r:embed="rId6" cstate="print">
-            <a:extLst>
-              <a:ext uri="{28A0092B-C50C-407E-A947-70E740481C1C}">
-                <a14:useLocalDpi xmlns:a14="http://schemas.microsoft.com/office/drawing/2010/main" val="0"/>
-              </a:ext>
-            </a:extLst>
-          </a:blip>
-          <a:stretch>
-            <a:fillRect/>
-          </a:stretch>
-        </p:blipFill>
-        <p:spPr>
-          <a:xfrm>
-            <a:off x="710502" y="2320171"/>
-            <a:ext cx="1037267" cy="777950"/>
-          </a:xfrm>
-          <a:prstGeom prst="rect">
-            <a:avLst/>
-          </a:prstGeom>
-        </p:spPr>
-      </p:pic>
-      <p:pic>
-        <p:nvPicPr>
-          <p:cNvPr id="23" name="図 22"/>
-          <p:cNvPicPr>
-            <a:picLocks noChangeAspect="1"/>
-          </p:cNvPicPr>
-          <p:nvPr/>
-        </p:nvPicPr>
-        <p:blipFill>
-          <a:blip r:embed="rId7" cstate="print">
-            <a:extLst>
-              <a:ext uri="{28A0092B-C50C-407E-A947-70E740481C1C}">
-                <a14:useLocalDpi xmlns:a14="http://schemas.microsoft.com/office/drawing/2010/main" val="0"/>
-              </a:ext>
-            </a:extLst>
-          </a:blip>
-          <a:stretch>
-            <a:fillRect/>
-          </a:stretch>
-        </p:blipFill>
-        <p:spPr>
-          <a:xfrm>
-            <a:off x="1857475" y="2320171"/>
-            <a:ext cx="1035661" cy="776746"/>
-          </a:xfrm>
-          <a:prstGeom prst="rect">
-            <a:avLst/>
-          </a:prstGeom>
-        </p:spPr>
-      </p:pic>
-      <p:sp>
-        <p:nvSpPr>
-          <p:cNvPr id="24" name="テキスト ボックス 23"/>
-          <p:cNvSpPr txBox="1"/>
-          <p:nvPr/>
-        </p:nvSpPr>
-        <p:spPr>
-          <a:xfrm>
-            <a:off x="750590" y="3146704"/>
-            <a:ext cx="960969" cy="261610"/>
-          </a:xfrm>
-          <a:prstGeom prst="rect">
-            <a:avLst/>
-          </a:prstGeom>
-          <a:noFill/>
-        </p:spPr>
-        <p:txBody>
-          <a:bodyPr wrap="square" rtlCol="0">
-            <a:spAutoFit/>
-          </a:bodyPr>
-          <a:lstStyle/>
-          <a:p>
-            <a:r>
-              <a:rPr lang="ja-JP" altLang="en-US" sz="1100" dirty="0" smtClean="0"/>
-              <a:t>左のカメラ</a:t>
-            </a:r>
-            <a:endParaRPr kumimoji="1" lang="ja-JP" altLang="en-US" sz="1100" dirty="0"/>
-          </a:p>
-        </p:txBody>
-      </p:sp>
-      <p:sp>
-        <p:nvSpPr>
-          <p:cNvPr id="25" name="テキスト ボックス 24"/>
-          <p:cNvSpPr txBox="1"/>
-          <p:nvPr/>
-        </p:nvSpPr>
-        <p:spPr>
-          <a:xfrm>
-            <a:off x="1894820" y="3146704"/>
-            <a:ext cx="960969" cy="261610"/>
-          </a:xfrm>
-          <a:prstGeom prst="rect">
-            <a:avLst/>
-          </a:prstGeom>
-          <a:noFill/>
-        </p:spPr>
-        <p:txBody>
-          <a:bodyPr wrap="square" rtlCol="0">
-            <a:spAutoFit/>
-          </a:bodyPr>
-          <a:lstStyle/>
-          <a:p>
-            <a:r>
-              <a:rPr lang="ja-JP" altLang="en-US" sz="1100" dirty="0" smtClean="0"/>
-              <a:t>右のカメラ</a:t>
-            </a:r>
-            <a:endParaRPr kumimoji="1" lang="ja-JP" altLang="en-US" sz="1100" dirty="0"/>
-          </a:p>
-        </p:txBody>
-      </p:sp>
-    </p:spTree>
-    <p:extLst>
-      <p:ext uri="{BB962C8B-B14F-4D97-AF65-F5344CB8AC3E}">
-        <p14:creationId xmlns:p14="http://schemas.microsoft.com/office/powerpoint/2010/main" val="1540644594"/>
-      </p:ext>
-    </p:extLst>
-  </p:cSld>
-  <p:clrMapOvr>
-    <a:masterClrMapping/>
-  </p:clrMapOvr>
-</p:sld>
-</file>
-
-<file path=ppt/slides/slide14.xml><?xml version="1.0" encoding="utf-8"?>
-<p:sld xmlns:a="http://schemas.openxmlformats.org/drawingml/2006/main" xmlns:r="http://schemas.openxmlformats.org/officeDocument/2006/relationships" xmlns:p="http://schemas.openxmlformats.org/presentationml/2006/main">
-  <p:cSld>
-    <p:spTree>
-      <p:nvGrpSpPr>
-        <p:cNvPr id="1" name=""/>
-        <p:cNvGrpSpPr/>
-        <p:nvPr/>
-      </p:nvGrpSpPr>
-      <p:grpSpPr>
-        <a:xfrm>
-          <a:off x="0" y="0"/>
-          <a:ext cx="0" cy="0"/>
-          <a:chOff x="0" y="0"/>
-          <a:chExt cx="0" cy="0"/>
-        </a:xfrm>
-      </p:grpSpPr>
-      <p:sp>
-        <p:nvSpPr>
-          <p:cNvPr id="2" name="タイトル 1"/>
-          <p:cNvSpPr>
-            <a:spLocks noGrp="1"/>
-          </p:cNvSpPr>
-          <p:nvPr>
-            <p:ph type="title"/>
-          </p:nvPr>
-        </p:nvSpPr>
-        <p:spPr/>
-        <p:txBody>
-          <a:bodyPr/>
-          <a:lstStyle/>
-          <a:p>
-            <a:r>
-              <a:rPr lang="en-US" altLang="zh-CN" dirty="0" err="1"/>
-              <a:t>OpenCV</a:t>
-            </a:r>
-            <a:r>
-              <a:rPr lang="ja-JP" altLang="en-US" dirty="0"/>
-              <a:t>と</a:t>
-            </a:r>
-            <a:r>
-              <a:rPr lang="en-US" altLang="zh-CN" dirty="0"/>
-              <a:t>3dUnderworld</a:t>
-            </a:r>
-            <a:r>
-              <a:rPr lang="ja-JP" altLang="en-US" dirty="0"/>
-              <a:t>復元アルゴリズムの比較</a:t>
-            </a:r>
-            <a:endParaRPr kumimoji="1" lang="ja-JP" altLang="en-US" dirty="0"/>
-          </a:p>
-        </p:txBody>
-      </p:sp>
-      <p:sp>
-        <p:nvSpPr>
-          <p:cNvPr id="3" name="コンテンツ プレースホルダー 2"/>
-          <p:cNvSpPr>
-            <a:spLocks noGrp="1"/>
-          </p:cNvSpPr>
-          <p:nvPr>
-            <p:ph idx="1"/>
-          </p:nvPr>
-        </p:nvSpPr>
-        <p:spPr/>
-        <p:txBody>
-          <a:bodyPr>
-            <a:normAutofit/>
-          </a:bodyPr>
-          <a:lstStyle/>
-          <a:p>
-            <a:r>
-              <a:rPr lang="ja-JP" altLang="en-US" sz="2400" dirty="0"/>
-              <a:t>実験</a:t>
-            </a:r>
-            <a:r>
-              <a:rPr lang="en-US" altLang="zh-CN" sz="2400" dirty="0" smtClean="0"/>
-              <a:t>02</a:t>
-            </a:r>
-            <a:r>
-              <a:rPr lang="ja-JP" altLang="en-US" sz="2400" dirty="0" smtClean="0"/>
-              <a:t>撮影</a:t>
-            </a:r>
-            <a:r>
-              <a:rPr lang="ja-JP" altLang="en-US" sz="2400" dirty="0"/>
-              <a:t>された画像の</a:t>
-            </a:r>
-            <a:r>
-              <a:rPr lang="ja-JP" altLang="en-US" sz="2400" dirty="0" smtClean="0"/>
-              <a:t>例</a:t>
-            </a:r>
-            <a:endParaRPr kumimoji="1" lang="ja-JP" altLang="en-US" sz="2200" dirty="0"/>
-          </a:p>
-        </p:txBody>
-      </p:sp>
-      <p:sp>
-        <p:nvSpPr>
-          <p:cNvPr id="4" name="スライド番号プレースホルダー 3"/>
-          <p:cNvSpPr>
-            <a:spLocks noGrp="1"/>
-          </p:cNvSpPr>
-          <p:nvPr>
-            <p:ph type="sldNum" sz="quarter" idx="12"/>
-          </p:nvPr>
-        </p:nvSpPr>
-        <p:spPr/>
-        <p:txBody>
-          <a:bodyPr/>
-          <a:lstStyle/>
-          <a:p>
-            <a:fld id="{DCF788E4-6569-4D19-9234-A7EC7D743A2C}" type="slidenum">
-              <a:rPr kumimoji="1" lang="ja-JP" altLang="en-US" smtClean="0"/>
-              <a:t>14</a:t>
-            </a:fld>
-            <a:endParaRPr kumimoji="1" lang="ja-JP" altLang="en-US"/>
-          </a:p>
-        </p:txBody>
-      </p:sp>
-      <p:sp>
-        <p:nvSpPr>
-          <p:cNvPr id="11" name="テキスト ボックス 10"/>
-          <p:cNvSpPr txBox="1"/>
-          <p:nvPr/>
-        </p:nvSpPr>
-        <p:spPr>
-          <a:xfrm>
-            <a:off x="858301" y="3091796"/>
-            <a:ext cx="960969" cy="261610"/>
-          </a:xfrm>
-          <a:prstGeom prst="rect">
-            <a:avLst/>
-          </a:prstGeom>
-          <a:noFill/>
-        </p:spPr>
-        <p:txBody>
-          <a:bodyPr wrap="square" rtlCol="0">
-            <a:spAutoFit/>
-          </a:bodyPr>
-          <a:lstStyle/>
-          <a:p>
-            <a:r>
-              <a:rPr lang="ja-JP" altLang="en-US" sz="1100" dirty="0" smtClean="0"/>
-              <a:t>左のカメラ</a:t>
-            </a:r>
-            <a:endParaRPr kumimoji="1" lang="ja-JP" altLang="en-US" sz="1100" dirty="0"/>
-          </a:p>
-        </p:txBody>
-      </p:sp>
-      <p:sp>
-        <p:nvSpPr>
-          <p:cNvPr id="12" name="テキスト ボックス 11"/>
-          <p:cNvSpPr txBox="1"/>
-          <p:nvPr/>
-        </p:nvSpPr>
-        <p:spPr>
-          <a:xfrm>
-            <a:off x="858301" y="4533699"/>
-            <a:ext cx="960969" cy="261610"/>
-          </a:xfrm>
-          <a:prstGeom prst="rect">
-            <a:avLst/>
-          </a:prstGeom>
-          <a:noFill/>
-        </p:spPr>
-        <p:txBody>
-          <a:bodyPr wrap="square" rtlCol="0">
-            <a:spAutoFit/>
-          </a:bodyPr>
-          <a:lstStyle/>
-          <a:p>
-            <a:r>
-              <a:rPr lang="ja-JP" altLang="en-US" sz="1100" dirty="0" smtClean="0"/>
-              <a:t>右のカメラ</a:t>
-            </a:r>
-            <a:endParaRPr kumimoji="1" lang="ja-JP" altLang="en-US" sz="1100" dirty="0"/>
-          </a:p>
-        </p:txBody>
-      </p:sp>
-      <p:pic>
-        <p:nvPicPr>
-          <p:cNvPr id="14" name="図 13"/>
-          <p:cNvPicPr>
-            <a:picLocks noChangeAspect="1"/>
-          </p:cNvPicPr>
-          <p:nvPr/>
-        </p:nvPicPr>
-        <p:blipFill>
-          <a:blip r:embed="rId2" cstate="print">
-            <a:extLst>
-              <a:ext uri="{28A0092B-C50C-407E-A947-70E740481C1C}">
-                <a14:useLocalDpi xmlns:a14="http://schemas.microsoft.com/office/drawing/2010/main" val="0"/>
-              </a:ext>
-            </a:extLst>
-          </a:blip>
-          <a:stretch>
-            <a:fillRect/>
-          </a:stretch>
-        </p:blipFill>
-        <p:spPr>
-          <a:xfrm>
-            <a:off x="3796292" y="2560681"/>
-            <a:ext cx="1750708" cy="1313030"/>
-          </a:xfrm>
-          <a:prstGeom prst="rect">
-            <a:avLst/>
-          </a:prstGeom>
-        </p:spPr>
-      </p:pic>
-      <p:pic>
-        <p:nvPicPr>
-          <p:cNvPr id="15" name="図 14"/>
-          <p:cNvPicPr>
-            <a:picLocks noChangeAspect="1"/>
-          </p:cNvPicPr>
-          <p:nvPr/>
-        </p:nvPicPr>
-        <p:blipFill>
-          <a:blip r:embed="rId3" cstate="print">
-            <a:extLst>
-              <a:ext uri="{28A0092B-C50C-407E-A947-70E740481C1C}">
-                <a14:useLocalDpi xmlns:a14="http://schemas.microsoft.com/office/drawing/2010/main" val="0"/>
-              </a:ext>
-            </a:extLst>
-          </a:blip>
-          <a:stretch>
-            <a:fillRect/>
-          </a:stretch>
-        </p:blipFill>
-        <p:spPr>
-          <a:xfrm>
-            <a:off x="5542955" y="2560680"/>
-            <a:ext cx="1750708" cy="1313031"/>
-          </a:xfrm>
-          <a:prstGeom prst="rect">
-            <a:avLst/>
-          </a:prstGeom>
-        </p:spPr>
-      </p:pic>
-      <p:pic>
-        <p:nvPicPr>
-          <p:cNvPr id="16" name="図 15"/>
-          <p:cNvPicPr>
-            <a:picLocks noChangeAspect="1"/>
-          </p:cNvPicPr>
-          <p:nvPr/>
-        </p:nvPicPr>
-        <p:blipFill>
-          <a:blip r:embed="rId4" cstate="print">
-            <a:extLst>
-              <a:ext uri="{28A0092B-C50C-407E-A947-70E740481C1C}">
-                <a14:useLocalDpi xmlns:a14="http://schemas.microsoft.com/office/drawing/2010/main" val="0"/>
-              </a:ext>
-            </a:extLst>
-          </a:blip>
-          <a:stretch>
-            <a:fillRect/>
-          </a:stretch>
-        </p:blipFill>
-        <p:spPr>
-          <a:xfrm>
-            <a:off x="2045585" y="2560682"/>
-            <a:ext cx="1750706" cy="1313029"/>
-          </a:xfrm>
-          <a:prstGeom prst="rect">
-            <a:avLst/>
-          </a:prstGeom>
-        </p:spPr>
-      </p:pic>
-      <p:pic>
-        <p:nvPicPr>
-          <p:cNvPr id="17" name="図 16"/>
-          <p:cNvPicPr>
-            <a:picLocks noChangeAspect="1"/>
-          </p:cNvPicPr>
-          <p:nvPr/>
-        </p:nvPicPr>
-        <p:blipFill>
-          <a:blip r:embed="rId5" cstate="print">
-            <a:extLst>
-              <a:ext uri="{28A0092B-C50C-407E-A947-70E740481C1C}">
-                <a14:useLocalDpi xmlns:a14="http://schemas.microsoft.com/office/drawing/2010/main" val="0"/>
-              </a:ext>
-            </a:extLst>
-          </a:blip>
-          <a:stretch>
-            <a:fillRect/>
-          </a:stretch>
-        </p:blipFill>
-        <p:spPr>
-          <a:xfrm>
-            <a:off x="5527643" y="4012217"/>
-            <a:ext cx="1741029" cy="1305772"/>
-          </a:xfrm>
-          <a:prstGeom prst="rect">
-            <a:avLst/>
-          </a:prstGeom>
-        </p:spPr>
-      </p:pic>
-      <p:pic>
-        <p:nvPicPr>
-          <p:cNvPr id="18" name="図 17"/>
-          <p:cNvPicPr>
-            <a:picLocks noChangeAspect="1"/>
-          </p:cNvPicPr>
-          <p:nvPr/>
-        </p:nvPicPr>
-        <p:blipFill>
-          <a:blip r:embed="rId6" cstate="print">
-            <a:extLst>
-              <a:ext uri="{28A0092B-C50C-407E-A947-70E740481C1C}">
-                <a14:useLocalDpi xmlns:a14="http://schemas.microsoft.com/office/drawing/2010/main" val="0"/>
-              </a:ext>
-            </a:extLst>
-          </a:blip>
-          <a:stretch>
-            <a:fillRect/>
-          </a:stretch>
-        </p:blipFill>
-        <p:spPr>
-          <a:xfrm>
-            <a:off x="2045585" y="4012216"/>
-            <a:ext cx="1741029" cy="1305772"/>
-          </a:xfrm>
-          <a:prstGeom prst="rect">
-            <a:avLst/>
-          </a:prstGeom>
-        </p:spPr>
-      </p:pic>
-      <p:pic>
-        <p:nvPicPr>
-          <p:cNvPr id="19" name="図 18"/>
-          <p:cNvPicPr>
-            <a:picLocks noChangeAspect="1"/>
-          </p:cNvPicPr>
-          <p:nvPr/>
-        </p:nvPicPr>
-        <p:blipFill>
-          <a:blip r:embed="rId7" cstate="print">
-            <a:extLst>
-              <a:ext uri="{28A0092B-C50C-407E-A947-70E740481C1C}">
-                <a14:useLocalDpi xmlns:a14="http://schemas.microsoft.com/office/drawing/2010/main" val="0"/>
-              </a:ext>
-            </a:extLst>
-          </a:blip>
-          <a:stretch>
-            <a:fillRect/>
-          </a:stretch>
-        </p:blipFill>
-        <p:spPr>
-          <a:xfrm>
-            <a:off x="3786614" y="4012216"/>
-            <a:ext cx="1741029" cy="1305772"/>
-          </a:xfrm>
-          <a:prstGeom prst="rect">
-            <a:avLst/>
-          </a:prstGeom>
-        </p:spPr>
-      </p:pic>
-      <p:sp>
-        <p:nvSpPr>
-          <p:cNvPr id="20" name="テキスト ボックス 19"/>
-          <p:cNvSpPr txBox="1"/>
-          <p:nvPr/>
-        </p:nvSpPr>
-        <p:spPr>
-          <a:xfrm>
-            <a:off x="2435614" y="5355060"/>
-            <a:ext cx="960969" cy="261610"/>
-          </a:xfrm>
-          <a:prstGeom prst="rect">
-            <a:avLst/>
-          </a:prstGeom>
-          <a:noFill/>
-        </p:spPr>
-        <p:txBody>
-          <a:bodyPr wrap="square" rtlCol="0">
-            <a:spAutoFit/>
-          </a:bodyPr>
-          <a:lstStyle/>
-          <a:p>
-            <a:r>
-              <a:rPr lang="ja-JP" altLang="en-US" sz="1100" dirty="0"/>
-              <a:t>白パターン</a:t>
-            </a:r>
-            <a:endParaRPr kumimoji="1" lang="ja-JP" altLang="en-US" sz="1100" dirty="0"/>
-          </a:p>
-        </p:txBody>
-      </p:sp>
-      <p:sp>
-        <p:nvSpPr>
-          <p:cNvPr id="21" name="テキスト ボックス 20"/>
-          <p:cNvSpPr txBox="1"/>
-          <p:nvPr/>
-        </p:nvSpPr>
-        <p:spPr>
-          <a:xfrm>
-            <a:off x="4191161" y="5355060"/>
-            <a:ext cx="960969" cy="261610"/>
-          </a:xfrm>
-          <a:prstGeom prst="rect">
-            <a:avLst/>
-          </a:prstGeom>
-          <a:noFill/>
-        </p:spPr>
-        <p:txBody>
-          <a:bodyPr wrap="square" rtlCol="0">
-            <a:spAutoFit/>
-          </a:bodyPr>
-          <a:lstStyle/>
-          <a:p>
-            <a:r>
-              <a:rPr lang="ja-JP" altLang="en-US" sz="1100" dirty="0" smtClean="0"/>
-              <a:t>縦パターン</a:t>
-            </a:r>
-            <a:endParaRPr kumimoji="1" lang="ja-JP" altLang="en-US" sz="1100" dirty="0"/>
-          </a:p>
-        </p:txBody>
-      </p:sp>
-      <p:sp>
-        <p:nvSpPr>
-          <p:cNvPr id="22" name="テキスト ボックス 21"/>
-          <p:cNvSpPr txBox="1"/>
-          <p:nvPr/>
-        </p:nvSpPr>
-        <p:spPr>
-          <a:xfrm>
-            <a:off x="5917672" y="5355060"/>
-            <a:ext cx="960969" cy="261610"/>
-          </a:xfrm>
-          <a:prstGeom prst="rect">
-            <a:avLst/>
-          </a:prstGeom>
-          <a:noFill/>
-        </p:spPr>
-        <p:txBody>
-          <a:bodyPr wrap="square" rtlCol="0">
-            <a:spAutoFit/>
-          </a:bodyPr>
-          <a:lstStyle/>
-          <a:p>
-            <a:r>
-              <a:rPr lang="ja-JP" altLang="en-US" sz="1100" dirty="0"/>
-              <a:t>横パターン</a:t>
-            </a:r>
-            <a:endParaRPr kumimoji="1" lang="ja-JP" altLang="en-US" sz="1100" dirty="0"/>
-          </a:p>
-        </p:txBody>
-      </p:sp>
-    </p:spTree>
-    <p:extLst>
-      <p:ext uri="{BB962C8B-B14F-4D97-AF65-F5344CB8AC3E}">
-        <p14:creationId xmlns:p14="http://schemas.microsoft.com/office/powerpoint/2010/main" val="987327960"/>
-      </p:ext>
-    </p:extLst>
-  </p:cSld>
-  <p:clrMapOvr>
-    <a:masterClrMapping/>
-  </p:clrMapOvr>
-</p:sld>
-</file>
-
-<file path=ppt/slides/slide15.xml><?xml version="1.0" encoding="utf-8"?>
-<p:sld xmlns:a="http://schemas.openxmlformats.org/drawingml/2006/main" xmlns:r="http://schemas.openxmlformats.org/officeDocument/2006/relationships" xmlns:p="http://schemas.openxmlformats.org/presentationml/2006/main">
-  <p:cSld>
-    <p:spTree>
-      <p:nvGrpSpPr>
-        <p:cNvPr id="1" name=""/>
-        <p:cNvGrpSpPr/>
-        <p:nvPr/>
-      </p:nvGrpSpPr>
-      <p:grpSpPr>
-        <a:xfrm>
-          <a:off x="0" y="0"/>
-          <a:ext cx="0" cy="0"/>
-          <a:chOff x="0" y="0"/>
-          <a:chExt cx="0" cy="0"/>
-        </a:xfrm>
-      </p:grpSpPr>
-      <p:sp>
-        <p:nvSpPr>
-          <p:cNvPr id="2" name="タイトル 1"/>
-          <p:cNvSpPr>
-            <a:spLocks noGrp="1"/>
-          </p:cNvSpPr>
-          <p:nvPr>
-            <p:ph type="title"/>
-          </p:nvPr>
-        </p:nvSpPr>
-        <p:spPr/>
-        <p:txBody>
-          <a:bodyPr/>
-          <a:lstStyle/>
-          <a:p>
-            <a:r>
-              <a:rPr lang="en-US" altLang="zh-CN" dirty="0" err="1"/>
-              <a:t>OpenCV</a:t>
-            </a:r>
-            <a:r>
-              <a:rPr lang="ja-JP" altLang="en-US" dirty="0"/>
-              <a:t>と</a:t>
-            </a:r>
-            <a:r>
-              <a:rPr lang="en-US" altLang="zh-CN" dirty="0"/>
-              <a:t>3dUnderworld</a:t>
-            </a:r>
-            <a:r>
-              <a:rPr lang="ja-JP" altLang="en-US" dirty="0"/>
-              <a:t>復元アルゴリズムの比較</a:t>
-            </a:r>
-            <a:endParaRPr kumimoji="1" lang="ja-JP" altLang="en-US" dirty="0"/>
-          </a:p>
-        </p:txBody>
-      </p:sp>
-      <p:sp>
-        <p:nvSpPr>
-          <p:cNvPr id="3" name="コンテンツ プレースホルダー 2"/>
-          <p:cNvSpPr>
-            <a:spLocks noGrp="1"/>
-          </p:cNvSpPr>
-          <p:nvPr>
-            <p:ph idx="1"/>
-          </p:nvPr>
-        </p:nvSpPr>
-        <p:spPr>
-          <a:xfrm>
-            <a:off x="628650" y="1569855"/>
-            <a:ext cx="7886700" cy="4607108"/>
-          </a:xfrm>
-        </p:spPr>
-        <p:txBody>
-          <a:bodyPr>
-            <a:normAutofit/>
-          </a:bodyPr>
-          <a:lstStyle/>
-          <a:p>
-            <a:r>
-              <a:rPr lang="ja-JP" altLang="en-US" sz="2400" dirty="0"/>
-              <a:t>実験</a:t>
-            </a:r>
-            <a:r>
-              <a:rPr lang="en-US" altLang="zh-CN" sz="2400" dirty="0" smtClean="0"/>
-              <a:t>0</a:t>
-            </a:r>
-            <a:r>
-              <a:rPr lang="en-US" altLang="ja-JP" sz="2400" dirty="0" smtClean="0"/>
-              <a:t>2</a:t>
-            </a:r>
-            <a:r>
-              <a:rPr lang="ja-JP" altLang="en-US" sz="2400" dirty="0" smtClean="0"/>
-              <a:t>の結果</a:t>
-            </a:r>
-            <a:endParaRPr lang="ja-JP" altLang="en-US" sz="2400" dirty="0"/>
-          </a:p>
-        </p:txBody>
-      </p:sp>
-      <p:sp>
-        <p:nvSpPr>
-          <p:cNvPr id="4" name="スライド番号プレースホルダー 3"/>
-          <p:cNvSpPr>
-            <a:spLocks noGrp="1"/>
-          </p:cNvSpPr>
-          <p:nvPr>
-            <p:ph type="sldNum" sz="quarter" idx="12"/>
-          </p:nvPr>
-        </p:nvSpPr>
-        <p:spPr/>
-        <p:txBody>
-          <a:bodyPr/>
-          <a:lstStyle/>
-          <a:p>
-            <a:fld id="{DCF788E4-6569-4D19-9234-A7EC7D743A2C}" type="slidenum">
-              <a:rPr kumimoji="1" lang="ja-JP" altLang="en-US" smtClean="0"/>
-              <a:t>15</a:t>
-            </a:fld>
-            <a:endParaRPr kumimoji="1" lang="ja-JP" altLang="en-US"/>
-          </a:p>
-        </p:txBody>
-      </p:sp>
-      <p:graphicFrame>
-        <p:nvGraphicFramePr>
-          <p:cNvPr id="14" name="表 13"/>
-          <p:cNvGraphicFramePr>
-            <a:graphicFrameLocks noGrp="1"/>
-          </p:cNvGraphicFramePr>
-          <p:nvPr>
-            <p:extLst>
-              <p:ext uri="{D42A27DB-BD31-4B8C-83A1-F6EECF244321}">
-                <p14:modId xmlns:p14="http://schemas.microsoft.com/office/powerpoint/2010/main" val="3124305094"/>
-              </p:ext>
-            </p:extLst>
-          </p:nvPr>
-        </p:nvGraphicFramePr>
-        <p:xfrm>
-          <a:off x="182761" y="4145818"/>
-          <a:ext cx="3359709" cy="1112520"/>
-        </p:xfrm>
-        <a:graphic>
-          <a:graphicData uri="http://schemas.openxmlformats.org/drawingml/2006/table">
-            <a:tbl>
-              <a:tblPr firstRow="1" bandRow="1">
-                <a:tableStyleId>{5940675A-B579-460E-94D1-54222C63F5DA}</a:tableStyleId>
-              </a:tblPr>
-              <a:tblGrid>
-                <a:gridCol w="1119903">
-                  <a:extLst>
-                    <a:ext uri="{9D8B030D-6E8A-4147-A177-3AD203B41FA5}">
-                      <a16:colId xmlns:a16="http://schemas.microsoft.com/office/drawing/2014/main" val="704402849"/>
-                    </a:ext>
-                  </a:extLst>
-                </a:gridCol>
-                <a:gridCol w="1119903">
-                  <a:extLst>
-                    <a:ext uri="{9D8B030D-6E8A-4147-A177-3AD203B41FA5}">
-                      <a16:colId xmlns:a16="http://schemas.microsoft.com/office/drawing/2014/main" val="2242912110"/>
-                    </a:ext>
-                  </a:extLst>
-                </a:gridCol>
-                <a:gridCol w="1119903">
-                  <a:extLst>
-                    <a:ext uri="{9D8B030D-6E8A-4147-A177-3AD203B41FA5}">
-                      <a16:colId xmlns:a16="http://schemas.microsoft.com/office/drawing/2014/main" val="1072065066"/>
-                    </a:ext>
-                  </a:extLst>
-                </a:gridCol>
-              </a:tblGrid>
-              <a:tr h="370840">
-                <a:tc>
-                  <a:txBody>
-                    <a:bodyPr/>
-                    <a:lstStyle/>
-                    <a:p>
-                      <a:pPr algn="ctr"/>
-                      <a:r>
-                        <a:rPr kumimoji="1" lang="ja-JP" altLang="en-US" sz="1200" dirty="0" smtClean="0"/>
-                        <a:t>手法</a:t>
-                      </a:r>
-                      <a:endParaRPr kumimoji="1" lang="ja-JP" altLang="en-US" sz="1200" dirty="0"/>
-                    </a:p>
-                  </a:txBody>
-                  <a:tcPr anchor="ctr"/>
-                </a:tc>
-                <a:tc>
-                  <a:txBody>
-                    <a:bodyPr/>
-                    <a:lstStyle/>
-                    <a:p>
-                      <a:pPr algn="ctr"/>
-                      <a:r>
-                        <a:rPr kumimoji="1" lang="en-US" altLang="ja-JP" sz="1200" kern="1200" dirty="0" smtClean="0">
-                          <a:solidFill>
-                            <a:schemeClr val="tx1"/>
-                          </a:solidFill>
-                          <a:latin typeface="+mn-lt"/>
-                          <a:ea typeface="+mn-ea"/>
-                          <a:cs typeface="+mn-cs"/>
-                        </a:rPr>
-                        <a:t>RMSE</a:t>
-                      </a:r>
-                      <a:endParaRPr kumimoji="1" lang="ja-JP" altLang="en-US" sz="1200" dirty="0"/>
-                    </a:p>
-                  </a:txBody>
-                  <a:tcPr anchor="ctr"/>
-                </a:tc>
-                <a:tc>
-                  <a:txBody>
-                    <a:bodyPr/>
-                    <a:lstStyle/>
-                    <a:p>
-                      <a:pPr algn="ctr"/>
-                      <a:r>
-                        <a:rPr kumimoji="1" lang="ja-JP" altLang="en-US" sz="1200" dirty="0" smtClean="0"/>
-                        <a:t>点数</a:t>
-                      </a:r>
-                      <a:r>
-                        <a:rPr kumimoji="1" lang="en-US" altLang="ja-JP" sz="1200" dirty="0" smtClean="0"/>
-                        <a:t>(N)</a:t>
-                      </a:r>
-                    </a:p>
-                  </a:txBody>
-                  <a:tcPr anchor="ctr"/>
-                </a:tc>
-                <a:extLst>
-                  <a:ext uri="{0D108BD9-81ED-4DB2-BD59-A6C34878D82A}">
-                    <a16:rowId xmlns:a16="http://schemas.microsoft.com/office/drawing/2014/main" val="4178731800"/>
-                  </a:ext>
-                </a:extLst>
-              </a:tr>
-              <a:tr h="370840">
-                <a:tc>
-                  <a:txBody>
-                    <a:bodyPr/>
-                    <a:lstStyle/>
-                    <a:p>
-                      <a:pPr algn="ctr"/>
-                      <a:r>
-                        <a:rPr lang="en-US" altLang="zh-CN" sz="1200" dirty="0" err="1" smtClean="0"/>
-                        <a:t>OpenCV</a:t>
-                      </a:r>
-                      <a:endParaRPr kumimoji="1" lang="ja-JP" altLang="en-US" sz="1200" dirty="0"/>
-                    </a:p>
-                  </a:txBody>
-                  <a:tcPr anchor="ctr"/>
-                </a:tc>
-                <a:tc>
-                  <a:txBody>
-                    <a:bodyPr/>
-                    <a:lstStyle/>
-                    <a:p>
-                      <a:pPr algn="ctr"/>
-                      <a:r>
-                        <a:rPr kumimoji="1" lang="en-US" altLang="ja-JP" sz="1200" dirty="0" smtClean="0"/>
-                        <a:t>3.6725</a:t>
-                      </a:r>
-                      <a:endParaRPr kumimoji="1" lang="ja-JP" altLang="en-US" sz="1200" dirty="0"/>
-                    </a:p>
-                  </a:txBody>
-                  <a:tcPr anchor="ctr"/>
-                </a:tc>
-                <a:tc>
-                  <a:txBody>
-                    <a:bodyPr/>
-                    <a:lstStyle/>
-                    <a:p>
-                      <a:pPr algn="ctr"/>
-                      <a:r>
-                        <a:rPr kumimoji="1" lang="en-US" altLang="ja-JP" sz="1200" dirty="0" smtClean="0"/>
-                        <a:t>225805</a:t>
-                      </a:r>
-                      <a:endParaRPr kumimoji="1" lang="ja-JP" altLang="en-US" sz="1200" dirty="0"/>
-                    </a:p>
-                  </a:txBody>
-                  <a:tcPr anchor="ctr"/>
-                </a:tc>
-                <a:extLst>
-                  <a:ext uri="{0D108BD9-81ED-4DB2-BD59-A6C34878D82A}">
-                    <a16:rowId xmlns:a16="http://schemas.microsoft.com/office/drawing/2014/main" val="3752973727"/>
-                  </a:ext>
-                </a:extLst>
-              </a:tr>
-              <a:tr h="370840">
-                <a:tc>
-                  <a:txBody>
-                    <a:bodyPr/>
-                    <a:lstStyle/>
-                    <a:p>
-                      <a:pPr algn="ctr"/>
-                      <a:r>
-                        <a:rPr kumimoji="1" lang="en-US" altLang="ja-JP" sz="1200" dirty="0" smtClean="0"/>
-                        <a:t>3dUnderworld</a:t>
-                      </a:r>
-                      <a:endParaRPr kumimoji="1" lang="ja-JP" altLang="en-US" sz="1200" dirty="0"/>
-                    </a:p>
-                  </a:txBody>
-                  <a:tcPr anchor="ctr"/>
-                </a:tc>
-                <a:tc>
-                  <a:txBody>
-                    <a:bodyPr/>
-                    <a:lstStyle/>
-                    <a:p>
-                      <a:pPr algn="ctr"/>
-                      <a:r>
-                        <a:rPr kumimoji="1" lang="en-US" altLang="ja-JP" sz="1200" dirty="0" smtClean="0">
-                          <a:solidFill>
-                            <a:schemeClr val="accent6">
-                              <a:lumMod val="75000"/>
-                            </a:schemeClr>
-                          </a:solidFill>
-                        </a:rPr>
-                        <a:t>2.7534</a:t>
-                      </a:r>
-                      <a:endParaRPr kumimoji="1" lang="ja-JP" altLang="en-US" sz="1200" dirty="0"/>
-                    </a:p>
-                  </a:txBody>
-                  <a:tcPr anchor="ctr"/>
-                </a:tc>
-                <a:tc>
-                  <a:txBody>
-                    <a:bodyPr/>
-                    <a:lstStyle/>
-                    <a:p>
-                      <a:pPr algn="ctr"/>
-                      <a:r>
-                        <a:rPr kumimoji="1" lang="en-US" altLang="ja-JP" sz="1200" dirty="0" smtClean="0"/>
-                        <a:t>298414</a:t>
-                      </a:r>
-                      <a:endParaRPr kumimoji="1" lang="ja-JP" altLang="en-US" sz="1200" dirty="0"/>
-                    </a:p>
-                  </a:txBody>
-                  <a:tcPr anchor="ctr"/>
-                </a:tc>
-                <a:extLst>
-                  <a:ext uri="{0D108BD9-81ED-4DB2-BD59-A6C34878D82A}">
-                    <a16:rowId xmlns:a16="http://schemas.microsoft.com/office/drawing/2014/main" val="3747068317"/>
-                  </a:ext>
-                </a:extLst>
-              </a:tr>
-            </a:tbl>
-          </a:graphicData>
-        </a:graphic>
-      </p:graphicFrame>
-      <p:sp>
-        <p:nvSpPr>
-          <p:cNvPr id="19" name="テキスト ボックス 18"/>
-          <p:cNvSpPr txBox="1"/>
-          <p:nvPr/>
-        </p:nvSpPr>
-        <p:spPr>
-          <a:xfrm>
-            <a:off x="4549862" y="5794472"/>
-            <a:ext cx="657801" cy="261610"/>
-          </a:xfrm>
-          <a:prstGeom prst="rect">
-            <a:avLst/>
-          </a:prstGeom>
-          <a:noFill/>
-        </p:spPr>
-        <p:txBody>
-          <a:bodyPr wrap="square" rtlCol="0">
-            <a:spAutoFit/>
-          </a:bodyPr>
-          <a:lstStyle/>
-          <a:p>
-            <a:r>
-              <a:rPr lang="en-US" altLang="ja-JP" sz="1100" dirty="0" err="1"/>
-              <a:t>OpenCV</a:t>
-            </a:r>
-            <a:endParaRPr kumimoji="1" lang="ja-JP" altLang="en-US" sz="1100" dirty="0"/>
-          </a:p>
-        </p:txBody>
-      </p:sp>
-      <p:sp>
-        <p:nvSpPr>
-          <p:cNvPr id="20" name="テキスト ボックス 19"/>
-          <p:cNvSpPr txBox="1"/>
-          <p:nvPr/>
-        </p:nvSpPr>
-        <p:spPr>
-          <a:xfrm>
-            <a:off x="7054554" y="5794472"/>
-            <a:ext cx="1053089" cy="261610"/>
-          </a:xfrm>
-          <a:prstGeom prst="rect">
-            <a:avLst/>
-          </a:prstGeom>
-          <a:noFill/>
-        </p:spPr>
-        <p:txBody>
-          <a:bodyPr wrap="square" rtlCol="0">
-            <a:spAutoFit/>
-          </a:bodyPr>
-          <a:lstStyle/>
-          <a:p>
-            <a:r>
-              <a:rPr lang="en-US" altLang="zh-CN" sz="1100" dirty="0"/>
-              <a:t>3dUnderworld</a:t>
-            </a:r>
-            <a:endParaRPr kumimoji="1" lang="ja-JP" altLang="en-US" sz="1100" dirty="0"/>
-          </a:p>
-        </p:txBody>
-      </p:sp>
-      <p:sp>
-        <p:nvSpPr>
-          <p:cNvPr id="21" name="テキスト ボックス 20"/>
-          <p:cNvSpPr txBox="1"/>
-          <p:nvPr/>
-        </p:nvSpPr>
-        <p:spPr>
-          <a:xfrm>
-            <a:off x="182761" y="3835625"/>
-            <a:ext cx="1556915" cy="261610"/>
-          </a:xfrm>
-          <a:prstGeom prst="rect">
-            <a:avLst/>
-          </a:prstGeom>
-          <a:noFill/>
-        </p:spPr>
-        <p:txBody>
-          <a:bodyPr wrap="square" rtlCol="0">
-            <a:spAutoFit/>
-          </a:bodyPr>
-          <a:lstStyle/>
-          <a:p>
-            <a:r>
-              <a:rPr lang="ja-JP" altLang="en-US" sz="1100" b="1" dirty="0"/>
-              <a:t>実験</a:t>
-            </a:r>
-            <a:r>
-              <a:rPr lang="en-US" altLang="zh-CN" sz="1100" b="1" dirty="0" smtClean="0"/>
-              <a:t>02</a:t>
-            </a:r>
-            <a:r>
-              <a:rPr lang="ja-JP" altLang="en-US" sz="1100" b="1" dirty="0" smtClean="0"/>
-              <a:t>復元結果評価</a:t>
-            </a:r>
-            <a:endParaRPr kumimoji="1" lang="ja-JP" altLang="en-US" sz="1100" b="1" dirty="0"/>
-          </a:p>
-        </p:txBody>
-      </p:sp>
-      <p:pic>
-        <p:nvPicPr>
-          <p:cNvPr id="13" name="図 12"/>
-          <p:cNvPicPr>
-            <a:picLocks noChangeAspect="1"/>
-          </p:cNvPicPr>
-          <p:nvPr/>
-        </p:nvPicPr>
-        <p:blipFill>
-          <a:blip r:embed="rId2" cstate="print">
-            <a:extLst>
-              <a:ext uri="{28A0092B-C50C-407E-A947-70E740481C1C}">
-                <a14:useLocalDpi xmlns:a14="http://schemas.microsoft.com/office/drawing/2010/main" val="0"/>
-              </a:ext>
-            </a:extLst>
-          </a:blip>
-          <a:stretch>
-            <a:fillRect/>
-          </a:stretch>
-        </p:blipFill>
-        <p:spPr>
-          <a:xfrm>
-            <a:off x="6302078" y="1869746"/>
-            <a:ext cx="2451827" cy="1965879"/>
-          </a:xfrm>
-          <a:prstGeom prst="rect">
-            <a:avLst/>
-          </a:prstGeom>
-        </p:spPr>
-      </p:pic>
-      <p:pic>
-        <p:nvPicPr>
-          <p:cNvPr id="22" name="図 21"/>
-          <p:cNvPicPr>
-            <a:picLocks noChangeAspect="1"/>
-          </p:cNvPicPr>
-          <p:nvPr/>
-        </p:nvPicPr>
-        <p:blipFill>
-          <a:blip r:embed="rId3" cstate="print">
-            <a:extLst>
-              <a:ext uri="{28A0092B-C50C-407E-A947-70E740481C1C}">
-                <a14:useLocalDpi xmlns:a14="http://schemas.microsoft.com/office/drawing/2010/main" val="0"/>
-              </a:ext>
-            </a:extLst>
-          </a:blip>
-          <a:stretch>
-            <a:fillRect/>
-          </a:stretch>
-        </p:blipFill>
-        <p:spPr>
-          <a:xfrm>
-            <a:off x="6302076" y="3835625"/>
-            <a:ext cx="2647619" cy="1932046"/>
-          </a:xfrm>
-          <a:prstGeom prst="rect">
-            <a:avLst/>
-          </a:prstGeom>
-        </p:spPr>
-      </p:pic>
-      <p:pic>
-        <p:nvPicPr>
-          <p:cNvPr id="23" name="図 22"/>
-          <p:cNvPicPr>
-            <a:picLocks noChangeAspect="1"/>
-          </p:cNvPicPr>
-          <p:nvPr/>
-        </p:nvPicPr>
-        <p:blipFill>
-          <a:blip r:embed="rId4" cstate="print">
-            <a:extLst>
-              <a:ext uri="{28A0092B-C50C-407E-A947-70E740481C1C}">
-                <a14:useLocalDpi xmlns:a14="http://schemas.microsoft.com/office/drawing/2010/main" val="0"/>
-              </a:ext>
-            </a:extLst>
-          </a:blip>
-          <a:stretch>
-            <a:fillRect/>
-          </a:stretch>
-        </p:blipFill>
-        <p:spPr>
-          <a:xfrm>
-            <a:off x="3738261" y="1873366"/>
-            <a:ext cx="2663599" cy="1962259"/>
-          </a:xfrm>
-          <a:prstGeom prst="rect">
-            <a:avLst/>
-          </a:prstGeom>
-        </p:spPr>
-      </p:pic>
-      <p:pic>
-        <p:nvPicPr>
-          <p:cNvPr id="24" name="図 23"/>
-          <p:cNvPicPr>
-            <a:picLocks noChangeAspect="1"/>
-          </p:cNvPicPr>
-          <p:nvPr/>
-        </p:nvPicPr>
-        <p:blipFill>
-          <a:blip r:embed="rId5" cstate="print">
-            <a:extLst>
-              <a:ext uri="{28A0092B-C50C-407E-A947-70E740481C1C}">
-                <a14:useLocalDpi xmlns:a14="http://schemas.microsoft.com/office/drawing/2010/main" val="0"/>
-              </a:ext>
-            </a:extLst>
-          </a:blip>
-          <a:stretch>
-            <a:fillRect/>
-          </a:stretch>
-        </p:blipFill>
-        <p:spPr>
-          <a:xfrm>
-            <a:off x="3738260" y="3835625"/>
-            <a:ext cx="2563817" cy="1932046"/>
-          </a:xfrm>
-          <a:prstGeom prst="rect">
-            <a:avLst/>
-          </a:prstGeom>
-        </p:spPr>
-      </p:pic>
-      <p:pic>
-        <p:nvPicPr>
-          <p:cNvPr id="26" name="図 25"/>
-          <p:cNvPicPr>
-            <a:picLocks noChangeAspect="1"/>
-          </p:cNvPicPr>
-          <p:nvPr/>
-        </p:nvPicPr>
-        <p:blipFill>
-          <a:blip r:embed="rId6" cstate="print">
-            <a:extLst>
-              <a:ext uri="{28A0092B-C50C-407E-A947-70E740481C1C}">
-                <a14:useLocalDpi xmlns:a14="http://schemas.microsoft.com/office/drawing/2010/main" val="0"/>
-              </a:ext>
-            </a:extLst>
-          </a:blip>
-          <a:stretch>
-            <a:fillRect/>
-          </a:stretch>
-        </p:blipFill>
-        <p:spPr>
-          <a:xfrm>
-            <a:off x="1910386" y="2314367"/>
-            <a:ext cx="1035872" cy="776904"/>
-          </a:xfrm>
-          <a:prstGeom prst="rect">
-            <a:avLst/>
-          </a:prstGeom>
-        </p:spPr>
-      </p:pic>
-      <p:pic>
-        <p:nvPicPr>
-          <p:cNvPr id="27" name="図 26"/>
-          <p:cNvPicPr>
-            <a:picLocks noChangeAspect="1"/>
-          </p:cNvPicPr>
-          <p:nvPr/>
-        </p:nvPicPr>
-        <p:blipFill>
-          <a:blip r:embed="rId7" cstate="print">
-            <a:extLst>
-              <a:ext uri="{28A0092B-C50C-407E-A947-70E740481C1C}">
-                <a14:useLocalDpi xmlns:a14="http://schemas.microsoft.com/office/drawing/2010/main" val="0"/>
-              </a:ext>
-            </a:extLst>
-          </a:blip>
-          <a:stretch>
-            <a:fillRect/>
-          </a:stretch>
-        </p:blipFill>
-        <p:spPr>
-          <a:xfrm>
-            <a:off x="750590" y="2314367"/>
-            <a:ext cx="1035662" cy="776746"/>
-          </a:xfrm>
-          <a:prstGeom prst="rect">
-            <a:avLst/>
-          </a:prstGeom>
-        </p:spPr>
-      </p:pic>
-      <p:sp>
-        <p:nvSpPr>
-          <p:cNvPr id="28" name="テキスト ボックス 27"/>
-          <p:cNvSpPr txBox="1"/>
-          <p:nvPr/>
-        </p:nvSpPr>
-        <p:spPr>
-          <a:xfrm>
-            <a:off x="787936" y="3139696"/>
-            <a:ext cx="960969" cy="261610"/>
-          </a:xfrm>
-          <a:prstGeom prst="rect">
-            <a:avLst/>
-          </a:prstGeom>
-          <a:noFill/>
-        </p:spPr>
-        <p:txBody>
-          <a:bodyPr wrap="square" rtlCol="0">
-            <a:spAutoFit/>
-          </a:bodyPr>
-          <a:lstStyle/>
-          <a:p>
-            <a:r>
-              <a:rPr lang="ja-JP" altLang="en-US" sz="1100" dirty="0" smtClean="0"/>
-              <a:t>左のカメラ</a:t>
-            </a:r>
-            <a:endParaRPr kumimoji="1" lang="ja-JP" altLang="en-US" sz="1100" dirty="0"/>
-          </a:p>
-        </p:txBody>
-      </p:sp>
-      <p:sp>
-        <p:nvSpPr>
-          <p:cNvPr id="29" name="テキスト ボックス 28"/>
-          <p:cNvSpPr txBox="1"/>
-          <p:nvPr/>
-        </p:nvSpPr>
-        <p:spPr>
-          <a:xfrm>
-            <a:off x="1947837" y="3134841"/>
-            <a:ext cx="960969" cy="261610"/>
-          </a:xfrm>
-          <a:prstGeom prst="rect">
-            <a:avLst/>
-          </a:prstGeom>
-          <a:noFill/>
-        </p:spPr>
-        <p:txBody>
-          <a:bodyPr wrap="square" rtlCol="0">
-            <a:spAutoFit/>
-          </a:bodyPr>
-          <a:lstStyle/>
-          <a:p>
-            <a:r>
-              <a:rPr lang="ja-JP" altLang="en-US" sz="1100" dirty="0" smtClean="0"/>
-              <a:t>右のカメラ</a:t>
-            </a:r>
-            <a:endParaRPr kumimoji="1" lang="ja-JP" altLang="en-US" sz="1100" dirty="0"/>
-          </a:p>
-        </p:txBody>
-      </p:sp>
-    </p:spTree>
-    <p:extLst>
-      <p:ext uri="{BB962C8B-B14F-4D97-AF65-F5344CB8AC3E}">
-        <p14:creationId xmlns:p14="http://schemas.microsoft.com/office/powerpoint/2010/main" val="960995805"/>
+        <p14:creationId xmlns:p14="http://schemas.microsoft.com/office/powerpoint/2010/main" val="318620276"/>
       </p:ext>
     </p:extLst>
   </p:cSld>
@@ -7964,12 +5036,12 @@
               </a:lnSpc>
             </a:pPr>
             <a:r>
+              <a:rPr lang="ja-JP" altLang="en-US" sz="2000" dirty="0"/>
+              <a:t>提案</a:t>
+            </a:r>
+            <a:r>
               <a:rPr lang="ja-JP" altLang="en-US" sz="2000" dirty="0" smtClean="0"/>
-              <a:t>各アルゴリズム</a:t>
-            </a:r>
-            <a:r>
-              <a:rPr lang="ja-JP" altLang="en-US" sz="2000" dirty="0" smtClean="0"/>
-              <a:t>解説</a:t>
+              <a:t>手法</a:t>
             </a:r>
             <a:endParaRPr lang="en-US" altLang="ja-JP" sz="2000" dirty="0" smtClean="0"/>
           </a:p>
@@ -7980,8 +5052,8 @@
               </a:lnSpc>
             </a:pPr>
             <a:r>
-              <a:rPr lang="ja-JP" altLang="en-US" sz="2000" dirty="0" smtClean="0"/>
-              <a:t>ステレオカメラのキャリブレーション</a:t>
+              <a:rPr lang="ja-JP" altLang="en-US" sz="2000" dirty="0"/>
+              <a:t>キャプチャ</a:t>
             </a:r>
             <a:endParaRPr lang="en-US" altLang="ja-JP" sz="2000" dirty="0" smtClean="0"/>
           </a:p>
@@ -7992,8 +5064,24 @@
               </a:lnSpc>
             </a:pPr>
             <a:r>
+              <a:rPr lang="ja-JP" altLang="en-US" sz="2000" dirty="0"/>
+              <a:t>対応の</a:t>
+            </a:r>
+            <a:r>
               <a:rPr lang="ja-JP" altLang="en-US" sz="2000" dirty="0" smtClean="0"/>
-              <a:t>投影パターン生成（エンコード）</a:t>
+              <a:t>生成</a:t>
+            </a:r>
+            <a:endParaRPr lang="en-US" altLang="zh-CN" sz="2000" dirty="0" smtClean="0"/>
+          </a:p>
+          <a:p>
+            <a:pPr>
+              <a:lnSpc>
+                <a:spcPct val="100000"/>
+              </a:lnSpc>
+            </a:pPr>
+            <a:r>
+              <a:rPr lang="ja-JP" altLang="en-US" sz="2000" dirty="0" smtClean="0"/>
+              <a:t>実験</a:t>
             </a:r>
             <a:endParaRPr lang="en-US" altLang="ja-JP" sz="2000" dirty="0" smtClean="0"/>
           </a:p>
@@ -8004,10 +5092,9 @@
               </a:lnSpc>
             </a:pPr>
             <a:r>
-              <a:rPr lang="ja-JP" altLang="en-US" sz="2000" dirty="0" smtClean="0"/>
-              <a:t>対応づけ（デコード）</a:t>
-            </a:r>
-            <a:endParaRPr lang="en-US" altLang="ja-JP" sz="2000" dirty="0" smtClean="0"/>
+              <a:rPr lang="ja-JP" altLang="en-US" sz="2000" dirty="0"/>
+              <a:t>撮影された画像の例</a:t>
+            </a:r>
           </a:p>
           <a:p>
             <a:pPr lvl="1">
@@ -8016,46 +5103,9 @@
               </a:lnSpc>
             </a:pPr>
             <a:r>
-              <a:rPr lang="ja-JP" altLang="en-US" sz="2000" dirty="0" smtClean="0"/>
-              <a:t>３次元復元</a:t>
-            </a:r>
-            <a:endParaRPr lang="en-US" altLang="zh-CN" sz="2000" dirty="0" smtClean="0"/>
-          </a:p>
-          <a:p>
-            <a:pPr>
-              <a:lnSpc>
-                <a:spcPct val="100000"/>
-              </a:lnSpc>
-            </a:pPr>
-            <a:r>
-              <a:rPr lang="ja-JP" altLang="en-US" sz="2000" dirty="0" smtClean="0"/>
-              <a:t>実験</a:t>
-            </a:r>
-            <a:endParaRPr lang="en-US" altLang="ja-JP" sz="2000" dirty="0" smtClean="0"/>
-          </a:p>
-          <a:p>
-            <a:pPr lvl="1">
-              <a:lnSpc>
-                <a:spcPct val="100000"/>
-              </a:lnSpc>
-            </a:pPr>
-            <a:r>
-              <a:rPr lang="en-US" altLang="zh-CN" sz="2000" dirty="0" err="1" smtClean="0"/>
-              <a:t>OpenCV</a:t>
-            </a:r>
-            <a:r>
-              <a:rPr lang="ja-JP" altLang="en-US" sz="2000" dirty="0" smtClean="0"/>
-              <a:t>と</a:t>
-            </a:r>
-            <a:r>
-              <a:rPr lang="en-US" altLang="zh-CN" sz="2000" dirty="0" smtClean="0"/>
-              <a:t>3dUnderworld</a:t>
-            </a:r>
-            <a:r>
-              <a:rPr lang="ja-JP" altLang="en-US" sz="2000" dirty="0" smtClean="0"/>
-              <a:t>復元アルゴリズムの比較</a:t>
-            </a:r>
-            <a:endParaRPr kumimoji="1" lang="ja-JP" altLang="en-US" sz="2000" dirty="0"/>
+              <a:rPr lang="ja-JP" altLang="en-US" sz="2000" dirty="0"/>
+              <a:t>結果</a:t>
+            </a:r>
           </a:p>
         </p:txBody>
       </p:sp>
@@ -9742,11 +6792,7 @@
             </a:r>
             <a:r>
               <a:rPr kumimoji="1" lang="ja-JP" altLang="en-US" sz="1800" dirty="0" smtClean="0"/>
-              <a:t>を巡って撮影する</a:t>
-            </a:r>
-            <a:r>
-              <a:rPr kumimoji="1" lang="ja-JP" altLang="en-US" sz="1800" dirty="0" smtClean="0"/>
-              <a:t>。</a:t>
+              <a:t>を巡って撮影する。</a:t>
             </a:r>
             <a:endParaRPr kumimoji="1" lang="en-US" altLang="ja-JP" sz="1800" dirty="0" smtClean="0"/>
           </a:p>
@@ -13483,11 +10529,7 @@
           <a:p>
             <a:r>
               <a:rPr lang="ja-JP" altLang="en-US" sz="1800" dirty="0"/>
-              <a:t>問題点：隣接のプロジェクター</a:t>
-            </a:r>
-            <a:r>
-              <a:rPr lang="ja-JP" altLang="en-US" sz="1800" dirty="0"/>
-              <a:t>位置の画像間の対応の生成</a:t>
+              <a:t>問題点：隣接のプロジェクター位置の画像間の対応の生成</a:t>
             </a:r>
           </a:p>
           <a:p>
@@ -18193,14 +15235,14 @@
                 <a:gridCol w="845277">
                   <a:extLst>
                     <a:ext uri="{9D8B030D-6E8A-4147-A177-3AD203B41FA5}">
-                      <a16:colId xmlns:a16="http://schemas.microsoft.com/office/drawing/2014/main" val="2606950001"/>
+                      <a16:colId xmlns:a16="http://schemas.microsoft.com/office/drawing/2014/main" xmlns="" val="2606950001"/>
                     </a:ext>
                   </a:extLst>
                 </a:gridCol>
                 <a:gridCol w="845277">
                   <a:extLst>
                     <a:ext uri="{9D8B030D-6E8A-4147-A177-3AD203B41FA5}">
-                      <a16:colId xmlns:a16="http://schemas.microsoft.com/office/drawing/2014/main" val="38958445"/>
+                      <a16:colId xmlns:a16="http://schemas.microsoft.com/office/drawing/2014/main" xmlns="" val="38958445"/>
                     </a:ext>
                   </a:extLst>
                 </a:gridCol>
@@ -18254,7 +15296,7 @@
                 </a:tc>
                 <a:extLst>
                   <a:ext uri="{0D108BD9-81ED-4DB2-BD59-A6C34878D82A}">
-                    <a16:rowId xmlns:a16="http://schemas.microsoft.com/office/drawing/2014/main" val="1612351185"/>
+                    <a16:rowId xmlns:a16="http://schemas.microsoft.com/office/drawing/2014/main" xmlns="" val="1612351185"/>
                   </a:ext>
                 </a:extLst>
               </a:tr>
@@ -18291,7 +15333,7 @@
                 </a:tc>
                 <a:extLst>
                   <a:ext uri="{0D108BD9-81ED-4DB2-BD59-A6C34878D82A}">
-                    <a16:rowId xmlns:a16="http://schemas.microsoft.com/office/drawing/2014/main" val="3562406782"/>
+                    <a16:rowId xmlns:a16="http://schemas.microsoft.com/office/drawing/2014/main" xmlns="" val="3562406782"/>
                   </a:ext>
                 </a:extLst>
               </a:tr>
@@ -18328,7 +15370,7 @@
                 </a:tc>
                 <a:extLst>
                   <a:ext uri="{0D108BD9-81ED-4DB2-BD59-A6C34878D82A}">
-                    <a16:rowId xmlns:a16="http://schemas.microsoft.com/office/drawing/2014/main" val="3307635016"/>
+                    <a16:rowId xmlns:a16="http://schemas.microsoft.com/office/drawing/2014/main" xmlns="" val="3307635016"/>
                   </a:ext>
                 </a:extLst>
               </a:tr>
@@ -18365,7 +15407,7 @@
                 </a:tc>
                 <a:extLst>
                   <a:ext uri="{0D108BD9-81ED-4DB2-BD59-A6C34878D82A}">
-                    <a16:rowId xmlns:a16="http://schemas.microsoft.com/office/drawing/2014/main" val="373292596"/>
+                    <a16:rowId xmlns:a16="http://schemas.microsoft.com/office/drawing/2014/main" xmlns="" val="373292596"/>
                   </a:ext>
                 </a:extLst>
               </a:tr>
@@ -18402,7 +15444,7 @@
                 </a:tc>
                 <a:extLst>
                   <a:ext uri="{0D108BD9-81ED-4DB2-BD59-A6C34878D82A}">
-                    <a16:rowId xmlns:a16="http://schemas.microsoft.com/office/drawing/2014/main" val="4228821904"/>
+                    <a16:rowId xmlns:a16="http://schemas.microsoft.com/office/drawing/2014/main" xmlns="" val="4228821904"/>
                   </a:ext>
                 </a:extLst>
               </a:tr>
@@ -20856,14 +17898,14 @@
                 <a:gridCol w="845277">
                   <a:extLst>
                     <a:ext uri="{9D8B030D-6E8A-4147-A177-3AD203B41FA5}">
-                      <a16:colId xmlns:a16="http://schemas.microsoft.com/office/drawing/2014/main" val="2606950001"/>
+                      <a16:colId xmlns:a16="http://schemas.microsoft.com/office/drawing/2014/main" xmlns="" val="2606950001"/>
                     </a:ext>
                   </a:extLst>
                 </a:gridCol>
                 <a:gridCol w="845277">
                   <a:extLst>
                     <a:ext uri="{9D8B030D-6E8A-4147-A177-3AD203B41FA5}">
-                      <a16:colId xmlns:a16="http://schemas.microsoft.com/office/drawing/2014/main" val="38958445"/>
+                      <a16:colId xmlns:a16="http://schemas.microsoft.com/office/drawing/2014/main" xmlns="" val="38958445"/>
                     </a:ext>
                   </a:extLst>
                 </a:gridCol>
@@ -20917,7 +17959,7 @@
                 </a:tc>
                 <a:extLst>
                   <a:ext uri="{0D108BD9-81ED-4DB2-BD59-A6C34878D82A}">
-                    <a16:rowId xmlns:a16="http://schemas.microsoft.com/office/drawing/2014/main" val="1612351185"/>
+                    <a16:rowId xmlns:a16="http://schemas.microsoft.com/office/drawing/2014/main" xmlns="" val="1612351185"/>
                   </a:ext>
                 </a:extLst>
               </a:tr>
@@ -20954,7 +17996,7 @@
                 </a:tc>
                 <a:extLst>
                   <a:ext uri="{0D108BD9-81ED-4DB2-BD59-A6C34878D82A}">
-                    <a16:rowId xmlns:a16="http://schemas.microsoft.com/office/drawing/2014/main" val="3562406782"/>
+                    <a16:rowId xmlns:a16="http://schemas.microsoft.com/office/drawing/2014/main" xmlns="" val="3562406782"/>
                   </a:ext>
                 </a:extLst>
               </a:tr>
@@ -20991,7 +18033,7 @@
                 </a:tc>
                 <a:extLst>
                   <a:ext uri="{0D108BD9-81ED-4DB2-BD59-A6C34878D82A}">
-                    <a16:rowId xmlns:a16="http://schemas.microsoft.com/office/drawing/2014/main" val="3307635016"/>
+                    <a16:rowId xmlns:a16="http://schemas.microsoft.com/office/drawing/2014/main" xmlns="" val="3307635016"/>
                   </a:ext>
                 </a:extLst>
               </a:tr>
@@ -21028,7 +18070,7 @@
                 </a:tc>
                 <a:extLst>
                   <a:ext uri="{0D108BD9-81ED-4DB2-BD59-A6C34878D82A}">
-                    <a16:rowId xmlns:a16="http://schemas.microsoft.com/office/drawing/2014/main" val="373292596"/>
+                    <a16:rowId xmlns:a16="http://schemas.microsoft.com/office/drawing/2014/main" xmlns="" val="373292596"/>
                   </a:ext>
                 </a:extLst>
               </a:tr>
@@ -21065,7 +18107,7 @@
                 </a:tc>
                 <a:extLst>
                   <a:ext uri="{0D108BD9-81ED-4DB2-BD59-A6C34878D82A}">
-                    <a16:rowId xmlns:a16="http://schemas.microsoft.com/office/drawing/2014/main" val="4228821904"/>
+                    <a16:rowId xmlns:a16="http://schemas.microsoft.com/office/drawing/2014/main" xmlns="" val="4228821904"/>
                   </a:ext>
                 </a:extLst>
               </a:tr>
@@ -21828,6 +18870,136 @@
           </a:p>
         </p:txBody>
       </p:sp>
+      <p:sp>
+        <p:nvSpPr>
+          <p:cNvPr id="6" name="椭圆 5"/>
+          <p:cNvSpPr/>
+          <p:nvPr/>
+        </p:nvSpPr>
+        <p:spPr>
+          <a:xfrm>
+            <a:off x="5121783" y="4273862"/>
+            <a:ext cx="804763" cy="731861"/>
+          </a:xfrm>
+          <a:prstGeom prst="ellipse">
+            <a:avLst/>
+          </a:prstGeom>
+          <a:noFill/>
+          <a:ln w="28575">
+            <a:solidFill>
+              <a:srgbClr val="FF0000"/>
+            </a:solidFill>
+          </a:ln>
+        </p:spPr>
+        <p:style>
+          <a:lnRef idx="2">
+            <a:schemeClr val="accent1">
+              <a:shade val="50000"/>
+            </a:schemeClr>
+          </a:lnRef>
+          <a:fillRef idx="1">
+            <a:schemeClr val="accent1"/>
+          </a:fillRef>
+          <a:effectRef idx="0">
+            <a:schemeClr val="accent1"/>
+          </a:effectRef>
+          <a:fontRef idx="minor">
+            <a:schemeClr val="lt1"/>
+          </a:fontRef>
+        </p:style>
+        <p:txBody>
+          <a:bodyPr rtlCol="0" anchor="ctr"/>
+          <a:lstStyle/>
+          <a:p>
+            <a:pPr algn="ctr"/>
+            <a:endParaRPr lang="zh-CN" altLang="en-US"/>
+          </a:p>
+        </p:txBody>
+      </p:sp>
+      <p:sp>
+        <p:nvSpPr>
+          <p:cNvPr id="78" name="椭圆 77"/>
+          <p:cNvSpPr/>
+          <p:nvPr/>
+        </p:nvSpPr>
+        <p:spPr>
+          <a:xfrm>
+            <a:off x="7101963" y="2153141"/>
+            <a:ext cx="804763" cy="731861"/>
+          </a:xfrm>
+          <a:prstGeom prst="ellipse">
+            <a:avLst/>
+          </a:prstGeom>
+          <a:noFill/>
+          <a:ln w="28575">
+            <a:solidFill>
+              <a:srgbClr val="FF0000"/>
+            </a:solidFill>
+          </a:ln>
+        </p:spPr>
+        <p:style>
+          <a:lnRef idx="2">
+            <a:schemeClr val="accent1">
+              <a:shade val="50000"/>
+            </a:schemeClr>
+          </a:lnRef>
+          <a:fillRef idx="1">
+            <a:schemeClr val="accent1"/>
+          </a:fillRef>
+          <a:effectRef idx="0">
+            <a:schemeClr val="accent1"/>
+          </a:effectRef>
+          <a:fontRef idx="minor">
+            <a:schemeClr val="lt1"/>
+          </a:fontRef>
+        </p:style>
+        <p:txBody>
+          <a:bodyPr rtlCol="0" anchor="ctr"/>
+          <a:lstStyle/>
+          <a:p>
+            <a:pPr algn="ctr"/>
+            <a:endParaRPr lang="zh-CN" altLang="en-US"/>
+          </a:p>
+        </p:txBody>
+      </p:sp>
+      <p:cxnSp>
+        <p:nvCxnSpPr>
+          <p:cNvPr id="10" name="曲线连接符 9"/>
+          <p:cNvCxnSpPr>
+            <a:stCxn id="78" idx="3"/>
+            <a:endCxn id="6" idx="6"/>
+          </p:cNvCxnSpPr>
+          <p:nvPr/>
+        </p:nvCxnSpPr>
+        <p:spPr>
+          <a:xfrm rot="5400000">
+            <a:off x="5642197" y="3062172"/>
+            <a:ext cx="1861970" cy="1293272"/>
+          </a:xfrm>
+          <a:prstGeom prst="curvedConnector2">
+            <a:avLst/>
+          </a:prstGeom>
+          <a:ln>
+            <a:solidFill>
+              <a:srgbClr val="FF0000"/>
+            </a:solidFill>
+          </a:ln>
+        </p:spPr>
+        <p:style>
+          <a:lnRef idx="1">
+            <a:schemeClr val="accent1"/>
+          </a:lnRef>
+          <a:fillRef idx="0">
+            <a:schemeClr val="accent1"/>
+          </a:fillRef>
+          <a:effectRef idx="0">
+            <a:schemeClr val="accent1"/>
+          </a:effectRef>
+          <a:fontRef idx="minor">
+            <a:schemeClr val="tx1"/>
+          </a:fontRef>
+        </p:style>
+      </p:cxnSp>
     </p:spTree>
     <p:extLst>
       <p:ext uri="{BB962C8B-B14F-4D97-AF65-F5344CB8AC3E}">

--- a/report/Li-20170317_.pptx
+++ b/report/Li-20170317_.pptx
@@ -5,10 +5,10 @@
     <p:sldMasterId id="2147483660" r:id="rId1"/>
   </p:sldMasterIdLst>
   <p:notesMasterIdLst>
-    <p:notesMasterId r:id="rId13"/>
+    <p:notesMasterId r:id="rId14"/>
   </p:notesMasterIdLst>
   <p:handoutMasterIdLst>
-    <p:handoutMasterId r:id="rId14"/>
+    <p:handoutMasterId r:id="rId15"/>
   </p:handoutMasterIdLst>
   <p:sldIdLst>
     <p:sldId id="256" r:id="rId2"/>
@@ -22,6 +22,7 @@
     <p:sldId id="323" r:id="rId10"/>
     <p:sldId id="322" r:id="rId11"/>
     <p:sldId id="324" r:id="rId12"/>
+    <p:sldId id="325" r:id="rId13"/>
   </p:sldIdLst>
   <p:sldSz cx="9144000" cy="6858000" type="screen4x3"/>
   <p:notesSz cx="9926638" cy="6797675"/>
@@ -136,6 +137,7 @@
             <p14:sldId id="323"/>
             <p14:sldId id="322"/>
             <p14:sldId id="324"/>
+            <p14:sldId id="325"/>
           </p14:sldIdLst>
         </p14:section>
       </p14:sectionLst>
@@ -232,7 +234,7 @@
           <a:p>
             <a:fld id="{A7047017-3F4D-4800-9B33-5B2A9DB7873C}" type="datetimeFigureOut">
               <a:rPr kumimoji="1" lang="ja-JP" altLang="en-US" smtClean="0"/>
-              <a:t>2017/3/16</a:t>
+              <a:t>2017/3/17</a:t>
             </a:fld>
             <a:endParaRPr kumimoji="1" lang="ja-JP" altLang="en-US"/>
           </a:p>
@@ -397,7 +399,7 @@
           <a:p>
             <a:fld id="{4EE61553-47AE-49F4-A30A-FEA3F4C5BB3B}" type="datetimeFigureOut">
               <a:rPr kumimoji="1" lang="ja-JP" altLang="en-US" smtClean="0"/>
-              <a:t>2017/3/16</a:t>
+              <a:t>2017/3/17</a:t>
             </a:fld>
             <a:endParaRPr kumimoji="1" lang="ja-JP" altLang="en-US"/>
           </a:p>
@@ -996,7 +998,7 @@
           <a:p>
             <a:fld id="{A8E4C931-648D-4F19-A7E9-4215BE8EB453}" type="datetime1">
               <a:rPr kumimoji="1" lang="ja-JP" altLang="en-US" smtClean="0"/>
-              <a:t>2017/3/16</a:t>
+              <a:t>2017/3/17</a:t>
             </a:fld>
             <a:endParaRPr kumimoji="1" lang="ja-JP" altLang="en-US"/>
           </a:p>
@@ -1198,7 +1200,7 @@
           <a:p>
             <a:fld id="{66996EC0-4E43-4FF5-933C-8728087BB85F}" type="datetime1">
               <a:rPr kumimoji="1" lang="ja-JP" altLang="en-US" smtClean="0"/>
-              <a:t>2017/3/16</a:t>
+              <a:t>2017/3/17</a:t>
             </a:fld>
             <a:endParaRPr kumimoji="1" lang="ja-JP" altLang="en-US"/>
           </a:p>
@@ -1410,7 +1412,7 @@
           <a:p>
             <a:fld id="{C2F28B55-76C5-4689-9D3B-072D0666FEF8}" type="datetime1">
               <a:rPr kumimoji="1" lang="ja-JP" altLang="en-US" smtClean="0"/>
-              <a:t>2017/3/16</a:t>
+              <a:t>2017/3/17</a:t>
             </a:fld>
             <a:endParaRPr kumimoji="1" lang="ja-JP" altLang="en-US"/>
           </a:p>
@@ -1612,7 +1614,7 @@
           <a:p>
             <a:fld id="{590AF857-1170-4F41-B12E-ABF113777648}" type="datetime1">
               <a:rPr kumimoji="1" lang="ja-JP" altLang="en-US" smtClean="0"/>
-              <a:t>2017/3/16</a:t>
+              <a:t>2017/3/17</a:t>
             </a:fld>
             <a:endParaRPr kumimoji="1" lang="ja-JP" altLang="en-US"/>
           </a:p>
@@ -1856,7 +1858,7 @@
           <a:p>
             <a:fld id="{00B44318-77C3-4220-BCFC-4622BF0AADB9}" type="datetime1">
               <a:rPr kumimoji="1" lang="ja-JP" altLang="en-US" smtClean="0"/>
-              <a:t>2017/3/16</a:t>
+              <a:t>2017/3/17</a:t>
             </a:fld>
             <a:endParaRPr kumimoji="1" lang="ja-JP" altLang="en-US"/>
           </a:p>
@@ -2152,7 +2154,7 @@
           <a:p>
             <a:fld id="{6E811334-7932-403E-9818-0031037B27BC}" type="datetime1">
               <a:rPr kumimoji="1" lang="ja-JP" altLang="en-US" smtClean="0"/>
-              <a:t>2017/3/16</a:t>
+              <a:t>2017/3/17</a:t>
             </a:fld>
             <a:endParaRPr kumimoji="1" lang="ja-JP" altLang="en-US"/>
           </a:p>
@@ -2583,7 +2585,7 @@
           <a:p>
             <a:fld id="{8F846AA7-D6AC-483B-B59F-B92B33580718}" type="datetime1">
               <a:rPr kumimoji="1" lang="ja-JP" altLang="en-US" smtClean="0"/>
-              <a:t>2017/3/16</a:t>
+              <a:t>2017/3/17</a:t>
             </a:fld>
             <a:endParaRPr kumimoji="1" lang="ja-JP" altLang="en-US"/>
           </a:p>
@@ -2701,7 +2703,7 @@
           <a:p>
             <a:fld id="{4C92AB63-8332-4105-A8E8-92D9FFE45080}" type="datetime1">
               <a:rPr kumimoji="1" lang="ja-JP" altLang="en-US" smtClean="0"/>
-              <a:t>2017/3/16</a:t>
+              <a:t>2017/3/17</a:t>
             </a:fld>
             <a:endParaRPr kumimoji="1" lang="ja-JP" altLang="en-US"/>
           </a:p>
@@ -2796,7 +2798,7 @@
           <a:p>
             <a:fld id="{C497F610-1513-4196-8905-051CB72780E2}" type="datetime1">
               <a:rPr kumimoji="1" lang="ja-JP" altLang="en-US" smtClean="0"/>
-              <a:t>2017/3/16</a:t>
+              <a:t>2017/3/17</a:t>
             </a:fld>
             <a:endParaRPr kumimoji="1" lang="ja-JP" altLang="en-US"/>
           </a:p>
@@ -3105,7 +3107,7 @@
           <a:p>
             <a:fld id="{784F99A3-628B-475C-AC88-0DCEBFCBE43E}" type="datetime1">
               <a:rPr kumimoji="1" lang="ja-JP" altLang="en-US" smtClean="0"/>
-              <a:t>2017/3/16</a:t>
+              <a:t>2017/3/17</a:t>
             </a:fld>
             <a:endParaRPr kumimoji="1" lang="ja-JP" altLang="en-US"/>
           </a:p>
@@ -3362,7 +3364,7 @@
           <a:p>
             <a:fld id="{993E26B5-C4B8-4F0A-BA8D-9718B829FC64}" type="datetime1">
               <a:rPr kumimoji="1" lang="ja-JP" altLang="en-US" smtClean="0"/>
-              <a:t>2017/3/16</a:t>
+              <a:t>2017/3/17</a:t>
             </a:fld>
             <a:endParaRPr kumimoji="1" lang="ja-JP" altLang="en-US"/>
           </a:p>
@@ -3607,7 +3609,7 @@
           <a:p>
             <a:fld id="{3AC474DA-14F1-4050-95A4-F0689030D4A9}" type="datetime1">
               <a:rPr kumimoji="1" lang="ja-JP" altLang="en-US" smtClean="0"/>
-              <a:t>2017/3/16</a:t>
+              <a:t>2017/3/17</a:t>
             </a:fld>
             <a:endParaRPr kumimoji="1" lang="ja-JP" altLang="en-US"/>
           </a:p>
@@ -4184,8 +4186,50 @@
           <a:p>
             <a:r>
               <a:rPr lang="ja-JP" altLang="en-US" dirty="0"/>
-              <a:t>撮影された画像の例</a:t>
-            </a:r>
+              <a:t>撮影された画像の</a:t>
+            </a:r>
+            <a:r>
+              <a:rPr lang="ja-JP" altLang="en-US" dirty="0" smtClean="0"/>
+              <a:t>例（解像度</a:t>
+            </a:r>
+            <a:r>
+              <a:rPr lang="en-US" altLang="ja-JP" dirty="0" smtClean="0"/>
+              <a:t>1280</a:t>
+            </a:r>
+            <a:r>
+              <a:rPr lang="ja-JP" altLang="en-US" dirty="0" smtClean="0"/>
+              <a:t>＊</a:t>
+            </a:r>
+            <a:r>
+              <a:rPr lang="en-US" altLang="ja-JP" dirty="0" smtClean="0"/>
+              <a:t>960</a:t>
+            </a:r>
+            <a:r>
+              <a:rPr lang="ja-JP" altLang="en-US" dirty="0" smtClean="0"/>
+              <a:t>）</a:t>
+            </a:r>
+            <a:endParaRPr lang="en-US" altLang="ja-JP" dirty="0" smtClean="0"/>
+          </a:p>
+          <a:p>
+            <a:endParaRPr lang="en-US" altLang="ja-JP" dirty="0"/>
+          </a:p>
+          <a:p>
+            <a:endParaRPr lang="en-US" altLang="ja-JP" dirty="0" smtClean="0"/>
+          </a:p>
+          <a:p>
+            <a:endParaRPr lang="en-US" altLang="ja-JP" dirty="0"/>
+          </a:p>
+          <a:p>
+            <a:endParaRPr lang="en-US" altLang="ja-JP" dirty="0" smtClean="0"/>
+          </a:p>
+          <a:p>
+            <a:endParaRPr lang="en-US" altLang="ja-JP" dirty="0"/>
+          </a:p>
+          <a:p>
+            <a:endParaRPr lang="en-US" altLang="ja-JP" dirty="0" smtClean="0"/>
+          </a:p>
+          <a:p>
+            <a:endParaRPr lang="ja-JP" altLang="en-US" sz="1800" dirty="0"/>
           </a:p>
           <a:p>
             <a:endParaRPr kumimoji="1" lang="ja-JP" altLang="en-US" dirty="0"/>
@@ -4512,15 +4556,7 @@
                   <a:schemeClr val="accent5"/>
                 </a:solidFill>
               </a:rPr>
-              <a:t>プロジェクター</a:t>
-            </a:r>
-            <a:r>
-              <a:rPr lang="ja-JP" altLang="en-US" sz="1100" dirty="0" smtClean="0">
-                <a:solidFill>
-                  <a:schemeClr val="accent5"/>
-                </a:solidFill>
-              </a:rPr>
-              <a:t>１</a:t>
+              <a:t>プロジェクター１</a:t>
             </a:r>
             <a:endParaRPr lang="ja-JP" altLang="en-US" sz="1100" dirty="0">
               <a:solidFill>
@@ -4576,6 +4612,348 @@
               <a:t>２</a:t>
             </a:r>
             <a:endParaRPr lang="en-US" altLang="ja-JP" sz="1100" dirty="0">
+              <a:solidFill>
+                <a:schemeClr val="accent6"/>
+              </a:solidFill>
+            </a:endParaRPr>
+          </a:p>
+        </p:txBody>
+      </p:sp>
+      <p:sp>
+        <p:nvSpPr>
+          <p:cNvPr id="16" name="テキスト ボックス 15"/>
+          <p:cNvSpPr txBox="1"/>
+          <p:nvPr/>
+        </p:nvSpPr>
+        <p:spPr>
+          <a:xfrm>
+            <a:off x="1766797" y="3486150"/>
+            <a:ext cx="270056" cy="369332"/>
+          </a:xfrm>
+          <a:prstGeom prst="rect">
+            <a:avLst/>
+          </a:prstGeom>
+          <a:noFill/>
+        </p:spPr>
+        <p:txBody>
+          <a:bodyPr wrap="square" rtlCol="0">
+            <a:spAutoFit/>
+          </a:bodyPr>
+          <a:lstStyle/>
+          <a:p>
+            <a:r>
+              <a:rPr lang="en-US" altLang="ja-JP" dirty="0">
+                <a:solidFill>
+                  <a:schemeClr val="accent5"/>
+                </a:solidFill>
+              </a:rPr>
+              <a:t>1</a:t>
+            </a:r>
+            <a:endParaRPr kumimoji="1" lang="ja-JP" altLang="en-US" dirty="0">
+              <a:solidFill>
+                <a:schemeClr val="accent5"/>
+              </a:solidFill>
+            </a:endParaRPr>
+          </a:p>
+        </p:txBody>
+      </p:sp>
+      <p:sp>
+        <p:nvSpPr>
+          <p:cNvPr id="17" name="テキスト ボックス 16"/>
+          <p:cNvSpPr txBox="1"/>
+          <p:nvPr/>
+        </p:nvSpPr>
+        <p:spPr>
+          <a:xfrm>
+            <a:off x="3409861" y="3486150"/>
+            <a:ext cx="270056" cy="369332"/>
+          </a:xfrm>
+          <a:prstGeom prst="rect">
+            <a:avLst/>
+          </a:prstGeom>
+          <a:noFill/>
+        </p:spPr>
+        <p:txBody>
+          <a:bodyPr wrap="square" rtlCol="0">
+            <a:spAutoFit/>
+          </a:bodyPr>
+          <a:lstStyle/>
+          <a:p>
+            <a:r>
+              <a:rPr lang="en-US" altLang="ja-JP" dirty="0" smtClean="0">
+                <a:solidFill>
+                  <a:schemeClr val="accent5"/>
+                </a:solidFill>
+              </a:rPr>
+              <a:t>2</a:t>
+            </a:r>
+            <a:endParaRPr kumimoji="1" lang="ja-JP" altLang="en-US" dirty="0">
+              <a:solidFill>
+                <a:schemeClr val="accent5"/>
+              </a:solidFill>
+            </a:endParaRPr>
+          </a:p>
+        </p:txBody>
+      </p:sp>
+      <p:sp>
+        <p:nvSpPr>
+          <p:cNvPr id="18" name="テキスト ボックス 17"/>
+          <p:cNvSpPr txBox="1"/>
+          <p:nvPr/>
+        </p:nvSpPr>
+        <p:spPr>
+          <a:xfrm>
+            <a:off x="5052924" y="3486150"/>
+            <a:ext cx="270056" cy="369332"/>
+          </a:xfrm>
+          <a:prstGeom prst="rect">
+            <a:avLst/>
+          </a:prstGeom>
+          <a:noFill/>
+        </p:spPr>
+        <p:txBody>
+          <a:bodyPr wrap="square" rtlCol="0">
+            <a:spAutoFit/>
+          </a:bodyPr>
+          <a:lstStyle/>
+          <a:p>
+            <a:r>
+              <a:rPr lang="en-US" altLang="ja-JP" dirty="0" smtClean="0">
+                <a:solidFill>
+                  <a:schemeClr val="accent5"/>
+                </a:solidFill>
+              </a:rPr>
+              <a:t>3</a:t>
+            </a:r>
+            <a:endParaRPr kumimoji="1" lang="ja-JP" altLang="en-US" dirty="0">
+              <a:solidFill>
+                <a:schemeClr val="accent5"/>
+              </a:solidFill>
+            </a:endParaRPr>
+          </a:p>
+        </p:txBody>
+      </p:sp>
+      <p:sp>
+        <p:nvSpPr>
+          <p:cNvPr id="19" name="テキスト ボックス 18"/>
+          <p:cNvSpPr txBox="1"/>
+          <p:nvPr/>
+        </p:nvSpPr>
+        <p:spPr>
+          <a:xfrm>
+            <a:off x="6695987" y="3486150"/>
+            <a:ext cx="270056" cy="369332"/>
+          </a:xfrm>
+          <a:prstGeom prst="rect">
+            <a:avLst/>
+          </a:prstGeom>
+          <a:noFill/>
+        </p:spPr>
+        <p:txBody>
+          <a:bodyPr wrap="square" rtlCol="0">
+            <a:spAutoFit/>
+          </a:bodyPr>
+          <a:lstStyle/>
+          <a:p>
+            <a:r>
+              <a:rPr lang="en-US" altLang="ja-JP" dirty="0" smtClean="0">
+                <a:solidFill>
+                  <a:schemeClr val="accent5"/>
+                </a:solidFill>
+              </a:rPr>
+              <a:t>4</a:t>
+            </a:r>
+            <a:endParaRPr kumimoji="1" lang="ja-JP" altLang="en-US" dirty="0">
+              <a:solidFill>
+                <a:schemeClr val="accent5"/>
+              </a:solidFill>
+            </a:endParaRPr>
+          </a:p>
+        </p:txBody>
+      </p:sp>
+      <p:sp>
+        <p:nvSpPr>
+          <p:cNvPr id="20" name="テキスト ボックス 19"/>
+          <p:cNvSpPr txBox="1"/>
+          <p:nvPr/>
+        </p:nvSpPr>
+        <p:spPr>
+          <a:xfrm>
+            <a:off x="1766797" y="4853384"/>
+            <a:ext cx="270056" cy="369332"/>
+          </a:xfrm>
+          <a:prstGeom prst="rect">
+            <a:avLst/>
+          </a:prstGeom>
+          <a:noFill/>
+        </p:spPr>
+        <p:txBody>
+          <a:bodyPr wrap="square" rtlCol="0">
+            <a:spAutoFit/>
+          </a:bodyPr>
+          <a:lstStyle/>
+          <a:p>
+            <a:r>
+              <a:rPr lang="en-US" altLang="ja-JP" dirty="0">
+                <a:solidFill>
+                  <a:schemeClr val="accent6"/>
+                </a:solidFill>
+              </a:rPr>
+              <a:t>1</a:t>
+            </a:r>
+            <a:endParaRPr kumimoji="1" lang="ja-JP" altLang="en-US" dirty="0">
+              <a:solidFill>
+                <a:schemeClr val="accent6"/>
+              </a:solidFill>
+            </a:endParaRPr>
+          </a:p>
+        </p:txBody>
+      </p:sp>
+      <p:sp>
+        <p:nvSpPr>
+          <p:cNvPr id="21" name="テキスト ボックス 20"/>
+          <p:cNvSpPr txBox="1"/>
+          <p:nvPr/>
+        </p:nvSpPr>
+        <p:spPr>
+          <a:xfrm>
+            <a:off x="3409861" y="4853384"/>
+            <a:ext cx="270056" cy="369332"/>
+          </a:xfrm>
+          <a:prstGeom prst="rect">
+            <a:avLst/>
+          </a:prstGeom>
+          <a:noFill/>
+        </p:spPr>
+        <p:txBody>
+          <a:bodyPr wrap="square" rtlCol="0">
+            <a:spAutoFit/>
+          </a:bodyPr>
+          <a:lstStyle/>
+          <a:p>
+            <a:r>
+              <a:rPr lang="en-US" altLang="ja-JP" dirty="0" smtClean="0">
+                <a:solidFill>
+                  <a:schemeClr val="accent6"/>
+                </a:solidFill>
+              </a:rPr>
+              <a:t>2</a:t>
+            </a:r>
+            <a:endParaRPr kumimoji="1" lang="ja-JP" altLang="en-US" dirty="0">
+              <a:solidFill>
+                <a:schemeClr val="accent6"/>
+              </a:solidFill>
+            </a:endParaRPr>
+          </a:p>
+        </p:txBody>
+      </p:sp>
+      <p:sp>
+        <p:nvSpPr>
+          <p:cNvPr id="22" name="テキスト ボックス 21"/>
+          <p:cNvSpPr txBox="1"/>
+          <p:nvPr/>
+        </p:nvSpPr>
+        <p:spPr>
+          <a:xfrm>
+            <a:off x="5052924" y="4853384"/>
+            <a:ext cx="270056" cy="369332"/>
+          </a:xfrm>
+          <a:prstGeom prst="rect">
+            <a:avLst/>
+          </a:prstGeom>
+          <a:noFill/>
+        </p:spPr>
+        <p:txBody>
+          <a:bodyPr wrap="square" rtlCol="0">
+            <a:spAutoFit/>
+          </a:bodyPr>
+          <a:lstStyle/>
+          <a:p>
+            <a:r>
+              <a:rPr lang="en-US" altLang="ja-JP" dirty="0" smtClean="0">
+                <a:solidFill>
+                  <a:schemeClr val="accent6"/>
+                </a:solidFill>
+              </a:rPr>
+              <a:t>3</a:t>
+            </a:r>
+            <a:endParaRPr kumimoji="1" lang="ja-JP" altLang="en-US" dirty="0">
+              <a:solidFill>
+                <a:schemeClr val="accent6"/>
+              </a:solidFill>
+            </a:endParaRPr>
+          </a:p>
+        </p:txBody>
+      </p:sp>
+      <p:sp>
+        <p:nvSpPr>
+          <p:cNvPr id="23" name="テキスト ボックス 22"/>
+          <p:cNvSpPr txBox="1"/>
+          <p:nvPr/>
+        </p:nvSpPr>
+        <p:spPr>
+          <a:xfrm>
+            <a:off x="6695987" y="4853384"/>
+            <a:ext cx="270056" cy="369332"/>
+          </a:xfrm>
+          <a:prstGeom prst="rect">
+            <a:avLst/>
+          </a:prstGeom>
+          <a:noFill/>
+        </p:spPr>
+        <p:txBody>
+          <a:bodyPr wrap="square" rtlCol="0">
+            <a:spAutoFit/>
+          </a:bodyPr>
+          <a:lstStyle/>
+          <a:p>
+            <a:r>
+              <a:rPr lang="en-US" altLang="ja-JP" dirty="0" smtClean="0">
+                <a:solidFill>
+                  <a:schemeClr val="accent6"/>
+                </a:solidFill>
+              </a:rPr>
+              <a:t>4</a:t>
+            </a:r>
+            <a:endParaRPr kumimoji="1" lang="ja-JP" altLang="en-US" dirty="0">
+              <a:solidFill>
+                <a:schemeClr val="accent6"/>
+              </a:solidFill>
+            </a:endParaRPr>
+          </a:p>
+        </p:txBody>
+      </p:sp>
+      <p:sp>
+        <p:nvSpPr>
+          <p:cNvPr id="24" name="テキスト ボックス 23"/>
+          <p:cNvSpPr txBox="1"/>
+          <p:nvPr/>
+        </p:nvSpPr>
+        <p:spPr>
+          <a:xfrm>
+            <a:off x="8337199" y="4848106"/>
+            <a:ext cx="270056" cy="369332"/>
+          </a:xfrm>
+          <a:prstGeom prst="rect">
+            <a:avLst/>
+          </a:prstGeom>
+          <a:noFill/>
+        </p:spPr>
+        <p:txBody>
+          <a:bodyPr wrap="square" rtlCol="0">
+            <a:spAutoFit/>
+          </a:bodyPr>
+          <a:lstStyle/>
+          <a:p>
+            <a:r>
+              <a:rPr lang="en-US" altLang="ja-JP" dirty="0" smtClean="0">
+                <a:solidFill>
+                  <a:schemeClr val="accent6"/>
+                </a:solidFill>
+              </a:rPr>
+              <a:t>5</a:t>
+            </a:r>
+            <a:endParaRPr kumimoji="1" lang="ja-JP" altLang="en-US" dirty="0">
               <a:solidFill>
                 <a:schemeClr val="accent6"/>
               </a:solidFill>
@@ -4944,10 +5322,3189 @@
           </a:p>
         </p:txBody>
       </p:sp>
+      <p:sp>
+        <p:nvSpPr>
+          <p:cNvPr id="32" name="テキスト ボックス 31"/>
+          <p:cNvSpPr txBox="1"/>
+          <p:nvPr/>
+        </p:nvSpPr>
+        <p:spPr>
+          <a:xfrm>
+            <a:off x="5553869" y="5121568"/>
+            <a:ext cx="270056" cy="369332"/>
+          </a:xfrm>
+          <a:prstGeom prst="rect">
+            <a:avLst/>
+          </a:prstGeom>
+          <a:noFill/>
+        </p:spPr>
+        <p:txBody>
+          <a:bodyPr wrap="square" rtlCol="0">
+            <a:spAutoFit/>
+          </a:bodyPr>
+          <a:lstStyle/>
+          <a:p>
+            <a:r>
+              <a:rPr lang="en-US" altLang="ja-JP" dirty="0">
+                <a:solidFill>
+                  <a:schemeClr val="accent5"/>
+                </a:solidFill>
+              </a:rPr>
+              <a:t>1</a:t>
+            </a:r>
+            <a:endParaRPr kumimoji="1" lang="ja-JP" altLang="en-US" dirty="0">
+              <a:solidFill>
+                <a:schemeClr val="accent5"/>
+              </a:solidFill>
+            </a:endParaRPr>
+          </a:p>
+        </p:txBody>
+      </p:sp>
+      <p:sp>
+        <p:nvSpPr>
+          <p:cNvPr id="33" name="テキスト ボックス 32"/>
+          <p:cNvSpPr txBox="1"/>
+          <p:nvPr/>
+        </p:nvSpPr>
+        <p:spPr>
+          <a:xfrm>
+            <a:off x="6244925" y="5712659"/>
+            <a:ext cx="270056" cy="369332"/>
+          </a:xfrm>
+          <a:prstGeom prst="rect">
+            <a:avLst/>
+          </a:prstGeom>
+          <a:noFill/>
+        </p:spPr>
+        <p:txBody>
+          <a:bodyPr wrap="square" rtlCol="0">
+            <a:spAutoFit/>
+          </a:bodyPr>
+          <a:lstStyle/>
+          <a:p>
+            <a:r>
+              <a:rPr lang="en-US" altLang="ja-JP" dirty="0" smtClean="0">
+                <a:solidFill>
+                  <a:schemeClr val="accent5"/>
+                </a:solidFill>
+              </a:rPr>
+              <a:t>2</a:t>
+            </a:r>
+            <a:endParaRPr kumimoji="1" lang="ja-JP" altLang="en-US" dirty="0">
+              <a:solidFill>
+                <a:schemeClr val="accent5"/>
+              </a:solidFill>
+            </a:endParaRPr>
+          </a:p>
+        </p:txBody>
+      </p:sp>
+      <p:sp>
+        <p:nvSpPr>
+          <p:cNvPr id="34" name="テキスト ボックス 33"/>
+          <p:cNvSpPr txBox="1"/>
+          <p:nvPr/>
+        </p:nvSpPr>
+        <p:spPr>
+          <a:xfrm>
+            <a:off x="7486650" y="5449662"/>
+            <a:ext cx="270056" cy="369332"/>
+          </a:xfrm>
+          <a:prstGeom prst="rect">
+            <a:avLst/>
+          </a:prstGeom>
+          <a:noFill/>
+        </p:spPr>
+        <p:txBody>
+          <a:bodyPr wrap="square" rtlCol="0">
+            <a:spAutoFit/>
+          </a:bodyPr>
+          <a:lstStyle/>
+          <a:p>
+            <a:r>
+              <a:rPr lang="en-US" altLang="ja-JP" dirty="0" smtClean="0">
+                <a:solidFill>
+                  <a:schemeClr val="accent5"/>
+                </a:solidFill>
+              </a:rPr>
+              <a:t>3</a:t>
+            </a:r>
+            <a:endParaRPr kumimoji="1" lang="ja-JP" altLang="en-US" dirty="0">
+              <a:solidFill>
+                <a:schemeClr val="accent5"/>
+              </a:solidFill>
+            </a:endParaRPr>
+          </a:p>
+        </p:txBody>
+      </p:sp>
+      <p:sp>
+        <p:nvSpPr>
+          <p:cNvPr id="35" name="テキスト ボックス 34"/>
+          <p:cNvSpPr txBox="1"/>
+          <p:nvPr/>
+        </p:nvSpPr>
+        <p:spPr>
+          <a:xfrm>
+            <a:off x="7797617" y="4936902"/>
+            <a:ext cx="270056" cy="369332"/>
+          </a:xfrm>
+          <a:prstGeom prst="rect">
+            <a:avLst/>
+          </a:prstGeom>
+          <a:noFill/>
+        </p:spPr>
+        <p:txBody>
+          <a:bodyPr wrap="square" rtlCol="0">
+            <a:spAutoFit/>
+          </a:bodyPr>
+          <a:lstStyle/>
+          <a:p>
+            <a:r>
+              <a:rPr lang="en-US" altLang="ja-JP" dirty="0" smtClean="0">
+                <a:solidFill>
+                  <a:schemeClr val="accent5"/>
+                </a:solidFill>
+              </a:rPr>
+              <a:t>4</a:t>
+            </a:r>
+            <a:endParaRPr kumimoji="1" lang="ja-JP" altLang="en-US" dirty="0">
+              <a:solidFill>
+                <a:schemeClr val="accent5"/>
+              </a:solidFill>
+            </a:endParaRPr>
+          </a:p>
+        </p:txBody>
+      </p:sp>
+      <p:sp>
+        <p:nvSpPr>
+          <p:cNvPr id="36" name="テキスト ボックス 35"/>
+          <p:cNvSpPr txBox="1"/>
+          <p:nvPr/>
+        </p:nvSpPr>
+        <p:spPr>
+          <a:xfrm>
+            <a:off x="7936177" y="5055197"/>
+            <a:ext cx="270056" cy="369332"/>
+          </a:xfrm>
+          <a:prstGeom prst="rect">
+            <a:avLst/>
+          </a:prstGeom>
+          <a:noFill/>
+        </p:spPr>
+        <p:txBody>
+          <a:bodyPr wrap="square" rtlCol="0">
+            <a:spAutoFit/>
+          </a:bodyPr>
+          <a:lstStyle/>
+          <a:p>
+            <a:r>
+              <a:rPr lang="en-US" altLang="ja-JP" dirty="0">
+                <a:solidFill>
+                  <a:schemeClr val="accent6"/>
+                </a:solidFill>
+              </a:rPr>
+              <a:t>1</a:t>
+            </a:r>
+            <a:endParaRPr kumimoji="1" lang="ja-JP" altLang="en-US" dirty="0">
+              <a:solidFill>
+                <a:schemeClr val="accent6"/>
+              </a:solidFill>
+            </a:endParaRPr>
+          </a:p>
+        </p:txBody>
+      </p:sp>
+      <p:sp>
+        <p:nvSpPr>
+          <p:cNvPr id="37" name="テキスト ボックス 36"/>
+          <p:cNvSpPr txBox="1"/>
+          <p:nvPr/>
+        </p:nvSpPr>
+        <p:spPr>
+          <a:xfrm>
+            <a:off x="8175231" y="4299386"/>
+            <a:ext cx="270056" cy="369332"/>
+          </a:xfrm>
+          <a:prstGeom prst="rect">
+            <a:avLst/>
+          </a:prstGeom>
+          <a:noFill/>
+        </p:spPr>
+        <p:txBody>
+          <a:bodyPr wrap="square" rtlCol="0">
+            <a:spAutoFit/>
+          </a:bodyPr>
+          <a:lstStyle/>
+          <a:p>
+            <a:r>
+              <a:rPr lang="en-US" altLang="ja-JP" dirty="0" smtClean="0">
+                <a:solidFill>
+                  <a:schemeClr val="accent6"/>
+                </a:solidFill>
+              </a:rPr>
+              <a:t>2</a:t>
+            </a:r>
+            <a:endParaRPr kumimoji="1" lang="ja-JP" altLang="en-US" dirty="0">
+              <a:solidFill>
+                <a:schemeClr val="accent6"/>
+              </a:solidFill>
+            </a:endParaRPr>
+          </a:p>
+        </p:txBody>
+      </p:sp>
+      <p:sp>
+        <p:nvSpPr>
+          <p:cNvPr id="38" name="テキスト ボックス 37"/>
+          <p:cNvSpPr txBox="1"/>
+          <p:nvPr/>
+        </p:nvSpPr>
+        <p:spPr>
+          <a:xfrm>
+            <a:off x="8330208" y="3930054"/>
+            <a:ext cx="270056" cy="369332"/>
+          </a:xfrm>
+          <a:prstGeom prst="rect">
+            <a:avLst/>
+          </a:prstGeom>
+          <a:noFill/>
+        </p:spPr>
+        <p:txBody>
+          <a:bodyPr wrap="square" rtlCol="0">
+            <a:spAutoFit/>
+          </a:bodyPr>
+          <a:lstStyle/>
+          <a:p>
+            <a:r>
+              <a:rPr lang="en-US" altLang="ja-JP" dirty="0" smtClean="0">
+                <a:solidFill>
+                  <a:schemeClr val="accent6"/>
+                </a:solidFill>
+              </a:rPr>
+              <a:t>3</a:t>
+            </a:r>
+            <a:endParaRPr kumimoji="1" lang="ja-JP" altLang="en-US" dirty="0">
+              <a:solidFill>
+                <a:schemeClr val="accent6"/>
+              </a:solidFill>
+            </a:endParaRPr>
+          </a:p>
+        </p:txBody>
+      </p:sp>
+      <p:sp>
+        <p:nvSpPr>
+          <p:cNvPr id="39" name="テキスト ボックス 38"/>
+          <p:cNvSpPr txBox="1"/>
+          <p:nvPr/>
+        </p:nvSpPr>
+        <p:spPr>
+          <a:xfrm>
+            <a:off x="8206233" y="2889111"/>
+            <a:ext cx="270056" cy="369332"/>
+          </a:xfrm>
+          <a:prstGeom prst="rect">
+            <a:avLst/>
+          </a:prstGeom>
+          <a:noFill/>
+        </p:spPr>
+        <p:txBody>
+          <a:bodyPr wrap="square" rtlCol="0">
+            <a:spAutoFit/>
+          </a:bodyPr>
+          <a:lstStyle/>
+          <a:p>
+            <a:r>
+              <a:rPr lang="en-US" altLang="ja-JP" dirty="0" smtClean="0">
+                <a:solidFill>
+                  <a:schemeClr val="accent6"/>
+                </a:solidFill>
+              </a:rPr>
+              <a:t>4</a:t>
+            </a:r>
+            <a:endParaRPr kumimoji="1" lang="ja-JP" altLang="en-US" dirty="0">
+              <a:solidFill>
+                <a:schemeClr val="accent6"/>
+              </a:solidFill>
+            </a:endParaRPr>
+          </a:p>
+        </p:txBody>
+      </p:sp>
+      <p:sp>
+        <p:nvSpPr>
+          <p:cNvPr id="40" name="テキスト ボックス 39"/>
+          <p:cNvSpPr txBox="1"/>
+          <p:nvPr/>
+        </p:nvSpPr>
+        <p:spPr>
+          <a:xfrm>
+            <a:off x="7836489" y="2338958"/>
+            <a:ext cx="270056" cy="369332"/>
+          </a:xfrm>
+          <a:prstGeom prst="rect">
+            <a:avLst/>
+          </a:prstGeom>
+          <a:noFill/>
+        </p:spPr>
+        <p:txBody>
+          <a:bodyPr wrap="square" rtlCol="0">
+            <a:spAutoFit/>
+          </a:bodyPr>
+          <a:lstStyle/>
+          <a:p>
+            <a:r>
+              <a:rPr lang="en-US" altLang="ja-JP" dirty="0" smtClean="0">
+                <a:solidFill>
+                  <a:schemeClr val="accent6"/>
+                </a:solidFill>
+              </a:rPr>
+              <a:t>5</a:t>
+            </a:r>
+            <a:endParaRPr kumimoji="1" lang="ja-JP" altLang="en-US" dirty="0">
+              <a:solidFill>
+                <a:schemeClr val="accent6"/>
+              </a:solidFill>
+            </a:endParaRPr>
+          </a:p>
+        </p:txBody>
+      </p:sp>
     </p:spTree>
     <p:extLst>
       <p:ext uri="{BB962C8B-B14F-4D97-AF65-F5344CB8AC3E}">
         <p14:creationId xmlns:p14="http://schemas.microsoft.com/office/powerpoint/2010/main" val="318620276"/>
+      </p:ext>
+    </p:extLst>
+  </p:cSld>
+  <p:clrMapOvr>
+    <a:masterClrMapping/>
+  </p:clrMapOvr>
+</p:sld>
+</file>
+
+<file path=ppt/slides/slide12.xml><?xml version="1.0" encoding="utf-8"?>
+<p:sld xmlns:a="http://schemas.openxmlformats.org/drawingml/2006/main" xmlns:r="http://schemas.openxmlformats.org/officeDocument/2006/relationships" xmlns:p="http://schemas.openxmlformats.org/presentationml/2006/main">
+  <p:cSld>
+    <p:spTree>
+      <p:nvGrpSpPr>
+        <p:cNvPr id="1" name=""/>
+        <p:cNvGrpSpPr/>
+        <p:nvPr/>
+      </p:nvGrpSpPr>
+      <p:grpSpPr>
+        <a:xfrm>
+          <a:off x="0" y="0"/>
+          <a:ext cx="0" cy="0"/>
+          <a:chOff x="0" y="0"/>
+          <a:chExt cx="0" cy="0"/>
+        </a:xfrm>
+      </p:grpSpPr>
+      <p:sp>
+        <p:nvSpPr>
+          <p:cNvPr id="2" name="タイトル 1"/>
+          <p:cNvSpPr>
+            <a:spLocks noGrp="1"/>
+          </p:cNvSpPr>
+          <p:nvPr>
+            <p:ph type="title"/>
+          </p:nvPr>
+        </p:nvSpPr>
+        <p:spPr/>
+        <p:txBody>
+          <a:bodyPr/>
+          <a:lstStyle/>
+          <a:p>
+            <a:r>
+              <a:rPr lang="ja-JP" altLang="en-US" dirty="0"/>
+              <a:t>実験</a:t>
+            </a:r>
+            <a:endParaRPr kumimoji="1" lang="ja-JP" altLang="en-US" dirty="0"/>
+          </a:p>
+        </p:txBody>
+      </p:sp>
+      <p:sp>
+        <p:nvSpPr>
+          <p:cNvPr id="3" name="コンテンツ プレースホルダー 2"/>
+          <p:cNvSpPr>
+            <a:spLocks noGrp="1"/>
+          </p:cNvSpPr>
+          <p:nvPr>
+            <p:ph idx="1"/>
+          </p:nvPr>
+        </p:nvSpPr>
+        <p:spPr/>
+        <p:txBody>
+          <a:bodyPr/>
+          <a:lstStyle/>
+          <a:p>
+            <a:r>
+              <a:rPr lang="ja-JP" altLang="en-US" dirty="0"/>
+              <a:t>結果</a:t>
+            </a:r>
+            <a:endParaRPr kumimoji="1" lang="ja-JP" altLang="en-US" dirty="0"/>
+          </a:p>
+        </p:txBody>
+      </p:sp>
+      <p:sp>
+        <p:nvSpPr>
+          <p:cNvPr id="4" name="スライド番号プレースホルダー 3"/>
+          <p:cNvSpPr>
+            <a:spLocks noGrp="1"/>
+          </p:cNvSpPr>
+          <p:nvPr>
+            <p:ph type="sldNum" sz="quarter" idx="12"/>
+          </p:nvPr>
+        </p:nvSpPr>
+        <p:spPr/>
+        <p:txBody>
+          <a:bodyPr/>
+          <a:lstStyle/>
+          <a:p>
+            <a:fld id="{DCF788E4-6569-4D19-9234-A7EC7D743A2C}" type="slidenum">
+              <a:rPr kumimoji="1" lang="ja-JP" altLang="en-US" smtClean="0"/>
+              <a:t>12</a:t>
+            </a:fld>
+            <a:endParaRPr kumimoji="1" lang="ja-JP" altLang="en-US"/>
+          </a:p>
+        </p:txBody>
+      </p:sp>
+      <p:graphicFrame>
+        <p:nvGraphicFramePr>
+          <p:cNvPr id="5" name="表 4"/>
+          <p:cNvGraphicFramePr>
+            <a:graphicFrameLocks noGrp="1"/>
+          </p:cNvGraphicFramePr>
+          <p:nvPr>
+            <p:extLst>
+              <p:ext uri="{D42A27DB-BD31-4B8C-83A1-F6EECF244321}">
+                <p14:modId xmlns:p14="http://schemas.microsoft.com/office/powerpoint/2010/main" val="1282539270"/>
+              </p:ext>
+            </p:extLst>
+          </p:nvPr>
+        </p:nvGraphicFramePr>
+        <p:xfrm>
+          <a:off x="725755" y="2326978"/>
+          <a:ext cx="6953590" cy="4114800"/>
+        </p:xfrm>
+        <a:graphic>
+          <a:graphicData uri="http://schemas.openxmlformats.org/drawingml/2006/table">
+            <a:tbl>
+              <a:tblPr firstRow="1" bandRow="1">
+                <a:tableStyleId>{5940675A-B579-460E-94D1-54222C63F5DA}</a:tableStyleId>
+              </a:tblPr>
+              <a:tblGrid>
+                <a:gridCol w="695359">
+                  <a:extLst>
+                    <a:ext uri="{9D8B030D-6E8A-4147-A177-3AD203B41FA5}">
+                      <a16:colId xmlns:a16="http://schemas.microsoft.com/office/drawing/2014/main" xmlns="" val="530726707"/>
+                    </a:ext>
+                  </a:extLst>
+                </a:gridCol>
+                <a:gridCol w="695359">
+                  <a:extLst>
+                    <a:ext uri="{9D8B030D-6E8A-4147-A177-3AD203B41FA5}">
+                      <a16:colId xmlns:a16="http://schemas.microsoft.com/office/drawing/2014/main" xmlns="" val="157596894"/>
+                    </a:ext>
+                  </a:extLst>
+                </a:gridCol>
+                <a:gridCol w="695359">
+                  <a:extLst>
+                    <a:ext uri="{9D8B030D-6E8A-4147-A177-3AD203B41FA5}">
+                      <a16:colId xmlns:a16="http://schemas.microsoft.com/office/drawing/2014/main" xmlns="" val="3122798624"/>
+                    </a:ext>
+                  </a:extLst>
+                </a:gridCol>
+                <a:gridCol w="695359">
+                  <a:extLst>
+                    <a:ext uri="{9D8B030D-6E8A-4147-A177-3AD203B41FA5}">
+                      <a16:colId xmlns:a16="http://schemas.microsoft.com/office/drawing/2014/main" xmlns="" val="3246324703"/>
+                    </a:ext>
+                  </a:extLst>
+                </a:gridCol>
+                <a:gridCol w="695359">
+                  <a:extLst>
+                    <a:ext uri="{9D8B030D-6E8A-4147-A177-3AD203B41FA5}">
+                      <a16:colId xmlns:a16="http://schemas.microsoft.com/office/drawing/2014/main" xmlns="" val="2242070554"/>
+                    </a:ext>
+                  </a:extLst>
+                </a:gridCol>
+                <a:gridCol w="695359">
+                  <a:extLst>
+                    <a:ext uri="{9D8B030D-6E8A-4147-A177-3AD203B41FA5}">
+                      <a16:colId xmlns:a16="http://schemas.microsoft.com/office/drawing/2014/main" xmlns="" val="1229518913"/>
+                    </a:ext>
+                  </a:extLst>
+                </a:gridCol>
+                <a:gridCol w="695359">
+                  <a:extLst>
+                    <a:ext uri="{9D8B030D-6E8A-4147-A177-3AD203B41FA5}">
+                      <a16:colId xmlns:a16="http://schemas.microsoft.com/office/drawing/2014/main" xmlns="" val="2975661522"/>
+                    </a:ext>
+                  </a:extLst>
+                </a:gridCol>
+                <a:gridCol w="695359">
+                  <a:extLst>
+                    <a:ext uri="{9D8B030D-6E8A-4147-A177-3AD203B41FA5}">
+                      <a16:colId xmlns:a16="http://schemas.microsoft.com/office/drawing/2014/main" xmlns="" val="3590594528"/>
+                    </a:ext>
+                  </a:extLst>
+                </a:gridCol>
+                <a:gridCol w="695359">
+                  <a:extLst>
+                    <a:ext uri="{9D8B030D-6E8A-4147-A177-3AD203B41FA5}">
+                      <a16:colId xmlns:a16="http://schemas.microsoft.com/office/drawing/2014/main" xmlns="" val="455016111"/>
+                    </a:ext>
+                  </a:extLst>
+                </a:gridCol>
+                <a:gridCol w="695359"/>
+              </a:tblGrid>
+              <a:tr h="370840">
+                <a:tc>
+                  <a:txBody>
+                    <a:bodyPr/>
+                    <a:lstStyle/>
+                    <a:p>
+                      <a:pPr algn="ctr"/>
+                      <a:r>
+                        <a:rPr kumimoji="1" lang="ja-JP" altLang="en-US" sz="1200" dirty="0" smtClean="0"/>
+                        <a:t>カメラ</a:t>
+                      </a:r>
+                      <a:endParaRPr kumimoji="1" lang="ja-JP" altLang="en-US" sz="1200" dirty="0"/>
+                    </a:p>
+                  </a:txBody>
+                  <a:tcPr anchor="ctr"/>
+                </a:tc>
+                <a:tc>
+                  <a:txBody>
+                    <a:bodyPr/>
+                    <a:lstStyle/>
+                    <a:p>
+                      <a:pPr algn="ctr"/>
+                      <a:r>
+                        <a:rPr kumimoji="1" lang="en-US" altLang="ja-JP" sz="1200" dirty="0" smtClean="0"/>
+                        <a:t>01</a:t>
+                      </a:r>
+                    </a:p>
+                    <a:p>
+                      <a:pPr algn="ctr"/>
+                      <a:r>
+                        <a:rPr kumimoji="1" lang="en-US" altLang="ja-JP" sz="1200" dirty="0" smtClean="0"/>
+                        <a:t>(</a:t>
+                      </a:r>
+                      <a:r>
+                        <a:rPr kumimoji="1" lang="en-US" altLang="ja-JP" sz="1200" dirty="0" smtClean="0">
+                          <a:solidFill>
+                            <a:schemeClr val="accent5"/>
+                          </a:solidFill>
+                        </a:rPr>
+                        <a:t>1</a:t>
+                      </a:r>
+                      <a:r>
+                        <a:rPr kumimoji="1" lang="en-US" altLang="ja-JP" sz="1200" dirty="0" smtClean="0"/>
+                        <a:t>)</a:t>
+                      </a:r>
+                      <a:endParaRPr kumimoji="1" lang="ja-JP" altLang="en-US" sz="1200" dirty="0"/>
+                    </a:p>
+                  </a:txBody>
+                  <a:tcPr anchor="ctr"/>
+                </a:tc>
+                <a:tc>
+                  <a:txBody>
+                    <a:bodyPr/>
+                    <a:lstStyle/>
+                    <a:p>
+                      <a:pPr algn="ctr"/>
+                      <a:r>
+                        <a:rPr kumimoji="1" lang="en-US" altLang="ja-JP" sz="1200" dirty="0" smtClean="0"/>
+                        <a:t>02</a:t>
+                      </a:r>
+                    </a:p>
+                    <a:p>
+                      <a:pPr algn="ctr"/>
+                      <a:r>
+                        <a:rPr kumimoji="1" lang="en-US" altLang="ja-JP" sz="1200" dirty="0" smtClean="0"/>
+                        <a:t>(</a:t>
+                      </a:r>
+                      <a:r>
+                        <a:rPr kumimoji="1" lang="en-US" altLang="ja-JP" sz="1200" dirty="0" smtClean="0">
+                          <a:solidFill>
+                            <a:schemeClr val="accent5"/>
+                          </a:solidFill>
+                        </a:rPr>
+                        <a:t>2</a:t>
+                      </a:r>
+                      <a:r>
+                        <a:rPr kumimoji="1" lang="en-US" altLang="ja-JP" sz="1200" dirty="0" smtClean="0"/>
+                        <a:t>)</a:t>
+                      </a:r>
+                      <a:endParaRPr kumimoji="1" lang="ja-JP" altLang="en-US" sz="1200" dirty="0"/>
+                    </a:p>
+                  </a:txBody>
+                  <a:tcPr anchor="ctr"/>
+                </a:tc>
+                <a:tc>
+                  <a:txBody>
+                    <a:bodyPr/>
+                    <a:lstStyle/>
+                    <a:p>
+                      <a:pPr algn="ctr"/>
+                      <a:r>
+                        <a:rPr kumimoji="1" lang="en-US" altLang="ja-JP" sz="1200" dirty="0" smtClean="0"/>
+                        <a:t>03</a:t>
+                      </a:r>
+                    </a:p>
+                    <a:p>
+                      <a:pPr algn="ctr"/>
+                      <a:r>
+                        <a:rPr kumimoji="1" lang="en-US" altLang="ja-JP" sz="1200" dirty="0" smtClean="0"/>
+                        <a:t>(</a:t>
+                      </a:r>
+                      <a:r>
+                        <a:rPr kumimoji="1" lang="en-US" altLang="ja-JP" sz="1200" dirty="0" smtClean="0">
+                          <a:solidFill>
+                            <a:schemeClr val="accent5"/>
+                          </a:solidFill>
+                        </a:rPr>
+                        <a:t>3</a:t>
+                      </a:r>
+                      <a:r>
+                        <a:rPr kumimoji="1" lang="en-US" altLang="ja-JP" sz="1200" dirty="0" smtClean="0"/>
+                        <a:t>)</a:t>
+                      </a:r>
+                      <a:endParaRPr kumimoji="1" lang="ja-JP" altLang="en-US" sz="1200" dirty="0"/>
+                    </a:p>
+                  </a:txBody>
+                  <a:tcPr anchor="ctr"/>
+                </a:tc>
+                <a:tc>
+                  <a:txBody>
+                    <a:bodyPr/>
+                    <a:lstStyle/>
+                    <a:p>
+                      <a:pPr algn="ctr"/>
+                      <a:r>
+                        <a:rPr kumimoji="1" lang="en-US" altLang="ja-JP" sz="1200" dirty="0" smtClean="0"/>
+                        <a:t>04</a:t>
+                      </a:r>
+                    </a:p>
+                    <a:p>
+                      <a:pPr algn="ctr"/>
+                      <a:r>
+                        <a:rPr kumimoji="1" lang="en-US" altLang="ja-JP" sz="1200" dirty="0" smtClean="0"/>
+                        <a:t>(</a:t>
+                      </a:r>
+                      <a:r>
+                        <a:rPr kumimoji="1" lang="en-US" altLang="ja-JP" sz="1200" dirty="0" smtClean="0">
+                          <a:solidFill>
+                            <a:schemeClr val="accent5"/>
+                          </a:solidFill>
+                        </a:rPr>
+                        <a:t>4</a:t>
+                      </a:r>
+                      <a:r>
+                        <a:rPr kumimoji="1" lang="en-US" altLang="ja-JP" sz="1200" dirty="0" smtClean="0"/>
+                        <a:t>/</a:t>
+                      </a:r>
+                      <a:r>
+                        <a:rPr kumimoji="1" lang="en-US" altLang="ja-JP" sz="1200" dirty="0" smtClean="0">
+                          <a:solidFill>
+                            <a:schemeClr val="accent6"/>
+                          </a:solidFill>
+                        </a:rPr>
+                        <a:t>1</a:t>
+                      </a:r>
+                      <a:r>
+                        <a:rPr kumimoji="1" lang="en-US" altLang="ja-JP" sz="1200" dirty="0" smtClean="0"/>
+                        <a:t>)</a:t>
+                      </a:r>
+                      <a:endParaRPr kumimoji="1" lang="ja-JP" altLang="en-US" sz="1200" dirty="0"/>
+                    </a:p>
+                  </a:txBody>
+                  <a:tcPr anchor="ctr"/>
+                </a:tc>
+                <a:tc>
+                  <a:txBody>
+                    <a:bodyPr/>
+                    <a:lstStyle/>
+                    <a:p>
+                      <a:pPr algn="ctr"/>
+                      <a:r>
+                        <a:rPr kumimoji="1" lang="en-US" altLang="ja-JP" sz="1200" dirty="0" smtClean="0"/>
+                        <a:t>05</a:t>
+                      </a:r>
+                    </a:p>
+                    <a:p>
+                      <a:pPr algn="ctr"/>
+                      <a:r>
+                        <a:rPr kumimoji="1" lang="en-US" altLang="ja-JP" sz="1200" dirty="0" smtClean="0"/>
+                        <a:t>(</a:t>
+                      </a:r>
+                      <a:r>
+                        <a:rPr kumimoji="1" lang="en-US" altLang="ja-JP" sz="1200" dirty="0" smtClean="0">
+                          <a:solidFill>
+                            <a:schemeClr val="accent6"/>
+                          </a:solidFill>
+                        </a:rPr>
+                        <a:t>2</a:t>
+                      </a:r>
+                      <a:r>
+                        <a:rPr kumimoji="1" lang="en-US" altLang="ja-JP" sz="1200" dirty="0" smtClean="0"/>
+                        <a:t>)</a:t>
+                      </a:r>
+                      <a:endParaRPr kumimoji="1" lang="ja-JP" altLang="en-US" sz="1200" dirty="0"/>
+                    </a:p>
+                  </a:txBody>
+                  <a:tcPr anchor="ctr"/>
+                </a:tc>
+                <a:tc>
+                  <a:txBody>
+                    <a:bodyPr/>
+                    <a:lstStyle/>
+                    <a:p>
+                      <a:pPr algn="ctr"/>
+                      <a:r>
+                        <a:rPr kumimoji="1" lang="en-US" altLang="ja-JP" sz="1200" dirty="0" smtClean="0"/>
+                        <a:t>06</a:t>
+                      </a:r>
+                    </a:p>
+                    <a:p>
+                      <a:pPr algn="ctr"/>
+                      <a:r>
+                        <a:rPr kumimoji="1" lang="en-US" altLang="ja-JP" sz="1200" dirty="0" smtClean="0"/>
+                        <a:t>(</a:t>
+                      </a:r>
+                      <a:r>
+                        <a:rPr kumimoji="1" lang="en-US" altLang="ja-JP" sz="1200" dirty="0" smtClean="0">
+                          <a:solidFill>
+                            <a:schemeClr val="accent6"/>
+                          </a:solidFill>
+                        </a:rPr>
+                        <a:t>3</a:t>
+                      </a:r>
+                      <a:r>
+                        <a:rPr kumimoji="1" lang="en-US" altLang="ja-JP" sz="1200" dirty="0" smtClean="0"/>
+                        <a:t>)</a:t>
+                      </a:r>
+                      <a:endParaRPr kumimoji="1" lang="ja-JP" altLang="en-US" sz="1200" dirty="0"/>
+                    </a:p>
+                  </a:txBody>
+                  <a:tcPr anchor="ctr"/>
+                </a:tc>
+                <a:tc>
+                  <a:txBody>
+                    <a:bodyPr/>
+                    <a:lstStyle/>
+                    <a:p>
+                      <a:pPr algn="ctr"/>
+                      <a:r>
+                        <a:rPr kumimoji="1" lang="en-US" altLang="ja-JP" sz="1200" dirty="0" smtClean="0"/>
+                        <a:t>07</a:t>
+                      </a:r>
+                    </a:p>
+                    <a:p>
+                      <a:pPr algn="ctr"/>
+                      <a:r>
+                        <a:rPr kumimoji="1" lang="en-US" altLang="ja-JP" sz="1200" dirty="0" smtClean="0"/>
+                        <a:t>(</a:t>
+                      </a:r>
+                      <a:r>
+                        <a:rPr kumimoji="1" lang="en-US" altLang="ja-JP" sz="1200" dirty="0" smtClean="0">
+                          <a:solidFill>
+                            <a:schemeClr val="accent6"/>
+                          </a:solidFill>
+                        </a:rPr>
+                        <a:t>4</a:t>
+                      </a:r>
+                      <a:r>
+                        <a:rPr kumimoji="1" lang="en-US" altLang="ja-JP" sz="1200" dirty="0" smtClean="0"/>
+                        <a:t>)</a:t>
+                      </a:r>
+                      <a:endParaRPr kumimoji="1" lang="ja-JP" altLang="en-US" sz="1200" dirty="0"/>
+                    </a:p>
+                  </a:txBody>
+                  <a:tcPr anchor="ctr"/>
+                </a:tc>
+                <a:tc>
+                  <a:txBody>
+                    <a:bodyPr/>
+                    <a:lstStyle/>
+                    <a:p>
+                      <a:pPr algn="ctr"/>
+                      <a:r>
+                        <a:rPr kumimoji="1" lang="en-US" altLang="ja-JP" sz="1200" dirty="0" smtClean="0"/>
+                        <a:t>08</a:t>
+                      </a:r>
+                    </a:p>
+                    <a:p>
+                      <a:pPr algn="ctr"/>
+                      <a:r>
+                        <a:rPr kumimoji="1" lang="en-US" altLang="ja-JP" sz="1200" dirty="0" smtClean="0"/>
+                        <a:t>(</a:t>
+                      </a:r>
+                      <a:r>
+                        <a:rPr kumimoji="1" lang="en-US" altLang="ja-JP" sz="1200" dirty="0" smtClean="0">
+                          <a:solidFill>
+                            <a:schemeClr val="accent6"/>
+                          </a:solidFill>
+                        </a:rPr>
+                        <a:t>5</a:t>
+                      </a:r>
+                      <a:r>
+                        <a:rPr kumimoji="1" lang="en-US" altLang="ja-JP" sz="1200" dirty="0" smtClean="0"/>
+                        <a:t>)</a:t>
+                      </a:r>
+                      <a:endParaRPr kumimoji="1" lang="ja-JP" altLang="en-US" sz="1200" dirty="0"/>
+                    </a:p>
+                  </a:txBody>
+                  <a:tcPr anchor="ctr"/>
+                </a:tc>
+                <a:tc>
+                  <a:txBody>
+                    <a:bodyPr/>
+                    <a:lstStyle/>
+                    <a:p>
+                      <a:pPr algn="ctr"/>
+                      <a:r>
+                        <a:rPr kumimoji="1" lang="ja-JP" altLang="en-US" sz="1200" dirty="0" smtClean="0"/>
+                        <a:t>特徴点数</a:t>
+                      </a:r>
+                      <a:endParaRPr kumimoji="1" lang="ja-JP" altLang="en-US" sz="1200" dirty="0"/>
+                    </a:p>
+                  </a:txBody>
+                  <a:tcPr anchor="ctr">
+                    <a:solidFill>
+                      <a:schemeClr val="bg1">
+                        <a:lumMod val="95000"/>
+                      </a:schemeClr>
+                    </a:solidFill>
+                  </a:tcPr>
+                </a:tc>
+                <a:extLst>
+                  <a:ext uri="{0D108BD9-81ED-4DB2-BD59-A6C34878D82A}">
+                    <a16:rowId xmlns:a16="http://schemas.microsoft.com/office/drawing/2014/main" xmlns="" val="2201534862"/>
+                  </a:ext>
+                </a:extLst>
+              </a:tr>
+              <a:tr h="370840">
+                <a:tc>
+                  <a:txBody>
+                    <a:bodyPr/>
+                    <a:lstStyle/>
+                    <a:p>
+                      <a:pPr algn="ctr"/>
+                      <a:endParaRPr kumimoji="1" lang="ja-JP" altLang="en-US" sz="1200" dirty="0"/>
+                    </a:p>
+                  </a:txBody>
+                  <a:tcPr anchor="ctr">
+                    <a:lnL w="12700" cap="flat" cmpd="sng" algn="ctr">
+                      <a:noFill/>
+                      <a:prstDash val="solid"/>
+                      <a:round/>
+                      <a:headEnd type="none" w="med" len="med"/>
+                      <a:tailEnd type="none" w="med" len="med"/>
+                    </a:lnL>
+                    <a:lnB w="12700" cap="flat" cmpd="sng" algn="ctr">
+                      <a:noFill/>
+                      <a:prstDash val="solid"/>
+                      <a:round/>
+                      <a:headEnd type="none" w="med" len="med"/>
+                      <a:tailEnd type="none" w="med" len="med"/>
+                    </a:lnB>
+                  </a:tcPr>
+                </a:tc>
+                <a:tc>
+                  <a:txBody>
+                    <a:bodyPr/>
+                    <a:lstStyle/>
+                    <a:p>
+                      <a:pPr marL="0" marR="0" indent="0" algn="ctr" defTabSz="914400" rtl="0" eaLnBrk="1" fontAlgn="auto" latinLnBrk="0" hangingPunct="1">
+                        <a:lnSpc>
+                          <a:spcPct val="100000"/>
+                        </a:lnSpc>
+                        <a:spcBef>
+                          <a:spcPts val="0"/>
+                        </a:spcBef>
+                        <a:spcAft>
+                          <a:spcPts val="0"/>
+                        </a:spcAft>
+                        <a:buClrTx/>
+                        <a:buSzTx/>
+                        <a:buFontTx/>
+                        <a:buNone/>
+                        <a:tabLst/>
+                        <a:defRPr/>
+                      </a:pPr>
+                      <a:r>
+                        <a:rPr kumimoji="1" lang="en-US" altLang="ja-JP" sz="1200" dirty="0" smtClean="0"/>
+                        <a:t>01</a:t>
+                      </a:r>
+                    </a:p>
+                    <a:p>
+                      <a:pPr marL="0" marR="0" indent="0" algn="ctr" defTabSz="914400" rtl="0" eaLnBrk="1" fontAlgn="auto" latinLnBrk="0" hangingPunct="1">
+                        <a:lnSpc>
+                          <a:spcPct val="100000"/>
+                        </a:lnSpc>
+                        <a:spcBef>
+                          <a:spcPts val="0"/>
+                        </a:spcBef>
+                        <a:spcAft>
+                          <a:spcPts val="0"/>
+                        </a:spcAft>
+                        <a:buClrTx/>
+                        <a:buSzTx/>
+                        <a:buFontTx/>
+                        <a:buNone/>
+                        <a:tabLst/>
+                        <a:defRPr/>
+                      </a:pPr>
+                      <a:r>
+                        <a:rPr kumimoji="1" lang="en-US" altLang="ja-JP" sz="1200" dirty="0" smtClean="0"/>
+                        <a:t>(</a:t>
+                      </a:r>
+                      <a:r>
+                        <a:rPr kumimoji="1" lang="en-US" altLang="ja-JP" sz="1200" dirty="0" smtClean="0">
+                          <a:solidFill>
+                            <a:schemeClr val="accent5"/>
+                          </a:solidFill>
+                        </a:rPr>
+                        <a:t>1</a:t>
+                      </a:r>
+                      <a:r>
+                        <a:rPr kumimoji="1" lang="en-US" altLang="ja-JP" sz="1200" dirty="0" smtClean="0"/>
+                        <a:t>)</a:t>
+                      </a:r>
+                      <a:endParaRPr kumimoji="1" lang="ja-JP" altLang="en-US" sz="1200" dirty="0" smtClean="0"/>
+                    </a:p>
+                  </a:txBody>
+                  <a:tcPr anchor="ctr"/>
+                </a:tc>
+                <a:tc>
+                  <a:txBody>
+                    <a:bodyPr/>
+                    <a:lstStyle/>
+                    <a:p>
+                      <a:pPr algn="ctr"/>
+                      <a:r>
+                        <a:rPr kumimoji="1" lang="en-US" altLang="ja-JP" sz="1200" dirty="0" smtClean="0"/>
+                        <a:t>4832</a:t>
+                      </a:r>
+                      <a:endParaRPr kumimoji="1" lang="ja-JP" altLang="en-US" sz="1200" dirty="0"/>
+                    </a:p>
+                  </a:txBody>
+                  <a:tcPr anchor="ctr"/>
+                </a:tc>
+                <a:tc>
+                  <a:txBody>
+                    <a:bodyPr/>
+                    <a:lstStyle/>
+                    <a:p>
+                      <a:pPr algn="ctr"/>
+                      <a:r>
+                        <a:rPr kumimoji="1" lang="en-US" altLang="ja-JP" sz="1200" dirty="0" smtClean="0"/>
+                        <a:t>829 </a:t>
+                      </a:r>
+                      <a:endParaRPr kumimoji="1" lang="ja-JP" altLang="en-US" sz="1200" dirty="0"/>
+                    </a:p>
+                  </a:txBody>
+                  <a:tcPr anchor="ctr"/>
+                </a:tc>
+                <a:tc>
+                  <a:txBody>
+                    <a:bodyPr/>
+                    <a:lstStyle/>
+                    <a:p>
+                      <a:pPr algn="ctr"/>
+                      <a:r>
+                        <a:rPr kumimoji="1" lang="en-US" altLang="ja-JP" sz="1200" dirty="0" smtClean="0"/>
+                        <a:t>598 </a:t>
+                      </a:r>
+                      <a:endParaRPr kumimoji="1" lang="ja-JP" altLang="en-US" sz="1200" dirty="0"/>
+                    </a:p>
+                  </a:txBody>
+                  <a:tcPr anchor="ctr"/>
+                </a:tc>
+                <a:tc>
+                  <a:txBody>
+                    <a:bodyPr/>
+                    <a:lstStyle/>
+                    <a:p>
+                      <a:pPr algn="ctr"/>
+                      <a:r>
+                        <a:rPr kumimoji="1" lang="en-US" altLang="ja-JP" sz="1200" dirty="0" smtClean="0"/>
+                        <a:t>110 </a:t>
+                      </a:r>
+                      <a:endParaRPr kumimoji="1" lang="ja-JP" altLang="en-US" sz="1200" dirty="0"/>
+                    </a:p>
+                  </a:txBody>
+                  <a:tcPr anchor="ctr"/>
+                </a:tc>
+                <a:tc>
+                  <a:txBody>
+                    <a:bodyPr/>
+                    <a:lstStyle/>
+                    <a:p>
+                      <a:pPr algn="ctr"/>
+                      <a:r>
+                        <a:rPr kumimoji="1" lang="en-US" altLang="ja-JP" sz="1200" dirty="0" smtClean="0"/>
+                        <a:t>119 </a:t>
+                      </a:r>
+                      <a:endParaRPr kumimoji="1" lang="ja-JP" altLang="en-US" sz="1200" dirty="0"/>
+                    </a:p>
+                  </a:txBody>
+                  <a:tcPr anchor="ctr"/>
+                </a:tc>
+                <a:tc>
+                  <a:txBody>
+                    <a:bodyPr/>
+                    <a:lstStyle/>
+                    <a:p>
+                      <a:pPr algn="ctr"/>
+                      <a:r>
+                        <a:rPr kumimoji="1" lang="en-US" altLang="ja-JP" sz="1200" dirty="0" smtClean="0"/>
+                        <a:t>10 </a:t>
+                      </a:r>
+                      <a:endParaRPr kumimoji="1" lang="ja-JP" altLang="en-US" sz="1200" dirty="0"/>
+                    </a:p>
+                  </a:txBody>
+                  <a:tcPr anchor="ctr"/>
+                </a:tc>
+                <a:tc>
+                  <a:txBody>
+                    <a:bodyPr/>
+                    <a:lstStyle/>
+                    <a:p>
+                      <a:pPr algn="ctr"/>
+                      <a:r>
+                        <a:rPr kumimoji="1" lang="en-US" altLang="ja-JP" sz="1200" dirty="0" smtClean="0"/>
+                        <a:t>1</a:t>
+                      </a:r>
+                      <a:endParaRPr kumimoji="1" lang="ja-JP" altLang="en-US" sz="1200" dirty="0"/>
+                    </a:p>
+                  </a:txBody>
+                  <a:tcPr anchor="ctr"/>
+                </a:tc>
+                <a:tc>
+                  <a:txBody>
+                    <a:bodyPr/>
+                    <a:lstStyle/>
+                    <a:p>
+                      <a:pPr algn="ctr"/>
+                      <a:r>
+                        <a:rPr kumimoji="1" lang="en-US" altLang="ja-JP" sz="1200" dirty="0" smtClean="0"/>
+                        <a:t>25371</a:t>
+                      </a:r>
+                      <a:endParaRPr kumimoji="1" lang="ja-JP" altLang="en-US" sz="1200" dirty="0"/>
+                    </a:p>
+                  </a:txBody>
+                  <a:tcPr anchor="ctr">
+                    <a:solidFill>
+                      <a:schemeClr val="bg1">
+                        <a:lumMod val="95000"/>
+                      </a:schemeClr>
+                    </a:solidFill>
+                  </a:tcPr>
+                </a:tc>
+                <a:extLst>
+                  <a:ext uri="{0D108BD9-81ED-4DB2-BD59-A6C34878D82A}">
+                    <a16:rowId xmlns:a16="http://schemas.microsoft.com/office/drawing/2014/main" xmlns="" val="3113410161"/>
+                  </a:ext>
+                </a:extLst>
+              </a:tr>
+              <a:tr h="370840">
+                <a:tc>
+                  <a:txBody>
+                    <a:bodyPr/>
+                    <a:lstStyle/>
+                    <a:p>
+                      <a:pPr algn="ctr"/>
+                      <a:endParaRPr kumimoji="1" lang="ja-JP" altLang="en-US" sz="1200" dirty="0"/>
+                    </a:p>
+                  </a:txBody>
+                  <a:tcPr anchor="ctr">
+                    <a:lnL w="12700" cap="flat" cmpd="sng" algn="ctr">
+                      <a:noFill/>
+                      <a:prstDash val="solid"/>
+                      <a:round/>
+                      <a:headEnd type="none" w="med" len="med"/>
+                      <a:tailEnd type="none" w="med" len="med"/>
+                    </a:lnL>
+                    <a:lnR w="12700" cap="flat" cmpd="sng" algn="ctr">
+                      <a:noFill/>
+                      <a:prstDash val="solid"/>
+                      <a:round/>
+                      <a:headEnd type="none" w="med" len="med"/>
+                      <a:tailEnd type="none" w="med" len="med"/>
+                    </a:lnR>
+                    <a:lnT w="12700" cap="flat" cmpd="sng" algn="ctr">
+                      <a:noFill/>
+                      <a:prstDash val="solid"/>
+                      <a:round/>
+                      <a:headEnd type="none" w="med" len="med"/>
+                      <a:tailEnd type="none" w="med" len="med"/>
+                    </a:lnT>
+                    <a:lnB w="12700" cap="flat" cmpd="sng" algn="ctr">
+                      <a:noFill/>
+                      <a:prstDash val="solid"/>
+                      <a:round/>
+                      <a:headEnd type="none" w="med" len="med"/>
+                      <a:tailEnd type="none" w="med" len="med"/>
+                    </a:lnB>
+                  </a:tcPr>
+                </a:tc>
+                <a:tc>
+                  <a:txBody>
+                    <a:bodyPr/>
+                    <a:lstStyle/>
+                    <a:p>
+                      <a:pPr algn="ctr"/>
+                      <a:endParaRPr kumimoji="1" lang="ja-JP" altLang="en-US" sz="1200" dirty="0"/>
+                    </a:p>
+                  </a:txBody>
+                  <a:tcPr anchor="ctr">
+                    <a:lnL w="12700" cap="flat" cmpd="sng" algn="ctr">
+                      <a:noFill/>
+                      <a:prstDash val="solid"/>
+                      <a:round/>
+                      <a:headEnd type="none" w="med" len="med"/>
+                      <a:tailEnd type="none" w="med" len="med"/>
+                    </a:lnL>
+                    <a:lnB w="12700" cap="flat" cmpd="sng" algn="ctr">
+                      <a:noFill/>
+                      <a:prstDash val="solid"/>
+                      <a:round/>
+                      <a:headEnd type="none" w="med" len="med"/>
+                      <a:tailEnd type="none" w="med" len="med"/>
+                    </a:lnB>
+                  </a:tcPr>
+                </a:tc>
+                <a:tc>
+                  <a:txBody>
+                    <a:bodyPr/>
+                    <a:lstStyle/>
+                    <a:p>
+                      <a:pPr algn="ctr"/>
+                      <a:r>
+                        <a:rPr kumimoji="1" lang="en-US" altLang="ja-JP" sz="1200" dirty="0" smtClean="0"/>
+                        <a:t>02</a:t>
+                      </a:r>
+                    </a:p>
+                    <a:p>
+                      <a:pPr algn="ctr"/>
+                      <a:r>
+                        <a:rPr kumimoji="1" lang="en-US" altLang="ja-JP" sz="1200" dirty="0" smtClean="0"/>
+                        <a:t>(</a:t>
+                      </a:r>
+                      <a:r>
+                        <a:rPr kumimoji="1" lang="en-US" altLang="ja-JP" sz="1200" dirty="0" smtClean="0">
+                          <a:solidFill>
+                            <a:schemeClr val="accent5"/>
+                          </a:solidFill>
+                        </a:rPr>
+                        <a:t>2</a:t>
+                      </a:r>
+                      <a:r>
+                        <a:rPr kumimoji="1" lang="en-US" altLang="ja-JP" sz="1200" dirty="0" smtClean="0"/>
+                        <a:t>)</a:t>
+                      </a:r>
+                      <a:endParaRPr kumimoji="1" lang="ja-JP" altLang="en-US" sz="1200" dirty="0"/>
+                    </a:p>
+                  </a:txBody>
+                  <a:tcPr anchor="ctr"/>
+                </a:tc>
+                <a:tc>
+                  <a:txBody>
+                    <a:bodyPr/>
+                    <a:lstStyle/>
+                    <a:p>
+                      <a:pPr algn="ctr"/>
+                      <a:r>
+                        <a:rPr kumimoji="1" lang="en-US" altLang="ja-JP" sz="1200" dirty="0" smtClean="0"/>
+                        <a:t>1244 </a:t>
+                      </a:r>
+                      <a:endParaRPr kumimoji="1" lang="ja-JP" altLang="en-US" sz="1200" dirty="0"/>
+                    </a:p>
+                  </a:txBody>
+                  <a:tcPr anchor="ctr"/>
+                </a:tc>
+                <a:tc>
+                  <a:txBody>
+                    <a:bodyPr/>
+                    <a:lstStyle/>
+                    <a:p>
+                      <a:pPr algn="ctr"/>
+                      <a:r>
+                        <a:rPr kumimoji="1" lang="en-US" altLang="ja-JP" sz="1200" dirty="0" smtClean="0"/>
+                        <a:t>1140 </a:t>
+                      </a:r>
+                      <a:endParaRPr kumimoji="1" lang="ja-JP" altLang="en-US" sz="1200" dirty="0"/>
+                    </a:p>
+                  </a:txBody>
+                  <a:tcPr anchor="ctr"/>
+                </a:tc>
+                <a:tc>
+                  <a:txBody>
+                    <a:bodyPr/>
+                    <a:lstStyle/>
+                    <a:p>
+                      <a:pPr algn="ctr"/>
+                      <a:r>
+                        <a:rPr kumimoji="1" lang="en-US" altLang="ja-JP" sz="1200" dirty="0" smtClean="0"/>
+                        <a:t>208 </a:t>
+                      </a:r>
+                      <a:endParaRPr kumimoji="1" lang="ja-JP" altLang="en-US" sz="1200" dirty="0"/>
+                    </a:p>
+                  </a:txBody>
+                  <a:tcPr anchor="ctr"/>
+                </a:tc>
+                <a:tc>
+                  <a:txBody>
+                    <a:bodyPr/>
+                    <a:lstStyle/>
+                    <a:p>
+                      <a:pPr algn="ctr"/>
+                      <a:r>
+                        <a:rPr kumimoji="1" lang="en-US" altLang="ja-JP" sz="1200" dirty="0" smtClean="0"/>
+                        <a:t>207 </a:t>
+                      </a:r>
+                      <a:endParaRPr kumimoji="1" lang="ja-JP" altLang="en-US" sz="1200" dirty="0"/>
+                    </a:p>
+                  </a:txBody>
+                  <a:tcPr anchor="ctr"/>
+                </a:tc>
+                <a:tc>
+                  <a:txBody>
+                    <a:bodyPr/>
+                    <a:lstStyle/>
+                    <a:p>
+                      <a:pPr algn="ctr"/>
+                      <a:r>
+                        <a:rPr kumimoji="1" lang="en-US" altLang="ja-JP" sz="1200" dirty="0" smtClean="0"/>
+                        <a:t>21 </a:t>
+                      </a:r>
+                      <a:endParaRPr kumimoji="1" lang="ja-JP" altLang="en-US" sz="1200" dirty="0"/>
+                    </a:p>
+                  </a:txBody>
+                  <a:tcPr anchor="ctr"/>
+                </a:tc>
+                <a:tc>
+                  <a:txBody>
+                    <a:bodyPr/>
+                    <a:lstStyle/>
+                    <a:p>
+                      <a:pPr algn="ctr"/>
+                      <a:r>
+                        <a:rPr kumimoji="1" lang="en-US" altLang="ja-JP" sz="1200" dirty="0" smtClean="0"/>
+                        <a:t>4</a:t>
+                      </a:r>
+                      <a:endParaRPr kumimoji="1" lang="ja-JP" altLang="en-US" sz="1200" dirty="0"/>
+                    </a:p>
+                  </a:txBody>
+                  <a:tcPr anchor="ctr"/>
+                </a:tc>
+                <a:tc>
+                  <a:txBody>
+                    <a:bodyPr/>
+                    <a:lstStyle/>
+                    <a:p>
+                      <a:pPr algn="ctr"/>
+                      <a:r>
+                        <a:rPr kumimoji="1" lang="en-US" altLang="ja-JP" sz="1200" dirty="0" smtClean="0"/>
+                        <a:t>25773</a:t>
+                      </a:r>
+                      <a:endParaRPr kumimoji="1" lang="ja-JP" altLang="en-US" sz="1200" dirty="0"/>
+                    </a:p>
+                  </a:txBody>
+                  <a:tcPr anchor="ctr">
+                    <a:solidFill>
+                      <a:schemeClr val="bg1">
+                        <a:lumMod val="95000"/>
+                      </a:schemeClr>
+                    </a:solidFill>
+                  </a:tcPr>
+                </a:tc>
+                <a:extLst>
+                  <a:ext uri="{0D108BD9-81ED-4DB2-BD59-A6C34878D82A}">
+                    <a16:rowId xmlns:a16="http://schemas.microsoft.com/office/drawing/2014/main" xmlns="" val="2192105247"/>
+                  </a:ext>
+                </a:extLst>
+              </a:tr>
+              <a:tr h="370840">
+                <a:tc>
+                  <a:txBody>
+                    <a:bodyPr/>
+                    <a:lstStyle/>
+                    <a:p>
+                      <a:pPr algn="ctr"/>
+                      <a:endParaRPr kumimoji="1" lang="ja-JP" altLang="en-US" sz="1200" dirty="0"/>
+                    </a:p>
+                  </a:txBody>
+                  <a:tcPr anchor="ctr">
+                    <a:lnL w="12700" cap="flat" cmpd="sng" algn="ctr">
+                      <a:noFill/>
+                      <a:prstDash val="solid"/>
+                      <a:round/>
+                      <a:headEnd type="none" w="med" len="med"/>
+                      <a:tailEnd type="none" w="med" len="med"/>
+                    </a:lnL>
+                    <a:lnR w="12700" cap="flat" cmpd="sng" algn="ctr">
+                      <a:noFill/>
+                      <a:prstDash val="solid"/>
+                      <a:round/>
+                      <a:headEnd type="none" w="med" len="med"/>
+                      <a:tailEnd type="none" w="med" len="med"/>
+                    </a:lnR>
+                    <a:lnT w="12700" cap="flat" cmpd="sng" algn="ctr">
+                      <a:noFill/>
+                      <a:prstDash val="solid"/>
+                      <a:round/>
+                      <a:headEnd type="none" w="med" len="med"/>
+                      <a:tailEnd type="none" w="med" len="med"/>
+                    </a:lnT>
+                    <a:lnB w="12700" cap="flat" cmpd="sng" algn="ctr">
+                      <a:noFill/>
+                      <a:prstDash val="solid"/>
+                      <a:round/>
+                      <a:headEnd type="none" w="med" len="med"/>
+                      <a:tailEnd type="none" w="med" len="med"/>
+                    </a:lnB>
+                  </a:tcPr>
+                </a:tc>
+                <a:tc>
+                  <a:txBody>
+                    <a:bodyPr/>
+                    <a:lstStyle/>
+                    <a:p>
+                      <a:pPr algn="ctr"/>
+                      <a:endParaRPr kumimoji="1" lang="ja-JP" altLang="en-US" sz="1200" dirty="0"/>
+                    </a:p>
+                  </a:txBody>
+                  <a:tcPr anchor="ctr">
+                    <a:lnL w="12700" cap="flat" cmpd="sng" algn="ctr">
+                      <a:noFill/>
+                      <a:prstDash val="solid"/>
+                      <a:round/>
+                      <a:headEnd type="none" w="med" len="med"/>
+                      <a:tailEnd type="none" w="med" len="med"/>
+                    </a:lnL>
+                    <a:lnR w="12700" cap="flat" cmpd="sng" algn="ctr">
+                      <a:noFill/>
+                      <a:prstDash val="solid"/>
+                      <a:round/>
+                      <a:headEnd type="none" w="med" len="med"/>
+                      <a:tailEnd type="none" w="med" len="med"/>
+                    </a:lnR>
+                    <a:lnT w="12700" cap="flat" cmpd="sng" algn="ctr">
+                      <a:noFill/>
+                      <a:prstDash val="solid"/>
+                      <a:round/>
+                      <a:headEnd type="none" w="med" len="med"/>
+                      <a:tailEnd type="none" w="med" len="med"/>
+                    </a:lnT>
+                    <a:lnB w="12700" cap="flat" cmpd="sng" algn="ctr">
+                      <a:noFill/>
+                      <a:prstDash val="solid"/>
+                      <a:round/>
+                      <a:headEnd type="none" w="med" len="med"/>
+                      <a:tailEnd type="none" w="med" len="med"/>
+                    </a:lnB>
+                  </a:tcPr>
+                </a:tc>
+                <a:tc>
+                  <a:txBody>
+                    <a:bodyPr/>
+                    <a:lstStyle/>
+                    <a:p>
+                      <a:pPr algn="ctr"/>
+                      <a:endParaRPr kumimoji="1" lang="ja-JP" altLang="en-US" sz="1200" dirty="0"/>
+                    </a:p>
+                  </a:txBody>
+                  <a:tcPr anchor="ctr">
+                    <a:lnL w="12700" cap="flat" cmpd="sng" algn="ctr">
+                      <a:noFill/>
+                      <a:prstDash val="solid"/>
+                      <a:round/>
+                      <a:headEnd type="none" w="med" len="med"/>
+                      <a:tailEnd type="none" w="med" len="med"/>
+                    </a:lnL>
+                    <a:lnB w="12700" cap="flat" cmpd="sng" algn="ctr">
+                      <a:noFill/>
+                      <a:prstDash val="solid"/>
+                      <a:round/>
+                      <a:headEnd type="none" w="med" len="med"/>
+                      <a:tailEnd type="none" w="med" len="med"/>
+                    </a:lnB>
+                  </a:tcPr>
+                </a:tc>
+                <a:tc>
+                  <a:txBody>
+                    <a:bodyPr/>
+                    <a:lstStyle/>
+                    <a:p>
+                      <a:pPr algn="ctr"/>
+                      <a:r>
+                        <a:rPr kumimoji="1" lang="en-US" altLang="ja-JP" sz="1200" dirty="0" smtClean="0"/>
+                        <a:t>03</a:t>
+                      </a:r>
+                    </a:p>
+                    <a:p>
+                      <a:pPr algn="ctr"/>
+                      <a:r>
+                        <a:rPr kumimoji="1" lang="en-US" altLang="ja-JP" sz="1200" dirty="0" smtClean="0"/>
+                        <a:t>(</a:t>
+                      </a:r>
+                      <a:r>
+                        <a:rPr kumimoji="1" lang="en-US" altLang="ja-JP" sz="1200" dirty="0" smtClean="0">
+                          <a:solidFill>
+                            <a:schemeClr val="accent5"/>
+                          </a:solidFill>
+                        </a:rPr>
+                        <a:t>3</a:t>
+                      </a:r>
+                      <a:r>
+                        <a:rPr kumimoji="1" lang="en-US" altLang="ja-JP" sz="1200" dirty="0" smtClean="0"/>
+                        <a:t>)</a:t>
+                      </a:r>
+                      <a:endParaRPr kumimoji="1" lang="ja-JP" altLang="en-US" sz="1200" dirty="0"/>
+                    </a:p>
+                  </a:txBody>
+                  <a:tcPr anchor="ctr"/>
+                </a:tc>
+                <a:tc>
+                  <a:txBody>
+                    <a:bodyPr/>
+                    <a:lstStyle/>
+                    <a:p>
+                      <a:pPr algn="ctr"/>
+                      <a:r>
+                        <a:rPr kumimoji="1" lang="en-US" altLang="ja-JP" sz="1200" dirty="0" smtClean="0"/>
+                        <a:t>4042 </a:t>
+                      </a:r>
+                      <a:endParaRPr kumimoji="1" lang="ja-JP" altLang="en-US" sz="1200" dirty="0"/>
+                    </a:p>
+                  </a:txBody>
+                  <a:tcPr anchor="ctr"/>
+                </a:tc>
+                <a:tc>
+                  <a:txBody>
+                    <a:bodyPr/>
+                    <a:lstStyle/>
+                    <a:p>
+                      <a:pPr algn="ctr"/>
+                      <a:r>
+                        <a:rPr kumimoji="1" lang="en-US" altLang="ja-JP" sz="1200" dirty="0" smtClean="0"/>
+                        <a:t>530 </a:t>
+                      </a:r>
+                      <a:endParaRPr kumimoji="1" lang="ja-JP" altLang="en-US" sz="1200" dirty="0"/>
+                    </a:p>
+                  </a:txBody>
+                  <a:tcPr anchor="ctr"/>
+                </a:tc>
+                <a:tc>
+                  <a:txBody>
+                    <a:bodyPr/>
+                    <a:lstStyle/>
+                    <a:p>
+                      <a:pPr algn="ctr"/>
+                      <a:r>
+                        <a:rPr kumimoji="1" lang="en-US" altLang="ja-JP" sz="1200" dirty="0" smtClean="0"/>
+                        <a:t>542 </a:t>
+                      </a:r>
+                      <a:endParaRPr kumimoji="1" lang="ja-JP" altLang="en-US" sz="1200" dirty="0"/>
+                    </a:p>
+                  </a:txBody>
+                  <a:tcPr anchor="ctr"/>
+                </a:tc>
+                <a:tc>
+                  <a:txBody>
+                    <a:bodyPr/>
+                    <a:lstStyle/>
+                    <a:p>
+                      <a:pPr algn="ctr"/>
+                      <a:r>
+                        <a:rPr kumimoji="1" lang="en-US" altLang="ja-JP" sz="1200" dirty="0" smtClean="0"/>
+                        <a:t>85 </a:t>
+                      </a:r>
+                      <a:endParaRPr kumimoji="1" lang="ja-JP" altLang="en-US" sz="1200" dirty="0"/>
+                    </a:p>
+                  </a:txBody>
+                  <a:tcPr anchor="ctr"/>
+                </a:tc>
+                <a:tc>
+                  <a:txBody>
+                    <a:bodyPr/>
+                    <a:lstStyle/>
+                    <a:p>
+                      <a:pPr algn="ctr"/>
+                      <a:r>
+                        <a:rPr kumimoji="1" lang="en-US" altLang="ja-JP" sz="1200" dirty="0" smtClean="0"/>
+                        <a:t>22 </a:t>
+                      </a:r>
+                      <a:endParaRPr kumimoji="1" lang="ja-JP" altLang="en-US" sz="1200" dirty="0"/>
+                    </a:p>
+                  </a:txBody>
+                  <a:tcPr anchor="ctr"/>
+                </a:tc>
+                <a:tc>
+                  <a:txBody>
+                    <a:bodyPr/>
+                    <a:lstStyle/>
+                    <a:p>
+                      <a:pPr algn="ctr"/>
+                      <a:r>
+                        <a:rPr kumimoji="1" lang="en-US" altLang="ja-JP" sz="1200" dirty="0" smtClean="0"/>
+                        <a:t>21181</a:t>
+                      </a:r>
+                      <a:endParaRPr kumimoji="1" lang="ja-JP" altLang="en-US" sz="1200" dirty="0"/>
+                    </a:p>
+                  </a:txBody>
+                  <a:tcPr anchor="ctr">
+                    <a:solidFill>
+                      <a:schemeClr val="bg1">
+                        <a:lumMod val="95000"/>
+                      </a:schemeClr>
+                    </a:solidFill>
+                  </a:tcPr>
+                </a:tc>
+                <a:extLst>
+                  <a:ext uri="{0D108BD9-81ED-4DB2-BD59-A6C34878D82A}">
+                    <a16:rowId xmlns:a16="http://schemas.microsoft.com/office/drawing/2014/main" xmlns="" val="1559866307"/>
+                  </a:ext>
+                </a:extLst>
+              </a:tr>
+              <a:tr h="370840">
+                <a:tc>
+                  <a:txBody>
+                    <a:bodyPr/>
+                    <a:lstStyle/>
+                    <a:p>
+                      <a:pPr algn="ctr"/>
+                      <a:endParaRPr kumimoji="1" lang="ja-JP" altLang="en-US" sz="1200" dirty="0"/>
+                    </a:p>
+                  </a:txBody>
+                  <a:tcPr anchor="ctr">
+                    <a:lnL w="12700" cap="flat" cmpd="sng" algn="ctr">
+                      <a:noFill/>
+                      <a:prstDash val="solid"/>
+                      <a:round/>
+                      <a:headEnd type="none" w="med" len="med"/>
+                      <a:tailEnd type="none" w="med" len="med"/>
+                    </a:lnL>
+                    <a:lnR w="12700" cap="flat" cmpd="sng" algn="ctr">
+                      <a:noFill/>
+                      <a:prstDash val="solid"/>
+                      <a:round/>
+                      <a:headEnd type="none" w="med" len="med"/>
+                      <a:tailEnd type="none" w="med" len="med"/>
+                    </a:lnR>
+                    <a:lnT w="12700" cap="flat" cmpd="sng" algn="ctr">
+                      <a:noFill/>
+                      <a:prstDash val="solid"/>
+                      <a:round/>
+                      <a:headEnd type="none" w="med" len="med"/>
+                      <a:tailEnd type="none" w="med" len="med"/>
+                    </a:lnT>
+                    <a:lnB w="12700" cap="flat" cmpd="sng" algn="ctr">
+                      <a:noFill/>
+                      <a:prstDash val="solid"/>
+                      <a:round/>
+                      <a:headEnd type="none" w="med" len="med"/>
+                      <a:tailEnd type="none" w="med" len="med"/>
+                    </a:lnB>
+                  </a:tcPr>
+                </a:tc>
+                <a:tc>
+                  <a:txBody>
+                    <a:bodyPr/>
+                    <a:lstStyle/>
+                    <a:p>
+                      <a:pPr algn="ctr"/>
+                      <a:endParaRPr kumimoji="1" lang="ja-JP" altLang="en-US" sz="1200" dirty="0"/>
+                    </a:p>
+                  </a:txBody>
+                  <a:tcPr anchor="ctr">
+                    <a:lnL w="12700" cap="flat" cmpd="sng" algn="ctr">
+                      <a:noFill/>
+                      <a:prstDash val="solid"/>
+                      <a:round/>
+                      <a:headEnd type="none" w="med" len="med"/>
+                      <a:tailEnd type="none" w="med" len="med"/>
+                    </a:lnL>
+                    <a:lnR w="12700" cap="flat" cmpd="sng" algn="ctr">
+                      <a:noFill/>
+                      <a:prstDash val="solid"/>
+                      <a:round/>
+                      <a:headEnd type="none" w="med" len="med"/>
+                      <a:tailEnd type="none" w="med" len="med"/>
+                    </a:lnR>
+                    <a:lnT w="12700" cap="flat" cmpd="sng" algn="ctr">
+                      <a:noFill/>
+                      <a:prstDash val="solid"/>
+                      <a:round/>
+                      <a:headEnd type="none" w="med" len="med"/>
+                      <a:tailEnd type="none" w="med" len="med"/>
+                    </a:lnT>
+                    <a:lnB w="12700" cap="flat" cmpd="sng" algn="ctr">
+                      <a:noFill/>
+                      <a:prstDash val="solid"/>
+                      <a:round/>
+                      <a:headEnd type="none" w="med" len="med"/>
+                      <a:tailEnd type="none" w="med" len="med"/>
+                    </a:lnB>
+                  </a:tcPr>
+                </a:tc>
+                <a:tc>
+                  <a:txBody>
+                    <a:bodyPr/>
+                    <a:lstStyle/>
+                    <a:p>
+                      <a:pPr algn="ctr"/>
+                      <a:endParaRPr kumimoji="1" lang="ja-JP" altLang="en-US" sz="1200" dirty="0"/>
+                    </a:p>
+                  </a:txBody>
+                  <a:tcPr anchor="ctr">
+                    <a:lnL w="12700" cap="flat" cmpd="sng" algn="ctr">
+                      <a:noFill/>
+                      <a:prstDash val="solid"/>
+                      <a:round/>
+                      <a:headEnd type="none" w="med" len="med"/>
+                      <a:tailEnd type="none" w="med" len="med"/>
+                    </a:lnL>
+                    <a:lnR w="12700" cap="flat" cmpd="sng" algn="ctr">
+                      <a:noFill/>
+                      <a:prstDash val="solid"/>
+                      <a:round/>
+                      <a:headEnd type="none" w="med" len="med"/>
+                      <a:tailEnd type="none" w="med" len="med"/>
+                    </a:lnR>
+                    <a:lnT w="12700" cap="flat" cmpd="sng" algn="ctr">
+                      <a:noFill/>
+                      <a:prstDash val="solid"/>
+                      <a:round/>
+                      <a:headEnd type="none" w="med" len="med"/>
+                      <a:tailEnd type="none" w="med" len="med"/>
+                    </a:lnT>
+                    <a:lnB w="12700" cap="flat" cmpd="sng" algn="ctr">
+                      <a:noFill/>
+                      <a:prstDash val="solid"/>
+                      <a:round/>
+                      <a:headEnd type="none" w="med" len="med"/>
+                      <a:tailEnd type="none" w="med" len="med"/>
+                    </a:lnB>
+                  </a:tcPr>
+                </a:tc>
+                <a:tc>
+                  <a:txBody>
+                    <a:bodyPr/>
+                    <a:lstStyle/>
+                    <a:p>
+                      <a:pPr algn="ctr"/>
+                      <a:endParaRPr kumimoji="1" lang="ja-JP" altLang="en-US" sz="1200"/>
+                    </a:p>
+                  </a:txBody>
+                  <a:tcPr anchor="ctr">
+                    <a:lnL w="12700" cap="flat" cmpd="sng" algn="ctr">
+                      <a:noFill/>
+                      <a:prstDash val="solid"/>
+                      <a:round/>
+                      <a:headEnd type="none" w="med" len="med"/>
+                      <a:tailEnd type="none" w="med" len="med"/>
+                    </a:lnL>
+                    <a:lnB w="12700" cap="flat" cmpd="sng" algn="ctr">
+                      <a:noFill/>
+                      <a:prstDash val="solid"/>
+                      <a:round/>
+                      <a:headEnd type="none" w="med" len="med"/>
+                      <a:tailEnd type="none" w="med" len="med"/>
+                    </a:lnB>
+                  </a:tcPr>
+                </a:tc>
+                <a:tc>
+                  <a:txBody>
+                    <a:bodyPr/>
+                    <a:lstStyle/>
+                    <a:p>
+                      <a:pPr algn="ctr"/>
+                      <a:r>
+                        <a:rPr kumimoji="1" lang="en-US" altLang="ja-JP" sz="1200" dirty="0" smtClean="0"/>
+                        <a:t>04</a:t>
+                      </a:r>
+                    </a:p>
+                    <a:p>
+                      <a:pPr algn="ctr"/>
+                      <a:r>
+                        <a:rPr kumimoji="1" lang="en-US" altLang="ja-JP" sz="1200" dirty="0" smtClean="0"/>
+                        <a:t>(</a:t>
+                      </a:r>
+                      <a:r>
+                        <a:rPr kumimoji="1" lang="en-US" altLang="ja-JP" sz="1200" dirty="0" smtClean="0">
+                          <a:solidFill>
+                            <a:schemeClr val="accent5"/>
+                          </a:solidFill>
+                        </a:rPr>
+                        <a:t>4</a:t>
+                      </a:r>
+                      <a:r>
+                        <a:rPr kumimoji="1" lang="en-US" altLang="ja-JP" sz="1200" dirty="0" smtClean="0"/>
+                        <a:t>/</a:t>
+                      </a:r>
+                      <a:r>
+                        <a:rPr kumimoji="1" lang="en-US" altLang="ja-JP" sz="1200" dirty="0" smtClean="0">
+                          <a:solidFill>
+                            <a:schemeClr val="accent6"/>
+                          </a:solidFill>
+                        </a:rPr>
+                        <a:t>1</a:t>
+                      </a:r>
+                      <a:r>
+                        <a:rPr kumimoji="1" lang="en-US" altLang="ja-JP" sz="1200" dirty="0" smtClean="0"/>
+                        <a:t>)</a:t>
+                      </a:r>
+                      <a:endParaRPr kumimoji="1" lang="ja-JP" altLang="en-US" sz="1200" dirty="0"/>
+                    </a:p>
+                  </a:txBody>
+                  <a:tcPr anchor="ctr"/>
+                </a:tc>
+                <a:tc>
+                  <a:txBody>
+                    <a:bodyPr/>
+                    <a:lstStyle/>
+                    <a:p>
+                      <a:pPr algn="ctr"/>
+                      <a:r>
+                        <a:rPr kumimoji="1" lang="en-US" altLang="ja-JP" sz="1200" dirty="0" smtClean="0"/>
+                        <a:t>7574 </a:t>
+                      </a:r>
+                      <a:endParaRPr kumimoji="1" lang="ja-JP" altLang="en-US" sz="1200" dirty="0"/>
+                    </a:p>
+                  </a:txBody>
+                  <a:tcPr anchor="ctr"/>
+                </a:tc>
+                <a:tc>
+                  <a:txBody>
+                    <a:bodyPr/>
+                    <a:lstStyle/>
+                    <a:p>
+                      <a:pPr algn="ctr"/>
+                      <a:r>
+                        <a:rPr kumimoji="1" lang="en-US" altLang="ja-JP" sz="1200" dirty="0" smtClean="0"/>
+                        <a:t>7479 </a:t>
+                      </a:r>
+                      <a:endParaRPr kumimoji="1" lang="ja-JP" altLang="en-US" sz="1200" dirty="0"/>
+                    </a:p>
+                  </a:txBody>
+                  <a:tcPr anchor="ctr"/>
+                </a:tc>
+                <a:tc>
+                  <a:txBody>
+                    <a:bodyPr/>
+                    <a:lstStyle/>
+                    <a:p>
+                      <a:pPr algn="ctr"/>
+                      <a:r>
+                        <a:rPr kumimoji="1" lang="en-US" altLang="ja-JP" sz="1200" dirty="0" smtClean="0"/>
+                        <a:t>1415 </a:t>
+                      </a:r>
+                      <a:endParaRPr kumimoji="1" lang="ja-JP" altLang="en-US" sz="1200" dirty="0"/>
+                    </a:p>
+                  </a:txBody>
+                  <a:tcPr anchor="ctr"/>
+                </a:tc>
+                <a:tc>
+                  <a:txBody>
+                    <a:bodyPr/>
+                    <a:lstStyle/>
+                    <a:p>
+                      <a:pPr algn="ctr"/>
+                      <a:r>
+                        <a:rPr kumimoji="1" lang="en-US" altLang="ja-JP" sz="1200" dirty="0" smtClean="0"/>
+                        <a:t>590 </a:t>
+                      </a:r>
+                      <a:endParaRPr kumimoji="1" lang="ja-JP" altLang="en-US" sz="1200" dirty="0"/>
+                    </a:p>
+                  </a:txBody>
+                  <a:tcPr anchor="ctr"/>
+                </a:tc>
+                <a:tc>
+                  <a:txBody>
+                    <a:bodyPr/>
+                    <a:lstStyle/>
+                    <a:p>
+                      <a:pPr algn="ctr"/>
+                      <a:r>
+                        <a:rPr kumimoji="1" lang="en-US" altLang="ja-JP" sz="1200" dirty="0" smtClean="0"/>
+                        <a:t>44562</a:t>
+                      </a:r>
+                      <a:endParaRPr kumimoji="1" lang="ja-JP" altLang="en-US" sz="1200" dirty="0"/>
+                    </a:p>
+                  </a:txBody>
+                  <a:tcPr anchor="ctr">
+                    <a:solidFill>
+                      <a:schemeClr val="bg1">
+                        <a:lumMod val="95000"/>
+                      </a:schemeClr>
+                    </a:solidFill>
+                  </a:tcPr>
+                </a:tc>
+                <a:extLst>
+                  <a:ext uri="{0D108BD9-81ED-4DB2-BD59-A6C34878D82A}">
+                    <a16:rowId xmlns:a16="http://schemas.microsoft.com/office/drawing/2014/main" xmlns="" val="3714372942"/>
+                  </a:ext>
+                </a:extLst>
+              </a:tr>
+              <a:tr h="370840">
+                <a:tc>
+                  <a:txBody>
+                    <a:bodyPr/>
+                    <a:lstStyle/>
+                    <a:p>
+                      <a:pPr algn="ctr"/>
+                      <a:endParaRPr kumimoji="1" lang="ja-JP" altLang="en-US" sz="1200" dirty="0"/>
+                    </a:p>
+                  </a:txBody>
+                  <a:tcPr anchor="ctr">
+                    <a:lnL w="12700" cap="flat" cmpd="sng" algn="ctr">
+                      <a:noFill/>
+                      <a:prstDash val="solid"/>
+                      <a:round/>
+                      <a:headEnd type="none" w="med" len="med"/>
+                      <a:tailEnd type="none" w="med" len="med"/>
+                    </a:lnL>
+                    <a:lnR w="12700" cap="flat" cmpd="sng" algn="ctr">
+                      <a:noFill/>
+                      <a:prstDash val="solid"/>
+                      <a:round/>
+                      <a:headEnd type="none" w="med" len="med"/>
+                      <a:tailEnd type="none" w="med" len="med"/>
+                    </a:lnR>
+                    <a:lnT w="12700" cap="flat" cmpd="sng" algn="ctr">
+                      <a:noFill/>
+                      <a:prstDash val="solid"/>
+                      <a:round/>
+                      <a:headEnd type="none" w="med" len="med"/>
+                      <a:tailEnd type="none" w="med" len="med"/>
+                    </a:lnT>
+                    <a:lnB w="12700" cap="flat" cmpd="sng" algn="ctr">
+                      <a:noFill/>
+                      <a:prstDash val="solid"/>
+                      <a:round/>
+                      <a:headEnd type="none" w="med" len="med"/>
+                      <a:tailEnd type="none" w="med" len="med"/>
+                    </a:lnB>
+                  </a:tcPr>
+                </a:tc>
+                <a:tc>
+                  <a:txBody>
+                    <a:bodyPr/>
+                    <a:lstStyle/>
+                    <a:p>
+                      <a:pPr algn="ctr"/>
+                      <a:endParaRPr kumimoji="1" lang="ja-JP" altLang="en-US" sz="1200" dirty="0"/>
+                    </a:p>
+                  </a:txBody>
+                  <a:tcPr anchor="ctr">
+                    <a:lnL w="12700" cap="flat" cmpd="sng" algn="ctr">
+                      <a:noFill/>
+                      <a:prstDash val="solid"/>
+                      <a:round/>
+                      <a:headEnd type="none" w="med" len="med"/>
+                      <a:tailEnd type="none" w="med" len="med"/>
+                    </a:lnL>
+                    <a:lnR w="12700" cap="flat" cmpd="sng" algn="ctr">
+                      <a:noFill/>
+                      <a:prstDash val="solid"/>
+                      <a:round/>
+                      <a:headEnd type="none" w="med" len="med"/>
+                      <a:tailEnd type="none" w="med" len="med"/>
+                    </a:lnR>
+                    <a:lnT w="12700" cap="flat" cmpd="sng" algn="ctr">
+                      <a:noFill/>
+                      <a:prstDash val="solid"/>
+                      <a:round/>
+                      <a:headEnd type="none" w="med" len="med"/>
+                      <a:tailEnd type="none" w="med" len="med"/>
+                    </a:lnT>
+                    <a:lnB w="12700" cap="flat" cmpd="sng" algn="ctr">
+                      <a:noFill/>
+                      <a:prstDash val="solid"/>
+                      <a:round/>
+                      <a:headEnd type="none" w="med" len="med"/>
+                      <a:tailEnd type="none" w="med" len="med"/>
+                    </a:lnB>
+                  </a:tcPr>
+                </a:tc>
+                <a:tc>
+                  <a:txBody>
+                    <a:bodyPr/>
+                    <a:lstStyle/>
+                    <a:p>
+                      <a:pPr algn="ctr"/>
+                      <a:endParaRPr kumimoji="1" lang="ja-JP" altLang="en-US" sz="1200" dirty="0"/>
+                    </a:p>
+                  </a:txBody>
+                  <a:tcPr anchor="ctr">
+                    <a:lnL w="12700" cap="flat" cmpd="sng" algn="ctr">
+                      <a:noFill/>
+                      <a:prstDash val="solid"/>
+                      <a:round/>
+                      <a:headEnd type="none" w="med" len="med"/>
+                      <a:tailEnd type="none" w="med" len="med"/>
+                    </a:lnL>
+                    <a:lnR w="12700" cap="flat" cmpd="sng" algn="ctr">
+                      <a:noFill/>
+                      <a:prstDash val="solid"/>
+                      <a:round/>
+                      <a:headEnd type="none" w="med" len="med"/>
+                      <a:tailEnd type="none" w="med" len="med"/>
+                    </a:lnR>
+                    <a:lnT w="12700" cap="flat" cmpd="sng" algn="ctr">
+                      <a:noFill/>
+                      <a:prstDash val="solid"/>
+                      <a:round/>
+                      <a:headEnd type="none" w="med" len="med"/>
+                      <a:tailEnd type="none" w="med" len="med"/>
+                    </a:lnT>
+                    <a:lnB w="12700" cap="flat" cmpd="sng" algn="ctr">
+                      <a:noFill/>
+                      <a:prstDash val="solid"/>
+                      <a:round/>
+                      <a:headEnd type="none" w="med" len="med"/>
+                      <a:tailEnd type="none" w="med" len="med"/>
+                    </a:lnB>
+                  </a:tcPr>
+                </a:tc>
+                <a:tc>
+                  <a:txBody>
+                    <a:bodyPr/>
+                    <a:lstStyle/>
+                    <a:p>
+                      <a:pPr algn="ctr"/>
+                      <a:endParaRPr kumimoji="1" lang="ja-JP" altLang="en-US" sz="1200"/>
+                    </a:p>
+                  </a:txBody>
+                  <a:tcPr anchor="ctr">
+                    <a:lnL w="12700" cap="flat" cmpd="sng" algn="ctr">
+                      <a:noFill/>
+                      <a:prstDash val="solid"/>
+                      <a:round/>
+                      <a:headEnd type="none" w="med" len="med"/>
+                      <a:tailEnd type="none" w="med" len="med"/>
+                    </a:lnL>
+                    <a:lnR w="12700" cap="flat" cmpd="sng" algn="ctr">
+                      <a:noFill/>
+                      <a:prstDash val="solid"/>
+                      <a:round/>
+                      <a:headEnd type="none" w="med" len="med"/>
+                      <a:tailEnd type="none" w="med" len="med"/>
+                    </a:lnR>
+                    <a:lnT w="12700" cap="flat" cmpd="sng" algn="ctr">
+                      <a:noFill/>
+                      <a:prstDash val="solid"/>
+                      <a:round/>
+                      <a:headEnd type="none" w="med" len="med"/>
+                      <a:tailEnd type="none" w="med" len="med"/>
+                    </a:lnT>
+                    <a:lnB w="12700" cap="flat" cmpd="sng" algn="ctr">
+                      <a:noFill/>
+                      <a:prstDash val="solid"/>
+                      <a:round/>
+                      <a:headEnd type="none" w="med" len="med"/>
+                      <a:tailEnd type="none" w="med" len="med"/>
+                    </a:lnB>
+                  </a:tcPr>
+                </a:tc>
+                <a:tc>
+                  <a:txBody>
+                    <a:bodyPr/>
+                    <a:lstStyle/>
+                    <a:p>
+                      <a:pPr algn="ctr"/>
+                      <a:endParaRPr kumimoji="1" lang="ja-JP" altLang="en-US" sz="1200" dirty="0"/>
+                    </a:p>
+                  </a:txBody>
+                  <a:tcPr anchor="ctr">
+                    <a:lnL w="12700" cap="flat" cmpd="sng" algn="ctr">
+                      <a:noFill/>
+                      <a:prstDash val="solid"/>
+                      <a:round/>
+                      <a:headEnd type="none" w="med" len="med"/>
+                      <a:tailEnd type="none" w="med" len="med"/>
+                    </a:lnL>
+                    <a:lnB w="12700" cap="flat" cmpd="sng" algn="ctr">
+                      <a:noFill/>
+                      <a:prstDash val="solid"/>
+                      <a:round/>
+                      <a:headEnd type="none" w="med" len="med"/>
+                      <a:tailEnd type="none" w="med" len="med"/>
+                    </a:lnB>
+                  </a:tcPr>
+                </a:tc>
+                <a:tc>
+                  <a:txBody>
+                    <a:bodyPr/>
+                    <a:lstStyle/>
+                    <a:p>
+                      <a:pPr algn="ctr"/>
+                      <a:r>
+                        <a:rPr kumimoji="1" lang="en-US" altLang="ja-JP" sz="1200" dirty="0" smtClean="0"/>
+                        <a:t>05</a:t>
+                      </a:r>
+                    </a:p>
+                    <a:p>
+                      <a:pPr algn="ctr"/>
+                      <a:r>
+                        <a:rPr kumimoji="1" lang="en-US" altLang="ja-JP" sz="1200" dirty="0" smtClean="0"/>
+                        <a:t>(</a:t>
+                      </a:r>
+                      <a:r>
+                        <a:rPr kumimoji="1" lang="en-US" altLang="ja-JP" sz="1200" dirty="0" smtClean="0">
+                          <a:solidFill>
+                            <a:schemeClr val="accent6"/>
+                          </a:solidFill>
+                        </a:rPr>
+                        <a:t>2</a:t>
+                      </a:r>
+                      <a:r>
+                        <a:rPr kumimoji="1" lang="en-US" altLang="ja-JP" sz="1200" dirty="0" smtClean="0"/>
+                        <a:t>)</a:t>
+                      </a:r>
+                      <a:endParaRPr kumimoji="1" lang="ja-JP" altLang="en-US" sz="1200" dirty="0"/>
+                    </a:p>
+                  </a:txBody>
+                  <a:tcPr anchor="ctr"/>
+                </a:tc>
+                <a:tc>
+                  <a:txBody>
+                    <a:bodyPr/>
+                    <a:lstStyle/>
+                    <a:p>
+                      <a:pPr algn="ctr"/>
+                      <a:r>
+                        <a:rPr kumimoji="1" lang="en-US" altLang="ja-JP" sz="1200" dirty="0" smtClean="0"/>
+                        <a:t>11113 </a:t>
+                      </a:r>
+                      <a:endParaRPr kumimoji="1" lang="ja-JP" altLang="en-US" sz="1200" dirty="0"/>
+                    </a:p>
+                  </a:txBody>
+                  <a:tcPr anchor="ctr"/>
+                </a:tc>
+                <a:tc>
+                  <a:txBody>
+                    <a:bodyPr/>
+                    <a:lstStyle/>
+                    <a:p>
+                      <a:pPr algn="ctr"/>
+                      <a:r>
+                        <a:rPr kumimoji="1" lang="en-US" altLang="ja-JP" sz="1200" dirty="0" smtClean="0"/>
+                        <a:t>2862 </a:t>
+                      </a:r>
+                      <a:endParaRPr kumimoji="1" lang="ja-JP" altLang="en-US" sz="1200" dirty="0"/>
+                    </a:p>
+                  </a:txBody>
+                  <a:tcPr anchor="ctr"/>
+                </a:tc>
+                <a:tc>
+                  <a:txBody>
+                    <a:bodyPr/>
+                    <a:lstStyle/>
+                    <a:p>
+                      <a:pPr algn="ctr"/>
+                      <a:r>
+                        <a:rPr kumimoji="1" lang="en-US" altLang="ja-JP" sz="1200" dirty="0" smtClean="0"/>
+                        <a:t>1689 </a:t>
+                      </a:r>
+                      <a:endParaRPr kumimoji="1" lang="ja-JP" altLang="en-US" sz="1200" dirty="0"/>
+                    </a:p>
+                  </a:txBody>
+                  <a:tcPr anchor="ctr"/>
+                </a:tc>
+                <a:tc>
+                  <a:txBody>
+                    <a:bodyPr/>
+                    <a:lstStyle/>
+                    <a:p>
+                      <a:pPr algn="ctr"/>
+                      <a:r>
+                        <a:rPr kumimoji="1" lang="en-US" altLang="ja-JP" sz="1200" dirty="0" smtClean="0"/>
+                        <a:t>33320</a:t>
+                      </a:r>
+                      <a:endParaRPr kumimoji="1" lang="ja-JP" altLang="en-US" sz="1200" dirty="0"/>
+                    </a:p>
+                  </a:txBody>
+                  <a:tcPr anchor="ctr">
+                    <a:solidFill>
+                      <a:schemeClr val="bg1">
+                        <a:lumMod val="95000"/>
+                      </a:schemeClr>
+                    </a:solidFill>
+                  </a:tcPr>
+                </a:tc>
+                <a:extLst>
+                  <a:ext uri="{0D108BD9-81ED-4DB2-BD59-A6C34878D82A}">
+                    <a16:rowId xmlns:a16="http://schemas.microsoft.com/office/drawing/2014/main" xmlns="" val="3755656541"/>
+                  </a:ext>
+                </a:extLst>
+              </a:tr>
+              <a:tr h="370840">
+                <a:tc>
+                  <a:txBody>
+                    <a:bodyPr/>
+                    <a:lstStyle/>
+                    <a:p>
+                      <a:pPr algn="ctr"/>
+                      <a:endParaRPr kumimoji="1" lang="ja-JP" altLang="en-US" sz="1200" dirty="0"/>
+                    </a:p>
+                  </a:txBody>
+                  <a:tcPr anchor="ctr">
+                    <a:lnL w="12700" cap="flat" cmpd="sng" algn="ctr">
+                      <a:noFill/>
+                      <a:prstDash val="solid"/>
+                      <a:round/>
+                      <a:headEnd type="none" w="med" len="med"/>
+                      <a:tailEnd type="none" w="med" len="med"/>
+                    </a:lnL>
+                    <a:lnR w="12700" cap="flat" cmpd="sng" algn="ctr">
+                      <a:noFill/>
+                      <a:prstDash val="solid"/>
+                      <a:round/>
+                      <a:headEnd type="none" w="med" len="med"/>
+                      <a:tailEnd type="none" w="med" len="med"/>
+                    </a:lnR>
+                    <a:lnT w="12700" cap="flat" cmpd="sng" algn="ctr">
+                      <a:noFill/>
+                      <a:prstDash val="solid"/>
+                      <a:round/>
+                      <a:headEnd type="none" w="med" len="med"/>
+                      <a:tailEnd type="none" w="med" len="med"/>
+                    </a:lnT>
+                    <a:lnB w="12700" cap="flat" cmpd="sng" algn="ctr">
+                      <a:noFill/>
+                      <a:prstDash val="solid"/>
+                      <a:round/>
+                      <a:headEnd type="none" w="med" len="med"/>
+                      <a:tailEnd type="none" w="med" len="med"/>
+                    </a:lnB>
+                  </a:tcPr>
+                </a:tc>
+                <a:tc>
+                  <a:txBody>
+                    <a:bodyPr/>
+                    <a:lstStyle/>
+                    <a:p>
+                      <a:pPr algn="ctr"/>
+                      <a:endParaRPr kumimoji="1" lang="ja-JP" altLang="en-US" sz="1200" dirty="0"/>
+                    </a:p>
+                  </a:txBody>
+                  <a:tcPr anchor="ctr">
+                    <a:lnL w="12700" cap="flat" cmpd="sng" algn="ctr">
+                      <a:noFill/>
+                      <a:prstDash val="solid"/>
+                      <a:round/>
+                      <a:headEnd type="none" w="med" len="med"/>
+                      <a:tailEnd type="none" w="med" len="med"/>
+                    </a:lnL>
+                    <a:lnR w="12700" cap="flat" cmpd="sng" algn="ctr">
+                      <a:noFill/>
+                      <a:prstDash val="solid"/>
+                      <a:round/>
+                      <a:headEnd type="none" w="med" len="med"/>
+                      <a:tailEnd type="none" w="med" len="med"/>
+                    </a:lnR>
+                    <a:lnT w="12700" cap="flat" cmpd="sng" algn="ctr">
+                      <a:noFill/>
+                      <a:prstDash val="solid"/>
+                      <a:round/>
+                      <a:headEnd type="none" w="med" len="med"/>
+                      <a:tailEnd type="none" w="med" len="med"/>
+                    </a:lnT>
+                    <a:lnB w="12700" cap="flat" cmpd="sng" algn="ctr">
+                      <a:noFill/>
+                      <a:prstDash val="solid"/>
+                      <a:round/>
+                      <a:headEnd type="none" w="med" len="med"/>
+                      <a:tailEnd type="none" w="med" len="med"/>
+                    </a:lnB>
+                  </a:tcPr>
+                </a:tc>
+                <a:tc>
+                  <a:txBody>
+                    <a:bodyPr/>
+                    <a:lstStyle/>
+                    <a:p>
+                      <a:pPr algn="ctr"/>
+                      <a:endParaRPr kumimoji="1" lang="ja-JP" altLang="en-US" sz="1200" dirty="0"/>
+                    </a:p>
+                  </a:txBody>
+                  <a:tcPr anchor="ctr">
+                    <a:lnL w="12700" cap="flat" cmpd="sng" algn="ctr">
+                      <a:noFill/>
+                      <a:prstDash val="solid"/>
+                      <a:round/>
+                      <a:headEnd type="none" w="med" len="med"/>
+                      <a:tailEnd type="none" w="med" len="med"/>
+                    </a:lnL>
+                    <a:lnR w="12700" cap="flat" cmpd="sng" algn="ctr">
+                      <a:noFill/>
+                      <a:prstDash val="solid"/>
+                      <a:round/>
+                      <a:headEnd type="none" w="med" len="med"/>
+                      <a:tailEnd type="none" w="med" len="med"/>
+                    </a:lnR>
+                    <a:lnT w="12700" cap="flat" cmpd="sng" algn="ctr">
+                      <a:noFill/>
+                      <a:prstDash val="solid"/>
+                      <a:round/>
+                      <a:headEnd type="none" w="med" len="med"/>
+                      <a:tailEnd type="none" w="med" len="med"/>
+                    </a:lnT>
+                    <a:lnB w="12700" cap="flat" cmpd="sng" algn="ctr">
+                      <a:noFill/>
+                      <a:prstDash val="solid"/>
+                      <a:round/>
+                      <a:headEnd type="none" w="med" len="med"/>
+                      <a:tailEnd type="none" w="med" len="med"/>
+                    </a:lnB>
+                  </a:tcPr>
+                </a:tc>
+                <a:tc>
+                  <a:txBody>
+                    <a:bodyPr/>
+                    <a:lstStyle/>
+                    <a:p>
+                      <a:pPr algn="ctr"/>
+                      <a:endParaRPr kumimoji="1" lang="ja-JP" altLang="en-US" sz="1200" dirty="0"/>
+                    </a:p>
+                  </a:txBody>
+                  <a:tcPr anchor="ctr">
+                    <a:lnL w="12700" cap="flat" cmpd="sng" algn="ctr">
+                      <a:noFill/>
+                      <a:prstDash val="solid"/>
+                      <a:round/>
+                      <a:headEnd type="none" w="med" len="med"/>
+                      <a:tailEnd type="none" w="med" len="med"/>
+                    </a:lnL>
+                    <a:lnR w="12700" cap="flat" cmpd="sng" algn="ctr">
+                      <a:noFill/>
+                      <a:prstDash val="solid"/>
+                      <a:round/>
+                      <a:headEnd type="none" w="med" len="med"/>
+                      <a:tailEnd type="none" w="med" len="med"/>
+                    </a:lnR>
+                    <a:lnT w="12700" cap="flat" cmpd="sng" algn="ctr">
+                      <a:noFill/>
+                      <a:prstDash val="solid"/>
+                      <a:round/>
+                      <a:headEnd type="none" w="med" len="med"/>
+                      <a:tailEnd type="none" w="med" len="med"/>
+                    </a:lnT>
+                    <a:lnB w="12700" cap="flat" cmpd="sng" algn="ctr">
+                      <a:noFill/>
+                      <a:prstDash val="solid"/>
+                      <a:round/>
+                      <a:headEnd type="none" w="med" len="med"/>
+                      <a:tailEnd type="none" w="med" len="med"/>
+                    </a:lnB>
+                  </a:tcPr>
+                </a:tc>
+                <a:tc>
+                  <a:txBody>
+                    <a:bodyPr/>
+                    <a:lstStyle/>
+                    <a:p>
+                      <a:pPr algn="ctr"/>
+                      <a:endParaRPr kumimoji="1" lang="ja-JP" altLang="en-US" sz="1200" dirty="0"/>
+                    </a:p>
+                  </a:txBody>
+                  <a:tcPr anchor="ctr">
+                    <a:lnL w="12700" cap="flat" cmpd="sng" algn="ctr">
+                      <a:noFill/>
+                      <a:prstDash val="solid"/>
+                      <a:round/>
+                      <a:headEnd type="none" w="med" len="med"/>
+                      <a:tailEnd type="none" w="med" len="med"/>
+                    </a:lnL>
+                    <a:lnR w="12700" cap="flat" cmpd="sng" algn="ctr">
+                      <a:noFill/>
+                      <a:prstDash val="solid"/>
+                      <a:round/>
+                      <a:headEnd type="none" w="med" len="med"/>
+                      <a:tailEnd type="none" w="med" len="med"/>
+                    </a:lnR>
+                    <a:lnT w="12700" cap="flat" cmpd="sng" algn="ctr">
+                      <a:noFill/>
+                      <a:prstDash val="solid"/>
+                      <a:round/>
+                      <a:headEnd type="none" w="med" len="med"/>
+                      <a:tailEnd type="none" w="med" len="med"/>
+                    </a:lnT>
+                    <a:lnB w="12700" cap="flat" cmpd="sng" algn="ctr">
+                      <a:noFill/>
+                      <a:prstDash val="solid"/>
+                      <a:round/>
+                      <a:headEnd type="none" w="med" len="med"/>
+                      <a:tailEnd type="none" w="med" len="med"/>
+                    </a:lnB>
+                  </a:tcPr>
+                </a:tc>
+                <a:tc>
+                  <a:txBody>
+                    <a:bodyPr/>
+                    <a:lstStyle/>
+                    <a:p>
+                      <a:pPr algn="ctr"/>
+                      <a:endParaRPr kumimoji="1" lang="ja-JP" altLang="en-US" sz="1200"/>
+                    </a:p>
+                  </a:txBody>
+                  <a:tcPr anchor="ctr">
+                    <a:lnL w="12700" cap="flat" cmpd="sng" algn="ctr">
+                      <a:noFill/>
+                      <a:prstDash val="solid"/>
+                      <a:round/>
+                      <a:headEnd type="none" w="med" len="med"/>
+                      <a:tailEnd type="none" w="med" len="med"/>
+                    </a:lnL>
+                    <a:lnB w="12700" cap="flat" cmpd="sng" algn="ctr">
+                      <a:noFill/>
+                      <a:prstDash val="solid"/>
+                      <a:round/>
+                      <a:headEnd type="none" w="med" len="med"/>
+                      <a:tailEnd type="none" w="med" len="med"/>
+                    </a:lnB>
+                  </a:tcPr>
+                </a:tc>
+                <a:tc>
+                  <a:txBody>
+                    <a:bodyPr/>
+                    <a:lstStyle/>
+                    <a:p>
+                      <a:pPr algn="ctr"/>
+                      <a:r>
+                        <a:rPr kumimoji="1" lang="en-US" altLang="ja-JP" sz="1200" dirty="0" smtClean="0"/>
+                        <a:t>06</a:t>
+                      </a:r>
+                    </a:p>
+                    <a:p>
+                      <a:pPr algn="ctr"/>
+                      <a:r>
+                        <a:rPr kumimoji="1" lang="en-US" altLang="ja-JP" sz="1200" dirty="0" smtClean="0"/>
+                        <a:t>(</a:t>
+                      </a:r>
+                      <a:r>
+                        <a:rPr kumimoji="1" lang="en-US" altLang="ja-JP" sz="1200" dirty="0" smtClean="0">
+                          <a:solidFill>
+                            <a:schemeClr val="accent6"/>
+                          </a:solidFill>
+                        </a:rPr>
+                        <a:t>3</a:t>
+                      </a:r>
+                      <a:r>
+                        <a:rPr kumimoji="1" lang="en-US" altLang="ja-JP" sz="1200" dirty="0" smtClean="0"/>
+                        <a:t>)</a:t>
+                      </a:r>
+                      <a:endParaRPr kumimoji="1" lang="ja-JP" altLang="en-US" sz="1200" dirty="0"/>
+                    </a:p>
+                  </a:txBody>
+                  <a:tcPr anchor="ctr"/>
+                </a:tc>
+                <a:tc>
+                  <a:txBody>
+                    <a:bodyPr/>
+                    <a:lstStyle/>
+                    <a:p>
+                      <a:pPr algn="ctr"/>
+                      <a:r>
+                        <a:rPr kumimoji="1" lang="en-US" altLang="ja-JP" sz="1200" dirty="0" smtClean="0"/>
+                        <a:t>7771 </a:t>
+                      </a:r>
+                      <a:endParaRPr kumimoji="1" lang="ja-JP" altLang="en-US" sz="1200" dirty="0"/>
+                    </a:p>
+                  </a:txBody>
+                  <a:tcPr anchor="ctr"/>
+                </a:tc>
+                <a:tc>
+                  <a:txBody>
+                    <a:bodyPr/>
+                    <a:lstStyle/>
+                    <a:p>
+                      <a:pPr algn="ctr"/>
+                      <a:r>
+                        <a:rPr kumimoji="1" lang="en-US" altLang="ja-JP" sz="1200" dirty="0" smtClean="0"/>
+                        <a:t>3464 </a:t>
+                      </a:r>
+                      <a:endParaRPr kumimoji="1" lang="ja-JP" altLang="en-US" sz="1200" dirty="0"/>
+                    </a:p>
+                  </a:txBody>
+                  <a:tcPr anchor="ctr"/>
+                </a:tc>
+                <a:tc>
+                  <a:txBody>
+                    <a:bodyPr/>
+                    <a:lstStyle/>
+                    <a:p>
+                      <a:pPr algn="ctr"/>
+                      <a:r>
+                        <a:rPr kumimoji="1" lang="en-US" altLang="ja-JP" sz="1200" dirty="0" smtClean="0"/>
+                        <a:t>44984</a:t>
+                      </a:r>
+                      <a:endParaRPr kumimoji="1" lang="ja-JP" altLang="en-US" sz="1200" dirty="0"/>
+                    </a:p>
+                  </a:txBody>
+                  <a:tcPr anchor="ctr">
+                    <a:solidFill>
+                      <a:schemeClr val="bg1">
+                        <a:lumMod val="95000"/>
+                      </a:schemeClr>
+                    </a:solidFill>
+                  </a:tcPr>
+                </a:tc>
+                <a:extLst>
+                  <a:ext uri="{0D108BD9-81ED-4DB2-BD59-A6C34878D82A}">
+                    <a16:rowId xmlns:a16="http://schemas.microsoft.com/office/drawing/2014/main" xmlns="" val="3142512751"/>
+                  </a:ext>
+                </a:extLst>
+              </a:tr>
+              <a:tr h="370840">
+                <a:tc>
+                  <a:txBody>
+                    <a:bodyPr/>
+                    <a:lstStyle/>
+                    <a:p>
+                      <a:pPr algn="ctr"/>
+                      <a:endParaRPr kumimoji="1" lang="ja-JP" altLang="en-US" sz="1200" dirty="0"/>
+                    </a:p>
+                  </a:txBody>
+                  <a:tcPr anchor="ctr">
+                    <a:lnL w="12700" cap="flat" cmpd="sng" algn="ctr">
+                      <a:noFill/>
+                      <a:prstDash val="solid"/>
+                      <a:round/>
+                      <a:headEnd type="none" w="med" len="med"/>
+                      <a:tailEnd type="none" w="med" len="med"/>
+                    </a:lnL>
+                    <a:lnR w="12700" cap="flat" cmpd="sng" algn="ctr">
+                      <a:noFill/>
+                      <a:prstDash val="solid"/>
+                      <a:round/>
+                      <a:headEnd type="none" w="med" len="med"/>
+                      <a:tailEnd type="none" w="med" len="med"/>
+                    </a:lnR>
+                    <a:lnT w="12700" cap="flat" cmpd="sng" algn="ctr">
+                      <a:noFill/>
+                      <a:prstDash val="solid"/>
+                      <a:round/>
+                      <a:headEnd type="none" w="med" len="med"/>
+                      <a:tailEnd type="none" w="med" len="med"/>
+                    </a:lnT>
+                    <a:lnB w="12700" cap="flat" cmpd="sng" algn="ctr">
+                      <a:noFill/>
+                      <a:prstDash val="solid"/>
+                      <a:round/>
+                      <a:headEnd type="none" w="med" len="med"/>
+                      <a:tailEnd type="none" w="med" len="med"/>
+                    </a:lnB>
+                  </a:tcPr>
+                </a:tc>
+                <a:tc>
+                  <a:txBody>
+                    <a:bodyPr/>
+                    <a:lstStyle/>
+                    <a:p>
+                      <a:pPr algn="ctr"/>
+                      <a:endParaRPr kumimoji="1" lang="ja-JP" altLang="en-US" sz="1200" dirty="0"/>
+                    </a:p>
+                  </a:txBody>
+                  <a:tcPr anchor="ctr">
+                    <a:lnL w="12700" cap="flat" cmpd="sng" algn="ctr">
+                      <a:noFill/>
+                      <a:prstDash val="solid"/>
+                      <a:round/>
+                      <a:headEnd type="none" w="med" len="med"/>
+                      <a:tailEnd type="none" w="med" len="med"/>
+                    </a:lnL>
+                    <a:lnR w="12700" cap="flat" cmpd="sng" algn="ctr">
+                      <a:noFill/>
+                      <a:prstDash val="solid"/>
+                      <a:round/>
+                      <a:headEnd type="none" w="med" len="med"/>
+                      <a:tailEnd type="none" w="med" len="med"/>
+                    </a:lnR>
+                    <a:lnT w="12700" cap="flat" cmpd="sng" algn="ctr">
+                      <a:noFill/>
+                      <a:prstDash val="solid"/>
+                      <a:round/>
+                      <a:headEnd type="none" w="med" len="med"/>
+                      <a:tailEnd type="none" w="med" len="med"/>
+                    </a:lnT>
+                    <a:lnB w="12700" cap="flat" cmpd="sng" algn="ctr">
+                      <a:noFill/>
+                      <a:prstDash val="solid"/>
+                      <a:round/>
+                      <a:headEnd type="none" w="med" len="med"/>
+                      <a:tailEnd type="none" w="med" len="med"/>
+                    </a:lnB>
+                  </a:tcPr>
+                </a:tc>
+                <a:tc>
+                  <a:txBody>
+                    <a:bodyPr/>
+                    <a:lstStyle/>
+                    <a:p>
+                      <a:pPr algn="ctr"/>
+                      <a:endParaRPr kumimoji="1" lang="ja-JP" altLang="en-US" sz="1200" dirty="0"/>
+                    </a:p>
+                  </a:txBody>
+                  <a:tcPr anchor="ctr">
+                    <a:lnL w="12700" cap="flat" cmpd="sng" algn="ctr">
+                      <a:noFill/>
+                      <a:prstDash val="solid"/>
+                      <a:round/>
+                      <a:headEnd type="none" w="med" len="med"/>
+                      <a:tailEnd type="none" w="med" len="med"/>
+                    </a:lnL>
+                    <a:lnR w="12700" cap="flat" cmpd="sng" algn="ctr">
+                      <a:noFill/>
+                      <a:prstDash val="solid"/>
+                      <a:round/>
+                      <a:headEnd type="none" w="med" len="med"/>
+                      <a:tailEnd type="none" w="med" len="med"/>
+                    </a:lnR>
+                    <a:lnT w="12700" cap="flat" cmpd="sng" algn="ctr">
+                      <a:noFill/>
+                      <a:prstDash val="solid"/>
+                      <a:round/>
+                      <a:headEnd type="none" w="med" len="med"/>
+                      <a:tailEnd type="none" w="med" len="med"/>
+                    </a:lnT>
+                    <a:lnB w="12700" cap="flat" cmpd="sng" algn="ctr">
+                      <a:noFill/>
+                      <a:prstDash val="solid"/>
+                      <a:round/>
+                      <a:headEnd type="none" w="med" len="med"/>
+                      <a:tailEnd type="none" w="med" len="med"/>
+                    </a:lnB>
+                  </a:tcPr>
+                </a:tc>
+                <a:tc>
+                  <a:txBody>
+                    <a:bodyPr/>
+                    <a:lstStyle/>
+                    <a:p>
+                      <a:pPr algn="ctr"/>
+                      <a:endParaRPr kumimoji="1" lang="ja-JP" altLang="en-US" sz="1200" dirty="0"/>
+                    </a:p>
+                  </a:txBody>
+                  <a:tcPr anchor="ctr">
+                    <a:lnL w="12700" cap="flat" cmpd="sng" algn="ctr">
+                      <a:noFill/>
+                      <a:prstDash val="solid"/>
+                      <a:round/>
+                      <a:headEnd type="none" w="med" len="med"/>
+                      <a:tailEnd type="none" w="med" len="med"/>
+                    </a:lnL>
+                    <a:lnR w="12700" cap="flat" cmpd="sng" algn="ctr">
+                      <a:noFill/>
+                      <a:prstDash val="solid"/>
+                      <a:round/>
+                      <a:headEnd type="none" w="med" len="med"/>
+                      <a:tailEnd type="none" w="med" len="med"/>
+                    </a:lnR>
+                    <a:lnT w="12700" cap="flat" cmpd="sng" algn="ctr">
+                      <a:noFill/>
+                      <a:prstDash val="solid"/>
+                      <a:round/>
+                      <a:headEnd type="none" w="med" len="med"/>
+                      <a:tailEnd type="none" w="med" len="med"/>
+                    </a:lnT>
+                    <a:lnB w="12700" cap="flat" cmpd="sng" algn="ctr">
+                      <a:noFill/>
+                      <a:prstDash val="solid"/>
+                      <a:round/>
+                      <a:headEnd type="none" w="med" len="med"/>
+                      <a:tailEnd type="none" w="med" len="med"/>
+                    </a:lnB>
+                  </a:tcPr>
+                </a:tc>
+                <a:tc>
+                  <a:txBody>
+                    <a:bodyPr/>
+                    <a:lstStyle/>
+                    <a:p>
+                      <a:pPr algn="ctr"/>
+                      <a:endParaRPr kumimoji="1" lang="ja-JP" altLang="en-US" sz="1200" dirty="0"/>
+                    </a:p>
+                  </a:txBody>
+                  <a:tcPr anchor="ctr">
+                    <a:lnL w="12700" cap="flat" cmpd="sng" algn="ctr">
+                      <a:noFill/>
+                      <a:prstDash val="solid"/>
+                      <a:round/>
+                      <a:headEnd type="none" w="med" len="med"/>
+                      <a:tailEnd type="none" w="med" len="med"/>
+                    </a:lnL>
+                    <a:lnR w="12700" cap="flat" cmpd="sng" algn="ctr">
+                      <a:noFill/>
+                      <a:prstDash val="solid"/>
+                      <a:round/>
+                      <a:headEnd type="none" w="med" len="med"/>
+                      <a:tailEnd type="none" w="med" len="med"/>
+                    </a:lnR>
+                    <a:lnT w="12700" cap="flat" cmpd="sng" algn="ctr">
+                      <a:noFill/>
+                      <a:prstDash val="solid"/>
+                      <a:round/>
+                      <a:headEnd type="none" w="med" len="med"/>
+                      <a:tailEnd type="none" w="med" len="med"/>
+                    </a:lnT>
+                    <a:lnB w="12700" cap="flat" cmpd="sng" algn="ctr">
+                      <a:noFill/>
+                      <a:prstDash val="solid"/>
+                      <a:round/>
+                      <a:headEnd type="none" w="med" len="med"/>
+                      <a:tailEnd type="none" w="med" len="med"/>
+                    </a:lnB>
+                  </a:tcPr>
+                </a:tc>
+                <a:tc>
+                  <a:txBody>
+                    <a:bodyPr/>
+                    <a:lstStyle/>
+                    <a:p>
+                      <a:pPr algn="ctr"/>
+                      <a:endParaRPr kumimoji="1" lang="ja-JP" altLang="en-US" sz="1200" dirty="0"/>
+                    </a:p>
+                  </a:txBody>
+                  <a:tcPr anchor="ctr">
+                    <a:lnL w="12700" cap="flat" cmpd="sng" algn="ctr">
+                      <a:noFill/>
+                      <a:prstDash val="solid"/>
+                      <a:round/>
+                      <a:headEnd type="none" w="med" len="med"/>
+                      <a:tailEnd type="none" w="med" len="med"/>
+                    </a:lnL>
+                    <a:lnR w="12700" cap="flat" cmpd="sng" algn="ctr">
+                      <a:noFill/>
+                      <a:prstDash val="solid"/>
+                      <a:round/>
+                      <a:headEnd type="none" w="med" len="med"/>
+                      <a:tailEnd type="none" w="med" len="med"/>
+                    </a:lnR>
+                    <a:lnT w="12700" cap="flat" cmpd="sng" algn="ctr">
+                      <a:noFill/>
+                      <a:prstDash val="solid"/>
+                      <a:round/>
+                      <a:headEnd type="none" w="med" len="med"/>
+                      <a:tailEnd type="none" w="med" len="med"/>
+                    </a:lnT>
+                    <a:lnB w="12700" cap="flat" cmpd="sng" algn="ctr">
+                      <a:noFill/>
+                      <a:prstDash val="solid"/>
+                      <a:round/>
+                      <a:headEnd type="none" w="med" len="med"/>
+                      <a:tailEnd type="none" w="med" len="med"/>
+                    </a:lnB>
+                  </a:tcPr>
+                </a:tc>
+                <a:tc>
+                  <a:txBody>
+                    <a:bodyPr/>
+                    <a:lstStyle/>
+                    <a:p>
+                      <a:pPr algn="ctr"/>
+                      <a:endParaRPr kumimoji="1" lang="ja-JP" altLang="en-US" sz="1200" dirty="0"/>
+                    </a:p>
+                  </a:txBody>
+                  <a:tcPr anchor="ctr">
+                    <a:lnL w="12700" cap="flat" cmpd="sng" algn="ctr">
+                      <a:noFill/>
+                      <a:prstDash val="solid"/>
+                      <a:round/>
+                      <a:headEnd type="none" w="med" len="med"/>
+                      <a:tailEnd type="none" w="med" len="med"/>
+                    </a:lnL>
+                    <a:lnB w="12700" cap="flat" cmpd="sng" algn="ctr">
+                      <a:noFill/>
+                      <a:prstDash val="solid"/>
+                      <a:round/>
+                      <a:headEnd type="none" w="med" len="med"/>
+                      <a:tailEnd type="none" w="med" len="med"/>
+                    </a:lnB>
+                  </a:tcPr>
+                </a:tc>
+                <a:tc>
+                  <a:txBody>
+                    <a:bodyPr/>
+                    <a:lstStyle/>
+                    <a:p>
+                      <a:pPr algn="ctr"/>
+                      <a:r>
+                        <a:rPr kumimoji="1" lang="en-US" altLang="ja-JP" sz="1200" dirty="0" smtClean="0"/>
+                        <a:t>07</a:t>
+                      </a:r>
+                    </a:p>
+                    <a:p>
+                      <a:pPr algn="ctr"/>
+                      <a:r>
+                        <a:rPr kumimoji="1" lang="en-US" altLang="ja-JP" sz="1200" dirty="0" smtClean="0"/>
+                        <a:t>(</a:t>
+                      </a:r>
+                      <a:r>
+                        <a:rPr kumimoji="1" lang="en-US" altLang="ja-JP" sz="1200" dirty="0" smtClean="0">
+                          <a:solidFill>
+                            <a:schemeClr val="accent6"/>
+                          </a:solidFill>
+                        </a:rPr>
+                        <a:t>4</a:t>
+                      </a:r>
+                      <a:r>
+                        <a:rPr kumimoji="1" lang="en-US" altLang="ja-JP" sz="1200" dirty="0" smtClean="0"/>
+                        <a:t>)</a:t>
+                      </a:r>
+                      <a:endParaRPr kumimoji="1" lang="ja-JP" altLang="en-US" sz="1200" dirty="0"/>
+                    </a:p>
+                  </a:txBody>
+                  <a:tcPr anchor="ctr"/>
+                </a:tc>
+                <a:tc>
+                  <a:txBody>
+                    <a:bodyPr/>
+                    <a:lstStyle/>
+                    <a:p>
+                      <a:pPr algn="ctr"/>
+                      <a:r>
+                        <a:rPr kumimoji="1" lang="en-US" altLang="ja-JP" sz="1200" dirty="0" smtClean="0"/>
+                        <a:t>6861 </a:t>
+                      </a:r>
+                      <a:endParaRPr kumimoji="1" lang="ja-JP" altLang="en-US" sz="1200" dirty="0"/>
+                    </a:p>
+                  </a:txBody>
+                  <a:tcPr anchor="ctr"/>
+                </a:tc>
+                <a:tc>
+                  <a:txBody>
+                    <a:bodyPr/>
+                    <a:lstStyle/>
+                    <a:p>
+                      <a:pPr algn="ctr"/>
+                      <a:r>
+                        <a:rPr kumimoji="1" lang="en-US" altLang="ja-JP" sz="1200" dirty="0" smtClean="0"/>
+                        <a:t>42625</a:t>
+                      </a:r>
+                      <a:endParaRPr kumimoji="1" lang="ja-JP" altLang="en-US" sz="1200" dirty="0"/>
+                    </a:p>
+                  </a:txBody>
+                  <a:tcPr anchor="ctr">
+                    <a:solidFill>
+                      <a:schemeClr val="bg1">
+                        <a:lumMod val="95000"/>
+                      </a:schemeClr>
+                    </a:solidFill>
+                  </a:tcPr>
+                </a:tc>
+                <a:extLst>
+                  <a:ext uri="{0D108BD9-81ED-4DB2-BD59-A6C34878D82A}">
+                    <a16:rowId xmlns:a16="http://schemas.microsoft.com/office/drawing/2014/main" xmlns="" val="1154993633"/>
+                  </a:ext>
+                </a:extLst>
+              </a:tr>
+              <a:tr h="370840">
+                <a:tc>
+                  <a:txBody>
+                    <a:bodyPr/>
+                    <a:lstStyle/>
+                    <a:p>
+                      <a:pPr algn="ctr"/>
+                      <a:endParaRPr kumimoji="1" lang="ja-JP" altLang="en-US" sz="1200" dirty="0"/>
+                    </a:p>
+                  </a:txBody>
+                  <a:tcPr anchor="ctr">
+                    <a:lnL w="12700" cap="flat" cmpd="sng" algn="ctr">
+                      <a:noFill/>
+                      <a:prstDash val="solid"/>
+                      <a:round/>
+                      <a:headEnd type="none" w="med" len="med"/>
+                      <a:tailEnd type="none" w="med" len="med"/>
+                    </a:lnL>
+                    <a:lnR w="12700" cap="flat" cmpd="sng" algn="ctr">
+                      <a:noFill/>
+                      <a:prstDash val="solid"/>
+                      <a:round/>
+                      <a:headEnd type="none" w="med" len="med"/>
+                      <a:tailEnd type="none" w="med" len="med"/>
+                    </a:lnR>
+                    <a:lnT w="12700" cap="flat" cmpd="sng" algn="ctr">
+                      <a:noFill/>
+                      <a:prstDash val="solid"/>
+                      <a:round/>
+                      <a:headEnd type="none" w="med" len="med"/>
+                      <a:tailEnd type="none" w="med" len="med"/>
+                    </a:lnT>
+                    <a:lnB w="12700" cap="flat" cmpd="sng" algn="ctr">
+                      <a:noFill/>
+                      <a:prstDash val="solid"/>
+                      <a:round/>
+                      <a:headEnd type="none" w="med" len="med"/>
+                      <a:tailEnd type="none" w="med" len="med"/>
+                    </a:lnB>
+                  </a:tcPr>
+                </a:tc>
+                <a:tc>
+                  <a:txBody>
+                    <a:bodyPr/>
+                    <a:lstStyle/>
+                    <a:p>
+                      <a:pPr algn="ctr"/>
+                      <a:endParaRPr kumimoji="1" lang="ja-JP" altLang="en-US" sz="1200" dirty="0"/>
+                    </a:p>
+                  </a:txBody>
+                  <a:tcPr anchor="ctr">
+                    <a:lnL w="12700" cap="flat" cmpd="sng" algn="ctr">
+                      <a:noFill/>
+                      <a:prstDash val="solid"/>
+                      <a:round/>
+                      <a:headEnd type="none" w="med" len="med"/>
+                      <a:tailEnd type="none" w="med" len="med"/>
+                    </a:lnL>
+                    <a:lnR w="12700" cap="flat" cmpd="sng" algn="ctr">
+                      <a:noFill/>
+                      <a:prstDash val="solid"/>
+                      <a:round/>
+                      <a:headEnd type="none" w="med" len="med"/>
+                      <a:tailEnd type="none" w="med" len="med"/>
+                    </a:lnR>
+                    <a:lnT w="12700" cap="flat" cmpd="sng" algn="ctr">
+                      <a:noFill/>
+                      <a:prstDash val="solid"/>
+                      <a:round/>
+                      <a:headEnd type="none" w="med" len="med"/>
+                      <a:tailEnd type="none" w="med" len="med"/>
+                    </a:lnT>
+                    <a:lnB w="12700" cap="flat" cmpd="sng" algn="ctr">
+                      <a:noFill/>
+                      <a:prstDash val="solid"/>
+                      <a:round/>
+                      <a:headEnd type="none" w="med" len="med"/>
+                      <a:tailEnd type="none" w="med" len="med"/>
+                    </a:lnB>
+                  </a:tcPr>
+                </a:tc>
+                <a:tc>
+                  <a:txBody>
+                    <a:bodyPr/>
+                    <a:lstStyle/>
+                    <a:p>
+                      <a:pPr algn="ctr"/>
+                      <a:endParaRPr kumimoji="1" lang="ja-JP" altLang="en-US" sz="1200" dirty="0"/>
+                    </a:p>
+                  </a:txBody>
+                  <a:tcPr anchor="ctr">
+                    <a:lnL w="12700" cap="flat" cmpd="sng" algn="ctr">
+                      <a:noFill/>
+                      <a:prstDash val="solid"/>
+                      <a:round/>
+                      <a:headEnd type="none" w="med" len="med"/>
+                      <a:tailEnd type="none" w="med" len="med"/>
+                    </a:lnL>
+                    <a:lnR w="12700" cap="flat" cmpd="sng" algn="ctr">
+                      <a:noFill/>
+                      <a:prstDash val="solid"/>
+                      <a:round/>
+                      <a:headEnd type="none" w="med" len="med"/>
+                      <a:tailEnd type="none" w="med" len="med"/>
+                    </a:lnR>
+                    <a:lnT w="12700" cap="flat" cmpd="sng" algn="ctr">
+                      <a:noFill/>
+                      <a:prstDash val="solid"/>
+                      <a:round/>
+                      <a:headEnd type="none" w="med" len="med"/>
+                      <a:tailEnd type="none" w="med" len="med"/>
+                    </a:lnT>
+                    <a:lnB w="12700" cap="flat" cmpd="sng" algn="ctr">
+                      <a:noFill/>
+                      <a:prstDash val="solid"/>
+                      <a:round/>
+                      <a:headEnd type="none" w="med" len="med"/>
+                      <a:tailEnd type="none" w="med" len="med"/>
+                    </a:lnB>
+                  </a:tcPr>
+                </a:tc>
+                <a:tc>
+                  <a:txBody>
+                    <a:bodyPr/>
+                    <a:lstStyle/>
+                    <a:p>
+                      <a:pPr algn="ctr"/>
+                      <a:endParaRPr kumimoji="1" lang="ja-JP" altLang="en-US" sz="1200" dirty="0"/>
+                    </a:p>
+                  </a:txBody>
+                  <a:tcPr anchor="ctr">
+                    <a:lnL w="12700" cap="flat" cmpd="sng" algn="ctr">
+                      <a:noFill/>
+                      <a:prstDash val="solid"/>
+                      <a:round/>
+                      <a:headEnd type="none" w="med" len="med"/>
+                      <a:tailEnd type="none" w="med" len="med"/>
+                    </a:lnL>
+                    <a:lnR w="12700" cap="flat" cmpd="sng" algn="ctr">
+                      <a:noFill/>
+                      <a:prstDash val="solid"/>
+                      <a:round/>
+                      <a:headEnd type="none" w="med" len="med"/>
+                      <a:tailEnd type="none" w="med" len="med"/>
+                    </a:lnR>
+                    <a:lnT w="12700" cap="flat" cmpd="sng" algn="ctr">
+                      <a:noFill/>
+                      <a:prstDash val="solid"/>
+                      <a:round/>
+                      <a:headEnd type="none" w="med" len="med"/>
+                      <a:tailEnd type="none" w="med" len="med"/>
+                    </a:lnT>
+                    <a:lnB w="12700" cap="flat" cmpd="sng" algn="ctr">
+                      <a:noFill/>
+                      <a:prstDash val="solid"/>
+                      <a:round/>
+                      <a:headEnd type="none" w="med" len="med"/>
+                      <a:tailEnd type="none" w="med" len="med"/>
+                    </a:lnB>
+                  </a:tcPr>
+                </a:tc>
+                <a:tc>
+                  <a:txBody>
+                    <a:bodyPr/>
+                    <a:lstStyle/>
+                    <a:p>
+                      <a:pPr algn="ctr"/>
+                      <a:endParaRPr kumimoji="1" lang="ja-JP" altLang="en-US" sz="1200" dirty="0"/>
+                    </a:p>
+                  </a:txBody>
+                  <a:tcPr anchor="ctr">
+                    <a:lnL w="12700" cap="flat" cmpd="sng" algn="ctr">
+                      <a:noFill/>
+                      <a:prstDash val="solid"/>
+                      <a:round/>
+                      <a:headEnd type="none" w="med" len="med"/>
+                      <a:tailEnd type="none" w="med" len="med"/>
+                    </a:lnL>
+                    <a:lnR w="12700" cap="flat" cmpd="sng" algn="ctr">
+                      <a:noFill/>
+                      <a:prstDash val="solid"/>
+                      <a:round/>
+                      <a:headEnd type="none" w="med" len="med"/>
+                      <a:tailEnd type="none" w="med" len="med"/>
+                    </a:lnR>
+                    <a:lnT w="12700" cap="flat" cmpd="sng" algn="ctr">
+                      <a:noFill/>
+                      <a:prstDash val="solid"/>
+                      <a:round/>
+                      <a:headEnd type="none" w="med" len="med"/>
+                      <a:tailEnd type="none" w="med" len="med"/>
+                    </a:lnT>
+                    <a:lnB w="12700" cap="flat" cmpd="sng" algn="ctr">
+                      <a:noFill/>
+                      <a:prstDash val="solid"/>
+                      <a:round/>
+                      <a:headEnd type="none" w="med" len="med"/>
+                      <a:tailEnd type="none" w="med" len="med"/>
+                    </a:lnB>
+                  </a:tcPr>
+                </a:tc>
+                <a:tc>
+                  <a:txBody>
+                    <a:bodyPr/>
+                    <a:lstStyle/>
+                    <a:p>
+                      <a:pPr algn="ctr"/>
+                      <a:endParaRPr kumimoji="1" lang="ja-JP" altLang="en-US" sz="1200" dirty="0"/>
+                    </a:p>
+                  </a:txBody>
+                  <a:tcPr anchor="ctr">
+                    <a:lnL w="12700" cap="flat" cmpd="sng" algn="ctr">
+                      <a:noFill/>
+                      <a:prstDash val="solid"/>
+                      <a:round/>
+                      <a:headEnd type="none" w="med" len="med"/>
+                      <a:tailEnd type="none" w="med" len="med"/>
+                    </a:lnL>
+                    <a:lnR w="12700" cap="flat" cmpd="sng" algn="ctr">
+                      <a:noFill/>
+                      <a:prstDash val="solid"/>
+                      <a:round/>
+                      <a:headEnd type="none" w="med" len="med"/>
+                      <a:tailEnd type="none" w="med" len="med"/>
+                    </a:lnR>
+                    <a:lnT w="12700" cap="flat" cmpd="sng" algn="ctr">
+                      <a:noFill/>
+                      <a:prstDash val="solid"/>
+                      <a:round/>
+                      <a:headEnd type="none" w="med" len="med"/>
+                      <a:tailEnd type="none" w="med" len="med"/>
+                    </a:lnT>
+                    <a:lnB w="12700" cap="flat" cmpd="sng" algn="ctr">
+                      <a:noFill/>
+                      <a:prstDash val="solid"/>
+                      <a:round/>
+                      <a:headEnd type="none" w="med" len="med"/>
+                      <a:tailEnd type="none" w="med" len="med"/>
+                    </a:lnB>
+                  </a:tcPr>
+                </a:tc>
+                <a:tc>
+                  <a:txBody>
+                    <a:bodyPr/>
+                    <a:lstStyle/>
+                    <a:p>
+                      <a:pPr algn="ctr"/>
+                      <a:endParaRPr kumimoji="1" lang="ja-JP" altLang="en-US" sz="1200" dirty="0"/>
+                    </a:p>
+                  </a:txBody>
+                  <a:tcPr anchor="ctr">
+                    <a:lnL w="12700" cap="flat" cmpd="sng" algn="ctr">
+                      <a:noFill/>
+                      <a:prstDash val="solid"/>
+                      <a:round/>
+                      <a:headEnd type="none" w="med" len="med"/>
+                      <a:tailEnd type="none" w="med" len="med"/>
+                    </a:lnL>
+                    <a:lnR w="12700" cap="flat" cmpd="sng" algn="ctr">
+                      <a:noFill/>
+                      <a:prstDash val="solid"/>
+                      <a:round/>
+                      <a:headEnd type="none" w="med" len="med"/>
+                      <a:tailEnd type="none" w="med" len="med"/>
+                    </a:lnR>
+                    <a:lnT w="12700" cap="flat" cmpd="sng" algn="ctr">
+                      <a:noFill/>
+                      <a:prstDash val="solid"/>
+                      <a:round/>
+                      <a:headEnd type="none" w="med" len="med"/>
+                      <a:tailEnd type="none" w="med" len="med"/>
+                    </a:lnT>
+                    <a:lnB w="12700" cap="flat" cmpd="sng" algn="ctr">
+                      <a:noFill/>
+                      <a:prstDash val="solid"/>
+                      <a:round/>
+                      <a:headEnd type="none" w="med" len="med"/>
+                      <a:tailEnd type="none" w="med" len="med"/>
+                    </a:lnB>
+                  </a:tcPr>
+                </a:tc>
+                <a:tc>
+                  <a:txBody>
+                    <a:bodyPr/>
+                    <a:lstStyle/>
+                    <a:p>
+                      <a:pPr algn="ctr"/>
+                      <a:endParaRPr kumimoji="1" lang="ja-JP" altLang="en-US" sz="1200" dirty="0"/>
+                    </a:p>
+                  </a:txBody>
+                  <a:tcPr anchor="ctr">
+                    <a:lnL w="12700" cap="flat" cmpd="sng" algn="ctr">
+                      <a:noFill/>
+                      <a:prstDash val="solid"/>
+                      <a:round/>
+                      <a:headEnd type="none" w="med" len="med"/>
+                      <a:tailEnd type="none" w="med" len="med"/>
+                    </a:lnL>
+                    <a:lnB w="12700" cap="flat" cmpd="sng" algn="ctr">
+                      <a:noFill/>
+                      <a:prstDash val="solid"/>
+                      <a:round/>
+                      <a:headEnd type="none" w="med" len="med"/>
+                      <a:tailEnd type="none" w="med" len="med"/>
+                    </a:lnB>
+                  </a:tcPr>
+                </a:tc>
+                <a:tc>
+                  <a:txBody>
+                    <a:bodyPr/>
+                    <a:lstStyle/>
+                    <a:p>
+                      <a:pPr algn="ctr"/>
+                      <a:r>
+                        <a:rPr kumimoji="1" lang="en-US" altLang="ja-JP" sz="1200" dirty="0" smtClean="0"/>
+                        <a:t>08</a:t>
+                      </a:r>
+                    </a:p>
+                    <a:p>
+                      <a:pPr algn="ctr"/>
+                      <a:r>
+                        <a:rPr kumimoji="1" lang="en-US" altLang="ja-JP" sz="1200" dirty="0" smtClean="0"/>
+                        <a:t>(</a:t>
+                      </a:r>
+                      <a:r>
+                        <a:rPr kumimoji="1" lang="en-US" altLang="ja-JP" sz="1200" dirty="0" smtClean="0">
+                          <a:solidFill>
+                            <a:schemeClr val="accent6"/>
+                          </a:solidFill>
+                        </a:rPr>
+                        <a:t>5</a:t>
+                      </a:r>
+                      <a:r>
+                        <a:rPr kumimoji="1" lang="en-US" altLang="ja-JP" sz="1200" dirty="0" smtClean="0"/>
+                        <a:t>)</a:t>
+                      </a:r>
+                      <a:endParaRPr kumimoji="1" lang="ja-JP" altLang="en-US" sz="1200" dirty="0"/>
+                    </a:p>
+                  </a:txBody>
+                  <a:tcPr anchor="ctr"/>
+                </a:tc>
+                <a:tc>
+                  <a:txBody>
+                    <a:bodyPr/>
+                    <a:lstStyle/>
+                    <a:p>
+                      <a:pPr algn="ctr"/>
+                      <a:r>
+                        <a:rPr kumimoji="1" lang="en-US" altLang="ja-JP" sz="1200" dirty="0" smtClean="0"/>
+                        <a:t>33453</a:t>
+                      </a:r>
+                      <a:endParaRPr kumimoji="1" lang="ja-JP" altLang="en-US" sz="1200" dirty="0"/>
+                    </a:p>
+                  </a:txBody>
+                  <a:tcPr anchor="ctr">
+                    <a:solidFill>
+                      <a:schemeClr val="bg1">
+                        <a:lumMod val="95000"/>
+                      </a:schemeClr>
+                    </a:solidFill>
+                  </a:tcPr>
+                </a:tc>
+                <a:extLst>
+                  <a:ext uri="{0D108BD9-81ED-4DB2-BD59-A6C34878D82A}">
+                    <a16:rowId xmlns:a16="http://schemas.microsoft.com/office/drawing/2014/main" xmlns="" val="910388234"/>
+                  </a:ext>
+                </a:extLst>
+              </a:tr>
+            </a:tbl>
+          </a:graphicData>
+        </a:graphic>
+      </p:graphicFrame>
+      <p:sp>
+        <p:nvSpPr>
+          <p:cNvPr id="6" name="正方形/長方形 15"/>
+          <p:cNvSpPr/>
+          <p:nvPr/>
+        </p:nvSpPr>
+        <p:spPr>
+          <a:xfrm>
+            <a:off x="4187720" y="1997900"/>
+            <a:ext cx="768559" cy="261610"/>
+          </a:xfrm>
+          <a:prstGeom prst="rect">
+            <a:avLst/>
+          </a:prstGeom>
+        </p:spPr>
+        <p:txBody>
+          <a:bodyPr wrap="square">
+            <a:spAutoFit/>
+          </a:bodyPr>
+          <a:lstStyle/>
+          <a:p>
+            <a:r>
+              <a:rPr lang="ja-JP" altLang="en-US" sz="1100" b="1" dirty="0" smtClean="0"/>
+              <a:t>対応点数</a:t>
+            </a:r>
+            <a:endParaRPr lang="ja-JP" altLang="en-US" sz="1100" b="1" dirty="0"/>
+          </a:p>
+        </p:txBody>
+      </p:sp>
+    </p:spTree>
+    <p:extLst>
+      <p:ext uri="{BB962C8B-B14F-4D97-AF65-F5344CB8AC3E}">
+        <p14:creationId xmlns:p14="http://schemas.microsoft.com/office/powerpoint/2010/main" val="3529002936"/>
       </p:ext>
     </p:extLst>
   </p:cSld>
@@ -13131,7 +16688,7 @@
         </p:nvSpPr>
         <p:spPr>
           <a:xfrm>
-            <a:off x="4844429" y="4415548"/>
+            <a:off x="4812061" y="4447916"/>
             <a:ext cx="45719" cy="45719"/>
           </a:xfrm>
           <a:prstGeom prst="ellipse">
@@ -14654,7 +18211,7 @@
         </p:nvSpPr>
         <p:spPr>
           <a:xfrm>
-            <a:off x="6397931" y="5035503"/>
+            <a:off x="6381747" y="5075963"/>
             <a:ext cx="45719" cy="45719"/>
           </a:xfrm>
           <a:prstGeom prst="ellipse">
@@ -18885,7 +22442,7 @@
             <a:avLst/>
           </a:prstGeom>
           <a:noFill/>
-          <a:ln w="28575">
+          <a:ln w="19050">
             <a:solidFill>
               <a:srgbClr val="FF0000"/>
             </a:solidFill>
@@ -18931,7 +22488,7 @@
             <a:avLst/>
           </a:prstGeom>
           <a:noFill/>
-          <a:ln w="28575">
+          <a:ln w="19050">
             <a:solidFill>
               <a:srgbClr val="FF0000"/>
             </a:solidFill>
